--- a/ddavieau_Midterm/Presentation1.pptx
+++ b/ddavieau_Midterm/Presentation1.pptx
@@ -6,6 +6,7 @@
   </p:sldMasterIdLst>
   <p:sldIdLst>
     <p:sldId id="256" r:id="rId2"/>
+    <p:sldId id="257" r:id="rId3"/>
   </p:sldIdLst>
   <p:sldSz cx="12192000" cy="6858000"/>
   <p:notesSz cx="6858000" cy="9144000"/>
@@ -104,6 +105,11 @@
       </a:defRPr>
     </a:lvl9pPr>
   </p:defaultTextStyle>
+  <p:extLst>
+    <p:ext uri="{EFAFB233-063F-42B5-8137-9DF3F51BA10A}">
+      <p15:sldGuideLst xmlns:p15="http://schemas.microsoft.com/office/powerpoint/2012/main"/>
+    </p:ext>
+  </p:extLst>
 </p:presentation>
 </file>
 
@@ -3335,8 +3341,8 @@
         </p:nvSpPr>
         <p:spPr>
           <a:xfrm>
-            <a:off x="1860332" y="1753127"/>
-            <a:ext cx="718908" cy="491884"/>
+            <a:off x="659851" y="447864"/>
+            <a:ext cx="1103901" cy="664387"/>
           </a:xfrm>
           <a:prstGeom prst="flowChartPredefinedProcess">
             <a:avLst/>
@@ -3365,14 +3371,7 @@
             <a:pPr algn="ctr"/>
             <a:r>
               <a:rPr lang="en-US" sz="1100" dirty="0"/>
-              <a:t>class</a:t>
-            </a:r>
-          </a:p>
-          <a:p>
-            <a:pPr algn="ctr"/>
-            <a:r>
-              <a:rPr lang="en-US" sz="1100" dirty="0"/>
-              <a:t>object</a:t>
+              <a:t>control</a:t>
             </a:r>
           </a:p>
         </p:txBody>
@@ -3391,7 +3390,7 @@
         </p:nvSpPr>
         <p:spPr>
           <a:xfrm>
-            <a:off x="1860331" y="1078364"/>
+            <a:off x="-2119122" y="2445232"/>
             <a:ext cx="718908" cy="491884"/>
           </a:xfrm>
           <a:prstGeom prst="flowChartDecision">
@@ -3441,7 +3440,7 @@
         </p:nvSpPr>
         <p:spPr>
           <a:xfrm>
-            <a:off x="1860330" y="3777416"/>
+            <a:off x="-2174076" y="4532219"/>
             <a:ext cx="731520" cy="491884"/>
           </a:xfrm>
           <a:prstGeom prst="flowChartMultidocument">
@@ -3491,7 +3490,7 @@
         </p:nvSpPr>
         <p:spPr>
           <a:xfrm>
-            <a:off x="1860331" y="3102653"/>
+            <a:off x="-2174075" y="3857456"/>
             <a:ext cx="731520" cy="491884"/>
           </a:xfrm>
           <a:prstGeom prst="flowChartDocument">
@@ -3540,7 +3539,7 @@
         </p:nvSpPr>
         <p:spPr>
           <a:xfrm>
-            <a:off x="1860331" y="2427890"/>
+            <a:off x="-2174075" y="3182693"/>
             <a:ext cx="718908" cy="491884"/>
           </a:xfrm>
           <a:prstGeom prst="flowChartProcess">
@@ -3577,10 +3576,10 @@
       </p:sp>
       <p:sp>
         <p:nvSpPr>
-          <p:cNvPr id="10" name="Flowchart: Predefined Process 9">
-            <a:extLst>
-              <a:ext uri="{FF2B5EF4-FFF2-40B4-BE49-F238E27FC236}">
-                <a16:creationId xmlns:a16="http://schemas.microsoft.com/office/drawing/2014/main" id="{E9100C8E-9FC3-41CE-A6FA-D53D020CB322}"/>
+          <p:cNvPr id="11" name="Flowchart: Data 10">
+            <a:extLst>
+              <a:ext uri="{FF2B5EF4-FFF2-40B4-BE49-F238E27FC236}">
+                <a16:creationId xmlns:a16="http://schemas.microsoft.com/office/drawing/2014/main" id="{178E86A0-0465-44CD-96E5-0AA2681A27D4}"/>
               </a:ext>
             </a:extLst>
           </p:cNvPr>
@@ -3589,8 +3588,100 @@
         </p:nvSpPr>
         <p:spPr>
           <a:xfrm>
-            <a:off x="2769477" y="1753127"/>
-            <a:ext cx="718908" cy="491884"/>
+            <a:off x="-1227267" y="2937116"/>
+            <a:ext cx="731520" cy="491884"/>
+          </a:xfrm>
+          <a:prstGeom prst="flowChartInputOutput">
+            <a:avLst/>
+          </a:prstGeom>
+        </p:spPr>
+        <p:style>
+          <a:lnRef idx="2">
+            <a:schemeClr val="accent1">
+              <a:shade val="50000"/>
+            </a:schemeClr>
+          </a:lnRef>
+          <a:fillRef idx="1">
+            <a:schemeClr val="accent1"/>
+          </a:fillRef>
+          <a:effectRef idx="0">
+            <a:schemeClr val="accent1"/>
+          </a:effectRef>
+          <a:fontRef idx="minor">
+            <a:schemeClr val="lt1"/>
+          </a:fontRef>
+        </p:style>
+        <p:txBody>
+          <a:bodyPr rtlCol="0" anchor="ctr"/>
+          <a:lstStyle/>
+          <a:p>
+            <a:pPr algn="ctr"/>
+            <a:r>
+              <a:rPr lang="en-US" sz="1100" dirty="0"/>
+              <a:t>data</a:t>
+            </a:r>
+          </a:p>
+        </p:txBody>
+      </p:sp>
+      <p:cxnSp>
+        <p:nvCxnSpPr>
+          <p:cNvPr id="13" name="Straight Arrow Connector 12">
+            <a:extLst>
+              <a:ext uri="{FF2B5EF4-FFF2-40B4-BE49-F238E27FC236}">
+                <a16:creationId xmlns:a16="http://schemas.microsoft.com/office/drawing/2014/main" id="{182CBE34-F967-4F0A-B364-DBDBA548FDB3}"/>
+              </a:ext>
+            </a:extLst>
+          </p:cNvPr>
+          <p:cNvCxnSpPr>
+            <a:cxnSpLocks/>
+            <a:stCxn id="4" idx="3"/>
+            <a:endCxn id="15" idx="1"/>
+          </p:cNvCxnSpPr>
+          <p:nvPr/>
+        </p:nvCxnSpPr>
+        <p:spPr>
+          <a:xfrm flipV="1">
+            <a:off x="1763752" y="760015"/>
+            <a:ext cx="3108245" cy="20043"/>
+          </a:xfrm>
+          <a:prstGeom prst="straightConnector1">
+            <a:avLst/>
+          </a:prstGeom>
+          <a:ln>
+            <a:tailEnd type="triangle"/>
+          </a:ln>
+        </p:spPr>
+        <p:style>
+          <a:lnRef idx="1">
+            <a:schemeClr val="accent1"/>
+          </a:lnRef>
+          <a:fillRef idx="0">
+            <a:schemeClr val="accent1"/>
+          </a:fillRef>
+          <a:effectRef idx="0">
+            <a:schemeClr val="accent1"/>
+          </a:effectRef>
+          <a:fontRef idx="minor">
+            <a:schemeClr val="tx1"/>
+          </a:fontRef>
+        </p:style>
+      </p:cxnSp>
+      <p:sp>
+        <p:nvSpPr>
+          <p:cNvPr id="12" name="Flowchart: Predefined Process 11">
+            <a:extLst>
+              <a:ext uri="{FF2B5EF4-FFF2-40B4-BE49-F238E27FC236}">
+                <a16:creationId xmlns:a16="http://schemas.microsoft.com/office/drawing/2014/main" id="{C4CECAD3-B4B1-4FC1-A646-812B7C7B00EF}"/>
+              </a:ext>
+            </a:extLst>
+          </p:cNvPr>
+          <p:cNvSpPr/>
+          <p:nvPr/>
+        </p:nvSpPr>
+        <p:spPr>
+          <a:xfrm>
+            <a:off x="4439525" y="-1006150"/>
+            <a:ext cx="1103901" cy="664387"/>
           </a:xfrm>
           <a:prstGeom prst="flowChartPredefinedProcess">
             <a:avLst/>
@@ -3628,17 +3719,17 @@
                   <a:schemeClr val="tx1"/>
                 </a:solidFill>
               </a:rPr>
-              <a:t>class</a:t>
-            </a:r>
-          </a:p>
-        </p:txBody>
-      </p:sp>
-      <p:sp>
-        <p:nvSpPr>
-          <p:cNvPr id="11" name="Flowchart: Data 10">
-            <a:extLst>
-              <a:ext uri="{FF2B5EF4-FFF2-40B4-BE49-F238E27FC236}">
-                <a16:creationId xmlns:a16="http://schemas.microsoft.com/office/drawing/2014/main" id="{178E86A0-0465-44CD-96E5-0AA2681A27D4}"/>
+              <a:t>Controller</a:t>
+            </a:r>
+          </a:p>
+        </p:txBody>
+      </p:sp>
+      <p:sp>
+        <p:nvSpPr>
+          <p:cNvPr id="14" name="Flowchart: Predefined Process 13">
+            <a:extLst>
+              <a:ext uri="{FF2B5EF4-FFF2-40B4-BE49-F238E27FC236}">
+                <a16:creationId xmlns:a16="http://schemas.microsoft.com/office/drawing/2014/main" id="{643A8D25-1A83-4E03-803A-5E3A773ABF32}"/>
               </a:ext>
             </a:extLst>
           </p:cNvPr>
@@ -3647,10 +3738,68 @@
         </p:nvSpPr>
         <p:spPr>
           <a:xfrm>
-            <a:off x="1847720" y="4452179"/>
-            <a:ext cx="731520" cy="491884"/>
+            <a:off x="6536055" y="-1006150"/>
+            <a:ext cx="1103901" cy="664387"/>
           </a:xfrm>
-          <a:prstGeom prst="flowChartInputOutput">
+          <a:prstGeom prst="flowChartPredefinedProcess">
+            <a:avLst/>
+          </a:prstGeom>
+          <a:solidFill>
+            <a:schemeClr val="bg1">
+              <a:lumMod val="95000"/>
+            </a:schemeClr>
+          </a:solidFill>
+        </p:spPr>
+        <p:style>
+          <a:lnRef idx="2">
+            <a:schemeClr val="accent1">
+              <a:shade val="50000"/>
+            </a:schemeClr>
+          </a:lnRef>
+          <a:fillRef idx="1">
+            <a:schemeClr val="accent1"/>
+          </a:fillRef>
+          <a:effectRef idx="0">
+            <a:schemeClr val="accent1"/>
+          </a:effectRef>
+          <a:fontRef idx="minor">
+            <a:schemeClr val="lt1"/>
+          </a:fontRef>
+        </p:style>
+        <p:txBody>
+          <a:bodyPr rtlCol="0" anchor="ctr"/>
+          <a:lstStyle/>
+          <a:p>
+            <a:pPr algn="ctr"/>
+            <a:r>
+              <a:rPr lang="en-US" sz="1100" dirty="0">
+                <a:solidFill>
+                  <a:schemeClr val="tx1"/>
+                </a:solidFill>
+              </a:rPr>
+              <a:t>Model</a:t>
+            </a:r>
+          </a:p>
+        </p:txBody>
+      </p:sp>
+      <p:sp>
+        <p:nvSpPr>
+          <p:cNvPr id="15" name="Flowchart: Predefined Process 14">
+            <a:extLst>
+              <a:ext uri="{FF2B5EF4-FFF2-40B4-BE49-F238E27FC236}">
+                <a16:creationId xmlns:a16="http://schemas.microsoft.com/office/drawing/2014/main" id="{AFBCEE2B-9316-4DDC-B9E3-3C1635EA0A06}"/>
+              </a:ext>
+            </a:extLst>
+          </p:cNvPr>
+          <p:cNvSpPr/>
+          <p:nvPr/>
+        </p:nvSpPr>
+        <p:spPr>
+          <a:xfrm>
+            <a:off x="4871997" y="427821"/>
+            <a:ext cx="1103901" cy="664387"/>
+          </a:xfrm>
+          <a:prstGeom prst="flowChartPredefinedProcess">
             <a:avLst/>
           </a:prstGeom>
         </p:spPr>
@@ -3677,30 +3826,750 @@
             <a:pPr algn="ctr"/>
             <a:r>
               <a:rPr lang="en-US" sz="1100" dirty="0"/>
-              <a:t>data</a:t>
-            </a:r>
-          </a:p>
-        </p:txBody>
-      </p:sp>
+              <a:t>model</a:t>
+            </a:r>
+          </a:p>
+        </p:txBody>
+      </p:sp>
+      <p:sp>
+        <p:nvSpPr>
+          <p:cNvPr id="16" name="Flowchart: Display 15">
+            <a:extLst>
+              <a:ext uri="{FF2B5EF4-FFF2-40B4-BE49-F238E27FC236}">
+                <a16:creationId xmlns:a16="http://schemas.microsoft.com/office/drawing/2014/main" id="{9A38914F-FB94-404A-A210-CCD4527D321E}"/>
+              </a:ext>
+            </a:extLst>
+          </p:cNvPr>
+          <p:cNvSpPr/>
+          <p:nvPr/>
+        </p:nvSpPr>
+        <p:spPr>
+          <a:xfrm>
+            <a:off x="4871997" y="1526671"/>
+            <a:ext cx="1103900" cy="664387"/>
+          </a:xfrm>
+          <a:prstGeom prst="flowChartDisplay">
+            <a:avLst/>
+          </a:prstGeom>
+        </p:spPr>
+        <p:style>
+          <a:lnRef idx="2">
+            <a:schemeClr val="accent1">
+              <a:shade val="50000"/>
+            </a:schemeClr>
+          </a:lnRef>
+          <a:fillRef idx="1">
+            <a:schemeClr val="accent1"/>
+          </a:fillRef>
+          <a:effectRef idx="0">
+            <a:schemeClr val="accent1"/>
+          </a:effectRef>
+          <a:fontRef idx="minor">
+            <a:schemeClr val="lt1"/>
+          </a:fontRef>
+        </p:style>
+        <p:txBody>
+          <a:bodyPr rtlCol="0" anchor="ctr"/>
+          <a:lstStyle/>
+          <a:p>
+            <a:pPr algn="ctr"/>
+            <a:r>
+              <a:rPr lang="en-US" sz="900" dirty="0" err="1"/>
+              <a:t>Papplet</a:t>
+            </a:r>
+            <a:endParaRPr lang="en-US" sz="900" dirty="0"/>
+          </a:p>
+          <a:p>
+            <a:pPr algn="ctr"/>
+            <a:r>
+              <a:rPr lang="en-US" sz="900" dirty="0" err="1"/>
+              <a:t>mainview</a:t>
+            </a:r>
+            <a:endParaRPr lang="en-US" dirty="0"/>
+          </a:p>
+        </p:txBody>
+      </p:sp>
+      <p:sp>
+        <p:nvSpPr>
+          <p:cNvPr id="17" name="Flowchart: Predefined Process 16">
+            <a:extLst>
+              <a:ext uri="{FF2B5EF4-FFF2-40B4-BE49-F238E27FC236}">
+                <a16:creationId xmlns:a16="http://schemas.microsoft.com/office/drawing/2014/main" id="{2C74F5BA-8501-4654-ABC6-63166D0C1A99}"/>
+              </a:ext>
+            </a:extLst>
+          </p:cNvPr>
+          <p:cNvSpPr/>
+          <p:nvPr/>
+        </p:nvSpPr>
+        <p:spPr>
+          <a:xfrm>
+            <a:off x="8706725" y="-1006150"/>
+            <a:ext cx="1103901" cy="664387"/>
+          </a:xfrm>
+          <a:prstGeom prst="flowChartPredefinedProcess">
+            <a:avLst/>
+          </a:prstGeom>
+          <a:solidFill>
+            <a:schemeClr val="bg1">
+              <a:lumMod val="95000"/>
+            </a:schemeClr>
+          </a:solidFill>
+        </p:spPr>
+        <p:style>
+          <a:lnRef idx="2">
+            <a:schemeClr val="accent1">
+              <a:shade val="50000"/>
+            </a:schemeClr>
+          </a:lnRef>
+          <a:fillRef idx="1">
+            <a:schemeClr val="accent1"/>
+          </a:fillRef>
+          <a:effectRef idx="0">
+            <a:schemeClr val="accent1"/>
+          </a:effectRef>
+          <a:fontRef idx="minor">
+            <a:schemeClr val="lt1"/>
+          </a:fontRef>
+        </p:style>
+        <p:txBody>
+          <a:bodyPr rtlCol="0" anchor="ctr"/>
+          <a:lstStyle/>
+          <a:p>
+            <a:pPr algn="ctr"/>
+            <a:r>
+              <a:rPr lang="en-US" sz="1100" dirty="0" err="1">
+                <a:solidFill>
+                  <a:schemeClr val="tx1"/>
+                </a:solidFill>
+              </a:rPr>
+              <a:t>ZoomView</a:t>
+            </a:r>
+            <a:endParaRPr lang="en-US" sz="1100" dirty="0">
+              <a:solidFill>
+                <a:schemeClr val="tx1"/>
+              </a:solidFill>
+            </a:endParaRPr>
+          </a:p>
+        </p:txBody>
+      </p:sp>
+      <p:sp>
+        <p:nvSpPr>
+          <p:cNvPr id="18" name="Flowchart: Predefined Process 17">
+            <a:extLst>
+              <a:ext uri="{FF2B5EF4-FFF2-40B4-BE49-F238E27FC236}">
+                <a16:creationId xmlns:a16="http://schemas.microsoft.com/office/drawing/2014/main" id="{6C719F38-FC58-4659-93F0-531DFDC71E87}"/>
+              </a:ext>
+            </a:extLst>
+          </p:cNvPr>
+          <p:cNvSpPr/>
+          <p:nvPr/>
+        </p:nvSpPr>
+        <p:spPr>
+          <a:xfrm>
+            <a:off x="4871997" y="2625521"/>
+            <a:ext cx="1103901" cy="664387"/>
+          </a:xfrm>
+          <a:prstGeom prst="flowChartPredefinedProcess">
+            <a:avLst/>
+          </a:prstGeom>
+        </p:spPr>
+        <p:style>
+          <a:lnRef idx="2">
+            <a:schemeClr val="accent1">
+              <a:shade val="50000"/>
+            </a:schemeClr>
+          </a:lnRef>
+          <a:fillRef idx="1">
+            <a:schemeClr val="accent1"/>
+          </a:fillRef>
+          <a:effectRef idx="0">
+            <a:schemeClr val="accent1"/>
+          </a:effectRef>
+          <a:fontRef idx="minor">
+            <a:schemeClr val="lt1"/>
+          </a:fontRef>
+        </p:style>
+        <p:txBody>
+          <a:bodyPr rtlCol="0" anchor="ctr"/>
+          <a:lstStyle/>
+          <a:p>
+            <a:pPr algn="ctr"/>
+            <a:r>
+              <a:rPr lang="en-US" sz="1100" dirty="0" err="1"/>
+              <a:t>zoomView</a:t>
+            </a:r>
+            <a:endParaRPr lang="en-US" sz="1100" dirty="0"/>
+          </a:p>
+        </p:txBody>
+      </p:sp>
+      <p:graphicFrame>
+        <p:nvGraphicFramePr>
+          <p:cNvPr id="19" name="Table 18">
+            <a:extLst>
+              <a:ext uri="{FF2B5EF4-FFF2-40B4-BE49-F238E27FC236}">
+                <a16:creationId xmlns:a16="http://schemas.microsoft.com/office/drawing/2014/main" id="{4FF1133B-22E4-4596-9EC0-34612F3B42E0}"/>
+              </a:ext>
+            </a:extLst>
+          </p:cNvPr>
+          <p:cNvGraphicFramePr>
+            <a:graphicFrameLocks noGrp="1"/>
+          </p:cNvGraphicFramePr>
+          <p:nvPr>
+            <p:extLst>
+              <p:ext uri="{D42A27DB-BD31-4B8C-83A1-F6EECF244321}">
+                <p14:modId xmlns:p14="http://schemas.microsoft.com/office/powerpoint/2010/main" val="220203470"/>
+              </p:ext>
+            </p:extLst>
+          </p:nvPr>
+        </p:nvGraphicFramePr>
+        <p:xfrm>
+          <a:off x="4711864" y="3724370"/>
+          <a:ext cx="1424166" cy="266172"/>
+        </p:xfrm>
+        <a:graphic>
+          <a:graphicData uri="http://schemas.openxmlformats.org/drawingml/2006/table">
+            <a:tbl>
+              <a:tblPr firstRow="1" bandRow="1">
+                <a:tableStyleId>{5C22544A-7EE6-4342-B048-85BDC9FD1C3A}</a:tableStyleId>
+              </a:tblPr>
+              <a:tblGrid>
+                <a:gridCol w="1424166">
+                  <a:extLst>
+                    <a:ext uri="{9D8B030D-6E8A-4147-A177-3AD203B41FA5}">
+                      <a16:colId xmlns:a16="http://schemas.microsoft.com/office/drawing/2014/main" val="484347071"/>
+                    </a:ext>
+                  </a:extLst>
+                </a:gridCol>
+              </a:tblGrid>
+              <a:tr h="266172">
+                <a:tc>
+                  <a:txBody>
+                    <a:bodyPr/>
+                    <a:lstStyle/>
+                    <a:p>
+                      <a:r>
+                        <a:rPr lang="en-US" sz="1100" dirty="0">
+                          <a:solidFill>
+                            <a:schemeClr val="tx1"/>
+                          </a:solidFill>
+                        </a:rPr>
+                        <a:t>String </a:t>
+                      </a:r>
+                      <a:r>
+                        <a:rPr lang="en-US" sz="1100" dirty="0" err="1">
+                          <a:solidFill>
+                            <a:schemeClr val="tx1"/>
+                          </a:solidFill>
+                        </a:rPr>
+                        <a:t>selectedOrigin</a:t>
+                      </a:r>
+                      <a:endParaRPr lang="en-US" dirty="0">
+                        <a:solidFill>
+                          <a:schemeClr val="tx1"/>
+                        </a:solidFill>
+                      </a:endParaRPr>
+                    </a:p>
+                  </a:txBody>
+                  <a:tcPr>
+                    <a:solidFill>
+                      <a:schemeClr val="bg2">
+                        <a:lumMod val="90000"/>
+                      </a:schemeClr>
+                    </a:solidFill>
+                  </a:tcPr>
+                </a:tc>
+                <a:extLst>
+                  <a:ext uri="{0D108BD9-81ED-4DB2-BD59-A6C34878D82A}">
+                    <a16:rowId xmlns:a16="http://schemas.microsoft.com/office/drawing/2014/main" val="1763063817"/>
+                  </a:ext>
+                </a:extLst>
+              </a:tr>
+            </a:tbl>
+          </a:graphicData>
+        </a:graphic>
+      </p:graphicFrame>
+      <p:graphicFrame>
+        <p:nvGraphicFramePr>
+          <p:cNvPr id="21" name="Table 20">
+            <a:extLst>
+              <a:ext uri="{FF2B5EF4-FFF2-40B4-BE49-F238E27FC236}">
+                <a16:creationId xmlns:a16="http://schemas.microsoft.com/office/drawing/2014/main" id="{220FEF9C-73E1-46DB-BCF1-627A17E8FFB2}"/>
+              </a:ext>
+            </a:extLst>
+          </p:cNvPr>
+          <p:cNvGraphicFramePr>
+            <a:graphicFrameLocks noGrp="1"/>
+          </p:cNvGraphicFramePr>
+          <p:nvPr>
+            <p:extLst>
+              <p:ext uri="{D42A27DB-BD31-4B8C-83A1-F6EECF244321}">
+                <p14:modId xmlns:p14="http://schemas.microsoft.com/office/powerpoint/2010/main" val="335849313"/>
+              </p:ext>
+            </p:extLst>
+          </p:nvPr>
+        </p:nvGraphicFramePr>
+        <p:xfrm>
+          <a:off x="540287" y="1324174"/>
+          <a:ext cx="1343028" cy="266172"/>
+        </p:xfrm>
+        <a:graphic>
+          <a:graphicData uri="http://schemas.openxmlformats.org/drawingml/2006/table">
+            <a:tbl>
+              <a:tblPr firstRow="1" bandRow="1">
+                <a:tableStyleId>{5C22544A-7EE6-4342-B048-85BDC9FD1C3A}</a:tableStyleId>
+              </a:tblPr>
+              <a:tblGrid>
+                <a:gridCol w="1343028">
+                  <a:extLst>
+                    <a:ext uri="{9D8B030D-6E8A-4147-A177-3AD203B41FA5}">
+                      <a16:colId xmlns:a16="http://schemas.microsoft.com/office/drawing/2014/main" val="484347071"/>
+                    </a:ext>
+                  </a:extLst>
+                </a:gridCol>
+              </a:tblGrid>
+              <a:tr h="266172">
+                <a:tc>
+                  <a:txBody>
+                    <a:bodyPr/>
+                    <a:lstStyle/>
+                    <a:p>
+                      <a:r>
+                        <a:rPr lang="en-US" sz="1100" dirty="0" err="1">
+                          <a:solidFill>
+                            <a:schemeClr val="tx1"/>
+                          </a:solidFill>
+                        </a:rPr>
+                        <a:t>Pimage</a:t>
+                      </a:r>
+                      <a:r>
+                        <a:rPr lang="en-US" sz="1100" dirty="0">
+                          <a:solidFill>
+                            <a:schemeClr val="tx1"/>
+                          </a:solidFill>
+                        </a:rPr>
+                        <a:t> </a:t>
+                      </a:r>
+                      <a:r>
+                        <a:rPr lang="en-US" sz="1100" dirty="0" err="1">
+                          <a:solidFill>
+                            <a:schemeClr val="tx1"/>
+                          </a:solidFill>
+                        </a:rPr>
+                        <a:t>worldMap</a:t>
+                      </a:r>
+                      <a:endParaRPr lang="en-US" dirty="0">
+                        <a:solidFill>
+                          <a:schemeClr val="tx1"/>
+                        </a:solidFill>
+                      </a:endParaRPr>
+                    </a:p>
+                  </a:txBody>
+                  <a:tcPr>
+                    <a:solidFill>
+                      <a:schemeClr val="bg2">
+                        <a:lumMod val="90000"/>
+                      </a:schemeClr>
+                    </a:solidFill>
+                  </a:tcPr>
+                </a:tc>
+                <a:extLst>
+                  <a:ext uri="{0D108BD9-81ED-4DB2-BD59-A6C34878D82A}">
+                    <a16:rowId xmlns:a16="http://schemas.microsoft.com/office/drawing/2014/main" val="1763063817"/>
+                  </a:ext>
+                </a:extLst>
+              </a:tr>
+            </a:tbl>
+          </a:graphicData>
+        </a:graphic>
+      </p:graphicFrame>
+      <p:sp>
+        <p:nvSpPr>
+          <p:cNvPr id="22" name="Flowchart: Predefined Process 21">
+            <a:extLst>
+              <a:ext uri="{FF2B5EF4-FFF2-40B4-BE49-F238E27FC236}">
+                <a16:creationId xmlns:a16="http://schemas.microsoft.com/office/drawing/2014/main" id="{11E1CCA2-F7AE-4EB4-9038-06E9F12F2005}"/>
+              </a:ext>
+            </a:extLst>
+          </p:cNvPr>
+          <p:cNvSpPr/>
+          <p:nvPr/>
+        </p:nvSpPr>
+        <p:spPr>
+          <a:xfrm>
+            <a:off x="2342995" y="-1006150"/>
+            <a:ext cx="1103901" cy="664387"/>
+          </a:xfrm>
+          <a:prstGeom prst="flowChartPredefinedProcess">
+            <a:avLst/>
+          </a:prstGeom>
+          <a:solidFill>
+            <a:schemeClr val="bg1">
+              <a:lumMod val="95000"/>
+            </a:schemeClr>
+          </a:solidFill>
+        </p:spPr>
+        <p:style>
+          <a:lnRef idx="2">
+            <a:schemeClr val="accent1">
+              <a:shade val="50000"/>
+            </a:schemeClr>
+          </a:lnRef>
+          <a:fillRef idx="1">
+            <a:schemeClr val="accent1"/>
+          </a:fillRef>
+          <a:effectRef idx="0">
+            <a:schemeClr val="accent1"/>
+          </a:effectRef>
+          <a:fontRef idx="minor">
+            <a:schemeClr val="lt1"/>
+          </a:fontRef>
+        </p:style>
+        <p:txBody>
+          <a:bodyPr rtlCol="0" anchor="ctr"/>
+          <a:lstStyle/>
+          <a:p>
+            <a:pPr algn="ctr"/>
+            <a:r>
+              <a:rPr lang="en-US" sz="1100" dirty="0">
+                <a:solidFill>
+                  <a:schemeClr val="tx1"/>
+                </a:solidFill>
+              </a:rPr>
+              <a:t>Window</a:t>
+            </a:r>
+          </a:p>
+        </p:txBody>
+      </p:sp>
+      <p:sp>
+        <p:nvSpPr>
+          <p:cNvPr id="24" name="Flowchart: Predefined Process 23">
+            <a:extLst>
+              <a:ext uri="{FF2B5EF4-FFF2-40B4-BE49-F238E27FC236}">
+                <a16:creationId xmlns:a16="http://schemas.microsoft.com/office/drawing/2014/main" id="{045ED932-BBF3-4F68-B69C-ACF29EC804E4}"/>
+              </a:ext>
+            </a:extLst>
+          </p:cNvPr>
+          <p:cNvSpPr/>
+          <p:nvPr/>
+        </p:nvSpPr>
+        <p:spPr>
+          <a:xfrm>
+            <a:off x="659851" y="1802269"/>
+            <a:ext cx="1103901" cy="664387"/>
+          </a:xfrm>
+          <a:prstGeom prst="flowChartPredefinedProcess">
+            <a:avLst/>
+          </a:prstGeom>
+        </p:spPr>
+        <p:style>
+          <a:lnRef idx="2">
+            <a:schemeClr val="accent1">
+              <a:shade val="50000"/>
+            </a:schemeClr>
+          </a:lnRef>
+          <a:fillRef idx="1">
+            <a:schemeClr val="accent1"/>
+          </a:fillRef>
+          <a:effectRef idx="0">
+            <a:schemeClr val="accent1"/>
+          </a:effectRef>
+          <a:fontRef idx="minor">
+            <a:schemeClr val="lt1"/>
+          </a:fontRef>
+        </p:style>
+        <p:txBody>
+          <a:bodyPr rtlCol="0" anchor="ctr"/>
+          <a:lstStyle/>
+          <a:p>
+            <a:pPr algn="ctr"/>
+            <a:r>
+              <a:rPr lang="en-US" sz="1100" dirty="0"/>
+              <a:t>window</a:t>
+            </a:r>
+          </a:p>
+        </p:txBody>
+      </p:sp>
+      <p:sp>
+        <p:nvSpPr>
+          <p:cNvPr id="26" name="Flowchart: Predefined Process 25">
+            <a:extLst>
+              <a:ext uri="{FF2B5EF4-FFF2-40B4-BE49-F238E27FC236}">
+                <a16:creationId xmlns:a16="http://schemas.microsoft.com/office/drawing/2014/main" id="{2CE54248-BD54-4231-8EF5-4452D42FD779}"/>
+              </a:ext>
+            </a:extLst>
+          </p:cNvPr>
+          <p:cNvSpPr/>
+          <p:nvPr/>
+        </p:nvSpPr>
+        <p:spPr>
+          <a:xfrm>
+            <a:off x="659851" y="2678579"/>
+            <a:ext cx="1103901" cy="664387"/>
+          </a:xfrm>
+          <a:prstGeom prst="flowChartPredefinedProcess">
+            <a:avLst/>
+          </a:prstGeom>
+        </p:spPr>
+        <p:style>
+          <a:lnRef idx="2">
+            <a:schemeClr val="accent1">
+              <a:shade val="50000"/>
+            </a:schemeClr>
+          </a:lnRef>
+          <a:fillRef idx="1">
+            <a:schemeClr val="accent1"/>
+          </a:fillRef>
+          <a:effectRef idx="0">
+            <a:schemeClr val="accent1"/>
+          </a:effectRef>
+          <a:fontRef idx="minor">
+            <a:schemeClr val="lt1"/>
+          </a:fontRef>
+        </p:style>
+        <p:txBody>
+          <a:bodyPr rtlCol="0" anchor="ctr"/>
+          <a:lstStyle/>
+          <a:p>
+            <a:pPr algn="ctr"/>
+            <a:r>
+              <a:rPr lang="en-US" sz="1100" dirty="0"/>
+              <a:t>converter</a:t>
+            </a:r>
+          </a:p>
+        </p:txBody>
+      </p:sp>
+      <p:sp>
+        <p:nvSpPr>
+          <p:cNvPr id="29" name="Flowchart: Predefined Process 28">
+            <a:extLst>
+              <a:ext uri="{FF2B5EF4-FFF2-40B4-BE49-F238E27FC236}">
+                <a16:creationId xmlns:a16="http://schemas.microsoft.com/office/drawing/2014/main" id="{ABEDC9A5-F9BB-4D9E-AB73-EB83A0882BC6}"/>
+              </a:ext>
+            </a:extLst>
+          </p:cNvPr>
+          <p:cNvSpPr/>
+          <p:nvPr/>
+        </p:nvSpPr>
+        <p:spPr>
+          <a:xfrm>
+            <a:off x="10325444" y="-1010443"/>
+            <a:ext cx="1103901" cy="664387"/>
+          </a:xfrm>
+          <a:prstGeom prst="flowChartPredefinedProcess">
+            <a:avLst/>
+          </a:prstGeom>
+          <a:solidFill>
+            <a:schemeClr val="bg1">
+              <a:lumMod val="95000"/>
+            </a:schemeClr>
+          </a:solidFill>
+        </p:spPr>
+        <p:style>
+          <a:lnRef idx="2">
+            <a:schemeClr val="accent1">
+              <a:shade val="50000"/>
+            </a:schemeClr>
+          </a:lnRef>
+          <a:fillRef idx="1">
+            <a:schemeClr val="accent1"/>
+          </a:fillRef>
+          <a:effectRef idx="0">
+            <a:schemeClr val="accent1"/>
+          </a:effectRef>
+          <a:fontRef idx="minor">
+            <a:schemeClr val="lt1"/>
+          </a:fontRef>
+        </p:style>
+        <p:txBody>
+          <a:bodyPr rtlCol="0" anchor="ctr"/>
+          <a:lstStyle/>
+          <a:p>
+            <a:pPr algn="ctr"/>
+            <a:r>
+              <a:rPr lang="en-US" sz="1100" dirty="0">
+                <a:solidFill>
+                  <a:schemeClr val="tx1"/>
+                </a:solidFill>
+              </a:rPr>
+              <a:t>Country</a:t>
+            </a:r>
+          </a:p>
+        </p:txBody>
+      </p:sp>
+      <p:sp>
+        <p:nvSpPr>
+          <p:cNvPr id="30" name="Flowchart: Predefined Process 29">
+            <a:extLst>
+              <a:ext uri="{FF2B5EF4-FFF2-40B4-BE49-F238E27FC236}">
+                <a16:creationId xmlns:a16="http://schemas.microsoft.com/office/drawing/2014/main" id="{402E1243-7AF2-4D65-A7FE-20EFFDCD1893}"/>
+              </a:ext>
+            </a:extLst>
+          </p:cNvPr>
+          <p:cNvSpPr/>
+          <p:nvPr/>
+        </p:nvSpPr>
+        <p:spPr>
+          <a:xfrm>
+            <a:off x="659851" y="3554889"/>
+            <a:ext cx="1103901" cy="664387"/>
+          </a:xfrm>
+          <a:prstGeom prst="flowChartPredefinedProcess">
+            <a:avLst/>
+          </a:prstGeom>
+        </p:spPr>
+        <p:style>
+          <a:lnRef idx="2">
+            <a:schemeClr val="accent1">
+              <a:shade val="50000"/>
+            </a:schemeClr>
+          </a:lnRef>
+          <a:fillRef idx="1">
+            <a:schemeClr val="accent1"/>
+          </a:fillRef>
+          <a:effectRef idx="0">
+            <a:schemeClr val="accent1"/>
+          </a:effectRef>
+          <a:fontRef idx="minor">
+            <a:schemeClr val="lt1"/>
+          </a:fontRef>
+        </p:style>
+        <p:txBody>
+          <a:bodyPr rtlCol="0" anchor="ctr"/>
+          <a:lstStyle/>
+          <a:p>
+            <a:pPr algn="ctr"/>
+            <a:r>
+              <a:rPr lang="en-US" sz="1050" dirty="0" err="1"/>
+              <a:t>arraylist</a:t>
+            </a:r>
+            <a:r>
+              <a:rPr lang="en-US" sz="1050" dirty="0"/>
+              <a:t> origins</a:t>
+            </a:r>
+          </a:p>
+          <a:p>
+            <a:pPr algn="ctr"/>
+            <a:r>
+              <a:rPr lang="en-US" sz="1050" dirty="0"/>
+              <a:t>&lt;</a:t>
+            </a:r>
+            <a:r>
+              <a:rPr lang="en-US" sz="1050" b="1" dirty="0"/>
+              <a:t>Country</a:t>
+            </a:r>
+            <a:r>
+              <a:rPr lang="en-US" sz="1050" dirty="0"/>
+              <a:t>&gt;</a:t>
+            </a:r>
+          </a:p>
+        </p:txBody>
+      </p:sp>
+      <p:graphicFrame>
+        <p:nvGraphicFramePr>
+          <p:cNvPr id="31" name="Table 30">
+            <a:extLst>
+              <a:ext uri="{FF2B5EF4-FFF2-40B4-BE49-F238E27FC236}">
+                <a16:creationId xmlns:a16="http://schemas.microsoft.com/office/drawing/2014/main" id="{8AE58E4F-9053-4B6D-857E-CA3747FEF84D}"/>
+              </a:ext>
+            </a:extLst>
+          </p:cNvPr>
+          <p:cNvGraphicFramePr>
+            <a:graphicFrameLocks noGrp="1"/>
+          </p:cNvGraphicFramePr>
+          <p:nvPr>
+            <p:extLst>
+              <p:ext uri="{D42A27DB-BD31-4B8C-83A1-F6EECF244321}">
+                <p14:modId xmlns:p14="http://schemas.microsoft.com/office/powerpoint/2010/main" val="273096448"/>
+              </p:ext>
+            </p:extLst>
+          </p:nvPr>
+        </p:nvGraphicFramePr>
+        <p:xfrm>
+          <a:off x="528496" y="4431200"/>
+          <a:ext cx="1366610" cy="259080"/>
+        </p:xfrm>
+        <a:graphic>
+          <a:graphicData uri="http://schemas.openxmlformats.org/drawingml/2006/table">
+            <a:tbl>
+              <a:tblPr firstRow="1" bandRow="1">
+                <a:tableStyleId>{5C22544A-7EE6-4342-B048-85BDC9FD1C3A}</a:tableStyleId>
+              </a:tblPr>
+              <a:tblGrid>
+                <a:gridCol w="1366610">
+                  <a:extLst>
+                    <a:ext uri="{9D8B030D-6E8A-4147-A177-3AD203B41FA5}">
+                      <a16:colId xmlns:a16="http://schemas.microsoft.com/office/drawing/2014/main" val="484347071"/>
+                    </a:ext>
+                  </a:extLst>
+                </a:gridCol>
+              </a:tblGrid>
+              <a:tr h="256917">
+                <a:tc>
+                  <a:txBody>
+                    <a:bodyPr/>
+                    <a:lstStyle/>
+                    <a:p>
+                      <a:r>
+                        <a:rPr lang="en-US" sz="1100" dirty="0">
+                          <a:solidFill>
+                            <a:schemeClr val="tx1"/>
+                          </a:solidFill>
+                        </a:rPr>
+                        <a:t>int[]</a:t>
+                      </a:r>
+                      <a:r>
+                        <a:rPr lang="en-US" sz="1100" dirty="0" err="1">
+                          <a:solidFill>
+                            <a:schemeClr val="tx1"/>
+                          </a:solidFill>
+                        </a:rPr>
+                        <a:t>minMaxOrigins</a:t>
+                      </a:r>
+                      <a:endParaRPr lang="en-US" dirty="0">
+                        <a:solidFill>
+                          <a:schemeClr val="tx1"/>
+                        </a:solidFill>
+                      </a:endParaRPr>
+                    </a:p>
+                  </a:txBody>
+                  <a:tcPr>
+                    <a:solidFill>
+                      <a:schemeClr val="bg2">
+                        <a:lumMod val="90000"/>
+                      </a:schemeClr>
+                    </a:solidFill>
+                  </a:tcPr>
+                </a:tc>
+                <a:extLst>
+                  <a:ext uri="{0D108BD9-81ED-4DB2-BD59-A6C34878D82A}">
+                    <a16:rowId xmlns:a16="http://schemas.microsoft.com/office/drawing/2014/main" val="1763063817"/>
+                  </a:ext>
+                </a:extLst>
+              </a:tr>
+            </a:tbl>
+          </a:graphicData>
+        </a:graphic>
+      </p:graphicFrame>
       <p:cxnSp>
         <p:nvCxnSpPr>
-          <p:cNvPr id="13" name="Straight Arrow Connector 12">
-            <a:extLst>
-              <a:ext uri="{FF2B5EF4-FFF2-40B4-BE49-F238E27FC236}">
-                <a16:creationId xmlns:a16="http://schemas.microsoft.com/office/drawing/2014/main" id="{182CBE34-F967-4F0A-B364-DBDBA548FDB3}"/>
+          <p:cNvPr id="35" name="Straight Arrow Connector 34">
+            <a:extLst>
+              <a:ext uri="{FF2B5EF4-FFF2-40B4-BE49-F238E27FC236}">
+                <a16:creationId xmlns:a16="http://schemas.microsoft.com/office/drawing/2014/main" id="{9187DE07-AF56-4EF1-9235-5C2CBBD8E449}"/>
               </a:ext>
             </a:extLst>
           </p:cNvPr>
           <p:cNvCxnSpPr>
-            <a:stCxn id="4" idx="1"/>
-            <a:endCxn id="6" idx="1"/>
+            <a:cxnSpLocks/>
+            <a:stCxn id="4" idx="3"/>
+            <a:endCxn id="16" idx="1"/>
           </p:cNvCxnSpPr>
           <p:nvPr/>
         </p:nvCxnSpPr>
         <p:spPr>
-          <a:xfrm flipH="1" flipV="1">
-            <a:off x="1860331" y="1324306"/>
-            <a:ext cx="1" cy="674763"/>
+          <a:xfrm>
+            <a:off x="1763752" y="780058"/>
+            <a:ext cx="3108245" cy="1078807"/>
           </a:xfrm>
           <a:prstGeom prst="straightConnector1">
             <a:avLst/>
@@ -3724,10 +4593,184 @@
           </a:fontRef>
         </p:style>
       </p:cxnSp>
+      <p:cxnSp>
+        <p:nvCxnSpPr>
+          <p:cNvPr id="38" name="Straight Arrow Connector 37">
+            <a:extLst>
+              <a:ext uri="{FF2B5EF4-FFF2-40B4-BE49-F238E27FC236}">
+                <a16:creationId xmlns:a16="http://schemas.microsoft.com/office/drawing/2014/main" id="{E305973F-1F15-429A-B764-AA7C080D945E}"/>
+              </a:ext>
+            </a:extLst>
+          </p:cNvPr>
+          <p:cNvCxnSpPr>
+            <a:cxnSpLocks/>
+            <a:stCxn id="4" idx="3"/>
+            <a:endCxn id="18" idx="1"/>
+          </p:cNvCxnSpPr>
+          <p:nvPr/>
+        </p:nvCxnSpPr>
+        <p:spPr>
+          <a:xfrm>
+            <a:off x="1763752" y="780058"/>
+            <a:ext cx="3108245" cy="2177657"/>
+          </a:xfrm>
+          <a:prstGeom prst="straightConnector1">
+            <a:avLst/>
+          </a:prstGeom>
+          <a:ln>
+            <a:tailEnd type="triangle"/>
+          </a:ln>
+        </p:spPr>
+        <p:style>
+          <a:lnRef idx="1">
+            <a:schemeClr val="accent1"/>
+          </a:lnRef>
+          <a:fillRef idx="0">
+            <a:schemeClr val="accent1"/>
+          </a:fillRef>
+          <a:effectRef idx="0">
+            <a:schemeClr val="accent1"/>
+          </a:effectRef>
+          <a:fontRef idx="minor">
+            <a:schemeClr val="tx1"/>
+          </a:fontRef>
+        </p:style>
+      </p:cxnSp>
+      <p:cxnSp>
+        <p:nvCxnSpPr>
+          <p:cNvPr id="41" name="Straight Arrow Connector 40">
+            <a:extLst>
+              <a:ext uri="{FF2B5EF4-FFF2-40B4-BE49-F238E27FC236}">
+                <a16:creationId xmlns:a16="http://schemas.microsoft.com/office/drawing/2014/main" id="{BAFF55DD-CD7E-4197-B9BF-9D75F111DE8B}"/>
+              </a:ext>
+            </a:extLst>
+          </p:cNvPr>
+          <p:cNvCxnSpPr>
+            <a:cxnSpLocks/>
+            <a:stCxn id="4" idx="3"/>
+            <a:endCxn id="19" idx="1"/>
+          </p:cNvCxnSpPr>
+          <p:nvPr/>
+        </p:nvCxnSpPr>
+        <p:spPr>
+          <a:xfrm>
+            <a:off x="1763752" y="780058"/>
+            <a:ext cx="2948112" cy="3077398"/>
+          </a:xfrm>
+          <a:prstGeom prst="straightConnector1">
+            <a:avLst/>
+          </a:prstGeom>
+          <a:ln>
+            <a:tailEnd type="triangle"/>
+          </a:ln>
+        </p:spPr>
+        <p:style>
+          <a:lnRef idx="1">
+            <a:schemeClr val="accent1"/>
+          </a:lnRef>
+          <a:fillRef idx="0">
+            <a:schemeClr val="accent1"/>
+          </a:fillRef>
+          <a:effectRef idx="0">
+            <a:schemeClr val="accent1"/>
+          </a:effectRef>
+          <a:fontRef idx="minor">
+            <a:schemeClr val="tx1"/>
+          </a:fontRef>
+        </p:style>
+      </p:cxnSp>
+      <p:sp>
+        <p:nvSpPr>
+          <p:cNvPr id="44" name="Flowchart: Predefined Process 43">
+            <a:extLst>
+              <a:ext uri="{FF2B5EF4-FFF2-40B4-BE49-F238E27FC236}">
+                <a16:creationId xmlns:a16="http://schemas.microsoft.com/office/drawing/2014/main" id="{3C0D45B4-31F2-4B38-ACD4-6B77AC0ADB62}"/>
+              </a:ext>
+            </a:extLst>
+          </p:cNvPr>
+          <p:cNvSpPr/>
+          <p:nvPr/>
+        </p:nvSpPr>
+        <p:spPr>
+          <a:xfrm>
+            <a:off x="659851" y="-1003222"/>
+            <a:ext cx="1103901" cy="664387"/>
+          </a:xfrm>
+          <a:prstGeom prst="flowChartPredefinedProcess">
+            <a:avLst/>
+          </a:prstGeom>
+          <a:solidFill>
+            <a:schemeClr val="bg1">
+              <a:lumMod val="95000"/>
+            </a:schemeClr>
+          </a:solidFill>
+        </p:spPr>
+        <p:style>
+          <a:lnRef idx="2">
+            <a:schemeClr val="accent1">
+              <a:shade val="50000"/>
+            </a:schemeClr>
+          </a:lnRef>
+          <a:fillRef idx="1">
+            <a:schemeClr val="accent1"/>
+          </a:fillRef>
+          <a:effectRef idx="0">
+            <a:schemeClr val="accent1"/>
+          </a:effectRef>
+          <a:fontRef idx="minor">
+            <a:schemeClr val="lt1"/>
+          </a:fontRef>
+        </p:style>
+        <p:txBody>
+          <a:bodyPr rtlCol="0" anchor="ctr"/>
+          <a:lstStyle/>
+          <a:p>
+            <a:pPr algn="ctr"/>
+            <a:r>
+              <a:rPr lang="en-US" sz="1100" dirty="0">
+                <a:solidFill>
+                  <a:schemeClr val="tx1"/>
+                </a:solidFill>
+              </a:rPr>
+              <a:t>Converter</a:t>
+            </a:r>
+          </a:p>
+        </p:txBody>
+      </p:sp>
     </p:spTree>
     <p:extLst>
       <p:ext uri="{BB962C8B-B14F-4D97-AF65-F5344CB8AC3E}">
         <p14:creationId xmlns:p14="http://schemas.microsoft.com/office/powerpoint/2010/main" val="4265596027"/>
+      </p:ext>
+    </p:extLst>
+  </p:cSld>
+  <p:clrMapOvr>
+    <a:masterClrMapping/>
+  </p:clrMapOvr>
+</p:sld>
+</file>
+
+<file path=ppt/slides/slide2.xml><?xml version="1.0" encoding="utf-8"?>
+<p:sld xmlns:a="http://schemas.openxmlformats.org/drawingml/2006/main" xmlns:r="http://schemas.openxmlformats.org/officeDocument/2006/relationships" xmlns:p="http://schemas.openxmlformats.org/presentationml/2006/main">
+  <p:cSld>
+    <p:spTree>
+      <p:nvGrpSpPr>
+        <p:cNvPr id="1" name=""/>
+        <p:cNvGrpSpPr/>
+        <p:nvPr/>
+      </p:nvGrpSpPr>
+      <p:grpSpPr>
+        <a:xfrm>
+          <a:off x="0" y="0"/>
+          <a:ext cx="0" cy="0"/>
+          <a:chOff x="0" y="0"/>
+          <a:chExt cx="0" cy="0"/>
+        </a:xfrm>
+      </p:grpSpPr>
+    </p:spTree>
+    <p:extLst>
+      <p:ext uri="{BB962C8B-B14F-4D97-AF65-F5344CB8AC3E}">
+        <p14:creationId xmlns:p14="http://schemas.microsoft.com/office/powerpoint/2010/main" val="580925650"/>
       </p:ext>
     </p:extLst>
   </p:cSld>

--- a/ddavieau_Midterm/Presentation1.pptx
+++ b/ddavieau_Midterm/Presentation1.pptx
@@ -6,7 +6,6 @@
   </p:sldMasterIdLst>
   <p:sldIdLst>
     <p:sldId id="256" r:id="rId2"/>
-    <p:sldId id="257" r:id="rId3"/>
   </p:sldIdLst>
   <p:sldSz cx="12192000" cy="6858000"/>
   <p:notesSz cx="6858000" cy="9144000"/>
@@ -3341,8 +3340,8 @@
         </p:nvSpPr>
         <p:spPr>
           <a:xfrm>
-            <a:off x="659851" y="447864"/>
-            <a:ext cx="1103901" cy="664387"/>
+            <a:off x="5602075" y="4064252"/>
+            <a:ext cx="570125" cy="429168"/>
           </a:xfrm>
           <a:prstGeom prst="flowChartPredefinedProcess">
             <a:avLst/>
@@ -3370,7 +3369,7 @@
           <a:p>
             <a:pPr algn="ctr"/>
             <a:r>
-              <a:rPr lang="en-US" sz="1100" dirty="0"/>
+              <a:rPr lang="en-US" sz="600" dirty="0"/>
               <a:t>control</a:t>
             </a:r>
           </a:p>
@@ -3391,7 +3390,7 @@
         <p:spPr>
           <a:xfrm>
             <a:off x="-2119122" y="2445232"/>
-            <a:ext cx="718908" cy="491884"/>
+            <a:ext cx="371290" cy="317738"/>
           </a:xfrm>
           <a:prstGeom prst="flowChartDecision">
             <a:avLst/>
@@ -3419,10 +3418,10 @@
           <a:p>
             <a:pPr algn="ctr"/>
             <a:r>
-              <a:rPr lang="en-US" sz="400" dirty="0"/>
+              <a:rPr lang="en-US" sz="100" dirty="0"/>
               <a:t>decision</a:t>
             </a:r>
-            <a:endParaRPr lang="en-US" sz="1100" dirty="0"/>
+            <a:endParaRPr lang="en-US" sz="600" dirty="0"/>
           </a:p>
         </p:txBody>
       </p:sp>
@@ -3441,7 +3440,7 @@
         <p:spPr>
           <a:xfrm>
             <a:off x="-2174076" y="4532219"/>
-            <a:ext cx="731520" cy="491884"/>
+            <a:ext cx="377804" cy="317738"/>
           </a:xfrm>
           <a:prstGeom prst="flowChartMultidocument">
             <a:avLst/>
@@ -3469,10 +3468,10 @@
           <a:p>
             <a:pPr algn="ctr"/>
             <a:r>
-              <a:rPr lang="en-US" sz="900" dirty="0" err="1"/>
+              <a:rPr lang="en-US" sz="300" dirty="0" err="1"/>
               <a:t>multidoc</a:t>
             </a:r>
-            <a:endParaRPr lang="en-US" sz="900" dirty="0"/>
+            <a:endParaRPr lang="en-US" sz="300" dirty="0"/>
           </a:p>
         </p:txBody>
       </p:sp>
@@ -3491,7 +3490,7 @@
         <p:spPr>
           <a:xfrm>
             <a:off x="-2174075" y="3857456"/>
-            <a:ext cx="731520" cy="491884"/>
+            <a:ext cx="377804" cy="317738"/>
           </a:xfrm>
           <a:prstGeom prst="flowChartDocument">
             <a:avLst/>
@@ -3519,7 +3518,7 @@
           <a:p>
             <a:pPr algn="ctr"/>
             <a:r>
-              <a:rPr lang="en-US" sz="1100" dirty="0"/>
+              <a:rPr lang="en-US" sz="600" dirty="0"/>
               <a:t>doc</a:t>
             </a:r>
           </a:p>
@@ -3540,7 +3539,7 @@
         <p:spPr>
           <a:xfrm>
             <a:off x="-2174075" y="3182693"/>
-            <a:ext cx="718908" cy="491884"/>
+            <a:ext cx="371290" cy="317738"/>
           </a:xfrm>
           <a:prstGeom prst="flowChartProcess">
             <a:avLst/>
@@ -3568,7 +3567,7 @@
           <a:p>
             <a:pPr algn="ctr"/>
             <a:r>
-              <a:rPr lang="en-US" sz="1100" dirty="0"/>
+              <a:rPr lang="en-US" sz="600" dirty="0"/>
               <a:t>process</a:t>
             </a:r>
           </a:p>
@@ -3589,7 +3588,7 @@
         <p:spPr>
           <a:xfrm>
             <a:off x="-1227267" y="2937116"/>
-            <a:ext cx="731520" cy="491884"/>
+            <a:ext cx="377804" cy="317738"/>
           </a:xfrm>
           <a:prstGeom prst="flowChartInputOutput">
             <a:avLst/>
@@ -3617,55 +3616,12 @@
           <a:p>
             <a:pPr algn="ctr"/>
             <a:r>
-              <a:rPr lang="en-US" sz="1100" dirty="0"/>
+              <a:rPr lang="en-US" sz="600" dirty="0"/>
               <a:t>data</a:t>
             </a:r>
           </a:p>
         </p:txBody>
       </p:sp>
-      <p:cxnSp>
-        <p:nvCxnSpPr>
-          <p:cNvPr id="13" name="Straight Arrow Connector 12">
-            <a:extLst>
-              <a:ext uri="{FF2B5EF4-FFF2-40B4-BE49-F238E27FC236}">
-                <a16:creationId xmlns:a16="http://schemas.microsoft.com/office/drawing/2014/main" id="{182CBE34-F967-4F0A-B364-DBDBA548FDB3}"/>
-              </a:ext>
-            </a:extLst>
-          </p:cNvPr>
-          <p:cNvCxnSpPr>
-            <a:cxnSpLocks/>
-            <a:stCxn id="4" idx="3"/>
-            <a:endCxn id="15" idx="1"/>
-          </p:cNvCxnSpPr>
-          <p:nvPr/>
-        </p:nvCxnSpPr>
-        <p:spPr>
-          <a:xfrm flipV="1">
-            <a:off x="1763752" y="760015"/>
-            <a:ext cx="3108245" cy="20043"/>
-          </a:xfrm>
-          <a:prstGeom prst="straightConnector1">
-            <a:avLst/>
-          </a:prstGeom>
-          <a:ln>
-            <a:tailEnd type="triangle"/>
-          </a:ln>
-        </p:spPr>
-        <p:style>
-          <a:lnRef idx="1">
-            <a:schemeClr val="accent1"/>
-          </a:lnRef>
-          <a:fillRef idx="0">
-            <a:schemeClr val="accent1"/>
-          </a:fillRef>
-          <a:effectRef idx="0">
-            <a:schemeClr val="accent1"/>
-          </a:effectRef>
-          <a:fontRef idx="minor">
-            <a:schemeClr val="tx1"/>
-          </a:fontRef>
-        </p:style>
-      </p:cxnSp>
       <p:sp>
         <p:nvSpPr>
           <p:cNvPr id="12" name="Flowchart: Predefined Process 11">
@@ -3680,8 +3636,8 @@
         </p:nvSpPr>
         <p:spPr>
           <a:xfrm>
-            <a:off x="4439525" y="-1006150"/>
-            <a:ext cx="1103901" cy="664387"/>
+            <a:off x="4439525" y="-1006149"/>
+            <a:ext cx="570125" cy="429168"/>
           </a:xfrm>
           <a:prstGeom prst="flowChartPredefinedProcess">
             <a:avLst/>
@@ -3714,7 +3670,7 @@
           <a:p>
             <a:pPr algn="ctr"/>
             <a:r>
-              <a:rPr lang="en-US" sz="1100" dirty="0">
+              <a:rPr lang="en-US" sz="600" dirty="0">
                 <a:solidFill>
                   <a:schemeClr val="tx1"/>
                 </a:solidFill>
@@ -3738,8 +3694,8 @@
         </p:nvSpPr>
         <p:spPr>
           <a:xfrm>
-            <a:off x="6536055" y="-1006150"/>
-            <a:ext cx="1103901" cy="664387"/>
+            <a:off x="6536055" y="-1006149"/>
+            <a:ext cx="570125" cy="429168"/>
           </a:xfrm>
           <a:prstGeom prst="flowChartPredefinedProcess">
             <a:avLst/>
@@ -3772,7 +3728,7 @@
           <a:p>
             <a:pPr algn="ctr"/>
             <a:r>
-              <a:rPr lang="en-US" sz="1100" dirty="0">
+              <a:rPr lang="en-US" sz="600" dirty="0">
                 <a:solidFill>
                   <a:schemeClr val="tx1"/>
                 </a:solidFill>
@@ -3796,8 +3752,8 @@
         </p:nvSpPr>
         <p:spPr>
           <a:xfrm>
-            <a:off x="4871997" y="427821"/>
-            <a:ext cx="1103901" cy="664387"/>
+            <a:off x="9448215" y="3046919"/>
+            <a:ext cx="570125" cy="429168"/>
           </a:xfrm>
           <a:prstGeom prst="flowChartPredefinedProcess">
             <a:avLst/>
@@ -3825,7 +3781,7 @@
           <a:p>
             <a:pPr algn="ctr"/>
             <a:r>
-              <a:rPr lang="en-US" sz="1100" dirty="0"/>
+              <a:rPr lang="en-US" sz="600" dirty="0"/>
               <a:t>model</a:t>
             </a:r>
           </a:p>
@@ -3845,8 +3801,8 @@
         </p:nvSpPr>
         <p:spPr>
           <a:xfrm>
-            <a:off x="4871997" y="1526671"/>
-            <a:ext cx="1103900" cy="664387"/>
+            <a:off x="9448215" y="4145769"/>
+            <a:ext cx="570124" cy="429168"/>
           </a:xfrm>
           <a:prstGeom prst="flowChartDisplay">
             <a:avLst/>
@@ -3874,18 +3830,18 @@
           <a:p>
             <a:pPr algn="ctr"/>
             <a:r>
-              <a:rPr lang="en-US" sz="900" dirty="0" err="1"/>
+              <a:rPr lang="en-US" sz="300" dirty="0" err="1"/>
               <a:t>Papplet</a:t>
             </a:r>
-            <a:endParaRPr lang="en-US" sz="900" dirty="0"/>
+            <a:endParaRPr lang="en-US" sz="300" dirty="0"/>
           </a:p>
           <a:p>
             <a:pPr algn="ctr"/>
             <a:r>
-              <a:rPr lang="en-US" sz="900" dirty="0" err="1"/>
+              <a:rPr lang="en-US" sz="300" dirty="0" err="1"/>
               <a:t>mainview</a:t>
             </a:r>
-            <a:endParaRPr lang="en-US" dirty="0"/>
+            <a:endParaRPr lang="en-US" sz="1000" dirty="0"/>
           </a:p>
         </p:txBody>
       </p:sp>
@@ -3903,8 +3859,8 @@
         </p:nvSpPr>
         <p:spPr>
           <a:xfrm>
-            <a:off x="8706725" y="-1006150"/>
-            <a:ext cx="1103901" cy="664387"/>
+            <a:off x="8706725" y="-1006149"/>
+            <a:ext cx="570125" cy="429168"/>
           </a:xfrm>
           <a:prstGeom prst="flowChartPredefinedProcess">
             <a:avLst/>
@@ -3937,14 +3893,14 @@
           <a:p>
             <a:pPr algn="ctr"/>
             <a:r>
-              <a:rPr lang="en-US" sz="1100" dirty="0" err="1">
+              <a:rPr lang="en-US" sz="600" dirty="0" err="1">
                 <a:solidFill>
                   <a:schemeClr val="tx1"/>
                 </a:solidFill>
               </a:rPr>
               <a:t>ZoomView</a:t>
             </a:r>
-            <a:endParaRPr lang="en-US" sz="1100" dirty="0">
+            <a:endParaRPr lang="en-US" sz="600" dirty="0">
               <a:solidFill>
                 <a:schemeClr val="tx1"/>
               </a:solidFill>
@@ -3966,8 +3922,8 @@
         </p:nvSpPr>
         <p:spPr>
           <a:xfrm>
-            <a:off x="4871997" y="2625521"/>
-            <a:ext cx="1103901" cy="664387"/>
+            <a:off x="9448215" y="5244619"/>
+            <a:ext cx="570125" cy="429168"/>
           </a:xfrm>
           <a:prstGeom prst="flowChartPredefinedProcess">
             <a:avLst/>
@@ -3995,10 +3951,10 @@
           <a:p>
             <a:pPr algn="ctr"/>
             <a:r>
-              <a:rPr lang="en-US" sz="1100" dirty="0" err="1"/>
+              <a:rPr lang="en-US" sz="400" dirty="0" err="1"/>
               <a:t>zoomView</a:t>
             </a:r>
-            <a:endParaRPr lang="en-US" sz="1100" dirty="0"/>
+            <a:endParaRPr lang="en-US" sz="400" dirty="0"/>
           </a:p>
         </p:txBody>
       </p:sp>
@@ -4017,14 +3973,14 @@
           <p:nvPr>
             <p:extLst>
               <p:ext uri="{D42A27DB-BD31-4B8C-83A1-F6EECF244321}">
-                <p14:modId xmlns:p14="http://schemas.microsoft.com/office/powerpoint/2010/main" val="220203470"/>
+                <p14:modId xmlns:p14="http://schemas.microsoft.com/office/powerpoint/2010/main" val="2468642019"/>
               </p:ext>
             </p:extLst>
           </p:nvPr>
         </p:nvGraphicFramePr>
         <p:xfrm>
-          <a:off x="4711864" y="3724370"/>
-          <a:ext cx="1424166" cy="266172"/>
+          <a:off x="9288082" y="6343467"/>
+          <a:ext cx="735530" cy="171937"/>
         </p:xfrm>
         <a:graphic>
           <a:graphicData uri="http://schemas.openxmlformats.org/drawingml/2006/table">
@@ -4033,7 +3989,7 @@
                 <a:tableStyleId>{5C22544A-7EE6-4342-B048-85BDC9FD1C3A}</a:tableStyleId>
               </a:tblPr>
               <a:tblGrid>
-                <a:gridCol w="1424166">
+                <a:gridCol w="735530">
                   <a:extLst>
                     <a:ext uri="{9D8B030D-6E8A-4147-A177-3AD203B41FA5}">
                       <a16:colId xmlns:a16="http://schemas.microsoft.com/office/drawing/2014/main" val="484347071"/>
@@ -4041,14 +3997,14 @@
                   </a:extLst>
                 </a:gridCol>
               </a:tblGrid>
-              <a:tr h="266172">
+              <a:tr h="171937">
                 <a:tc>
                   <a:txBody>
                     <a:bodyPr/>
                     <a:lstStyle/>
                     <a:p>
                       <a:r>
-                        <a:rPr lang="en-US" sz="1100" dirty="0">
+                        <a:rPr lang="en-US" sz="500" dirty="0">
                           <a:solidFill>
                             <a:schemeClr val="tx1"/>
                           </a:solidFill>
@@ -4056,12 +4012,1466 @@
                         <a:t>String </a:t>
                       </a:r>
                       <a:r>
-                        <a:rPr lang="en-US" sz="1100" dirty="0" err="1">
+                        <a:rPr lang="en-US" sz="500" dirty="0" err="1">
                           <a:solidFill>
                             <a:schemeClr val="tx1"/>
                           </a:solidFill>
                         </a:rPr>
                         <a:t>selectedOrigin</a:t>
+                      </a:r>
+                      <a:endParaRPr lang="en-US" sz="900" dirty="0">
+                        <a:solidFill>
+                          <a:schemeClr val="tx1"/>
+                        </a:solidFill>
+                      </a:endParaRPr>
+                    </a:p>
+                  </a:txBody>
+                  <a:tcPr>
+                    <a:solidFill>
+                      <a:schemeClr val="bg2">
+                        <a:lumMod val="90000"/>
+                      </a:schemeClr>
+                    </a:solidFill>
+                  </a:tcPr>
+                </a:tc>
+                <a:extLst>
+                  <a:ext uri="{0D108BD9-81ED-4DB2-BD59-A6C34878D82A}">
+                    <a16:rowId xmlns:a16="http://schemas.microsoft.com/office/drawing/2014/main" val="1763063817"/>
+                  </a:ext>
+                </a:extLst>
+              </a:tr>
+            </a:tbl>
+          </a:graphicData>
+        </a:graphic>
+      </p:graphicFrame>
+      <p:graphicFrame>
+        <p:nvGraphicFramePr>
+          <p:cNvPr id="21" name="Table 20">
+            <a:extLst>
+              <a:ext uri="{FF2B5EF4-FFF2-40B4-BE49-F238E27FC236}">
+                <a16:creationId xmlns:a16="http://schemas.microsoft.com/office/drawing/2014/main" id="{220FEF9C-73E1-46DB-BCF1-627A17E8FFB2}"/>
+              </a:ext>
+            </a:extLst>
+          </p:cNvPr>
+          <p:cNvGraphicFramePr>
+            <a:graphicFrameLocks noGrp="1"/>
+          </p:cNvGraphicFramePr>
+          <p:nvPr>
+            <p:extLst>
+              <p:ext uri="{D42A27DB-BD31-4B8C-83A1-F6EECF244321}">
+                <p14:modId xmlns:p14="http://schemas.microsoft.com/office/powerpoint/2010/main" val="2978284531"/>
+              </p:ext>
+            </p:extLst>
+          </p:nvPr>
+        </p:nvGraphicFramePr>
+        <p:xfrm>
+          <a:off x="5540324" y="238777"/>
+          <a:ext cx="693625" cy="171937"/>
+        </p:xfrm>
+        <a:graphic>
+          <a:graphicData uri="http://schemas.openxmlformats.org/drawingml/2006/table">
+            <a:tbl>
+              <a:tblPr firstRow="1" bandRow="1">
+                <a:tableStyleId>{5C22544A-7EE6-4342-B048-85BDC9FD1C3A}</a:tableStyleId>
+              </a:tblPr>
+              <a:tblGrid>
+                <a:gridCol w="693625">
+                  <a:extLst>
+                    <a:ext uri="{9D8B030D-6E8A-4147-A177-3AD203B41FA5}">
+                      <a16:colId xmlns:a16="http://schemas.microsoft.com/office/drawing/2014/main" val="484347071"/>
+                    </a:ext>
+                  </a:extLst>
+                </a:gridCol>
+              </a:tblGrid>
+              <a:tr h="171937">
+                <a:tc>
+                  <a:txBody>
+                    <a:bodyPr/>
+                    <a:lstStyle/>
+                    <a:p>
+                      <a:r>
+                        <a:rPr lang="en-US" sz="500" dirty="0" err="1">
+                          <a:solidFill>
+                            <a:schemeClr val="tx1"/>
+                          </a:solidFill>
+                        </a:rPr>
+                        <a:t>Pimage</a:t>
+                      </a:r>
+                      <a:r>
+                        <a:rPr lang="en-US" sz="500" dirty="0">
+                          <a:solidFill>
+                            <a:schemeClr val="tx1"/>
+                          </a:solidFill>
+                        </a:rPr>
+                        <a:t> </a:t>
+                      </a:r>
+                      <a:r>
+                        <a:rPr lang="en-US" sz="500" dirty="0" err="1">
+                          <a:solidFill>
+                            <a:schemeClr val="tx1"/>
+                          </a:solidFill>
+                        </a:rPr>
+                        <a:t>worldMap</a:t>
+                      </a:r>
+                      <a:endParaRPr lang="en-US" sz="900" dirty="0">
+                        <a:solidFill>
+                          <a:schemeClr val="tx1"/>
+                        </a:solidFill>
+                      </a:endParaRPr>
+                    </a:p>
+                  </a:txBody>
+                  <a:tcPr>
+                    <a:solidFill>
+                      <a:schemeClr val="bg2">
+                        <a:lumMod val="90000"/>
+                      </a:schemeClr>
+                    </a:solidFill>
+                  </a:tcPr>
+                </a:tc>
+                <a:extLst>
+                  <a:ext uri="{0D108BD9-81ED-4DB2-BD59-A6C34878D82A}">
+                    <a16:rowId xmlns:a16="http://schemas.microsoft.com/office/drawing/2014/main" val="1763063817"/>
+                  </a:ext>
+                </a:extLst>
+              </a:tr>
+            </a:tbl>
+          </a:graphicData>
+        </a:graphic>
+      </p:graphicFrame>
+      <p:sp>
+        <p:nvSpPr>
+          <p:cNvPr id="22" name="Flowchart: Predefined Process 21">
+            <a:extLst>
+              <a:ext uri="{FF2B5EF4-FFF2-40B4-BE49-F238E27FC236}">
+                <a16:creationId xmlns:a16="http://schemas.microsoft.com/office/drawing/2014/main" id="{11E1CCA2-F7AE-4EB4-9038-06E9F12F2005}"/>
+              </a:ext>
+            </a:extLst>
+          </p:cNvPr>
+          <p:cNvSpPr/>
+          <p:nvPr/>
+        </p:nvSpPr>
+        <p:spPr>
+          <a:xfrm>
+            <a:off x="2342995" y="-1006149"/>
+            <a:ext cx="570125" cy="429168"/>
+          </a:xfrm>
+          <a:prstGeom prst="flowChartPredefinedProcess">
+            <a:avLst/>
+          </a:prstGeom>
+          <a:solidFill>
+            <a:schemeClr val="bg1">
+              <a:lumMod val="95000"/>
+            </a:schemeClr>
+          </a:solidFill>
+        </p:spPr>
+        <p:style>
+          <a:lnRef idx="2">
+            <a:schemeClr val="accent1">
+              <a:shade val="50000"/>
+            </a:schemeClr>
+          </a:lnRef>
+          <a:fillRef idx="1">
+            <a:schemeClr val="accent1"/>
+          </a:fillRef>
+          <a:effectRef idx="0">
+            <a:schemeClr val="accent1"/>
+          </a:effectRef>
+          <a:fontRef idx="minor">
+            <a:schemeClr val="lt1"/>
+          </a:fontRef>
+        </p:style>
+        <p:txBody>
+          <a:bodyPr rtlCol="0" anchor="ctr"/>
+          <a:lstStyle/>
+          <a:p>
+            <a:pPr algn="ctr"/>
+            <a:r>
+              <a:rPr lang="en-US" sz="600" dirty="0">
+                <a:solidFill>
+                  <a:schemeClr val="tx1"/>
+                </a:solidFill>
+              </a:rPr>
+              <a:t>Window</a:t>
+            </a:r>
+          </a:p>
+        </p:txBody>
+      </p:sp>
+      <p:sp>
+        <p:nvSpPr>
+          <p:cNvPr id="24" name="Flowchart: Predefined Process 23">
+            <a:extLst>
+              <a:ext uri="{FF2B5EF4-FFF2-40B4-BE49-F238E27FC236}">
+                <a16:creationId xmlns:a16="http://schemas.microsoft.com/office/drawing/2014/main" id="{045ED932-BBF3-4F68-B69C-ACF29EC804E4}"/>
+              </a:ext>
+            </a:extLst>
+          </p:cNvPr>
+          <p:cNvSpPr/>
+          <p:nvPr/>
+        </p:nvSpPr>
+        <p:spPr>
+          <a:xfrm>
+            <a:off x="5602075" y="499744"/>
+            <a:ext cx="570125" cy="429168"/>
+          </a:xfrm>
+          <a:prstGeom prst="flowChartPredefinedProcess">
+            <a:avLst/>
+          </a:prstGeom>
+        </p:spPr>
+        <p:style>
+          <a:lnRef idx="2">
+            <a:schemeClr val="accent1">
+              <a:shade val="50000"/>
+            </a:schemeClr>
+          </a:lnRef>
+          <a:fillRef idx="1">
+            <a:schemeClr val="accent1"/>
+          </a:fillRef>
+          <a:effectRef idx="0">
+            <a:schemeClr val="accent1"/>
+          </a:effectRef>
+          <a:fontRef idx="minor">
+            <a:schemeClr val="lt1"/>
+          </a:fontRef>
+        </p:style>
+        <p:txBody>
+          <a:bodyPr rtlCol="0" anchor="ctr"/>
+          <a:lstStyle/>
+          <a:p>
+            <a:pPr algn="ctr"/>
+            <a:r>
+              <a:rPr lang="en-US" sz="600" dirty="0"/>
+              <a:t>window</a:t>
+            </a:r>
+          </a:p>
+        </p:txBody>
+      </p:sp>
+      <p:sp>
+        <p:nvSpPr>
+          <p:cNvPr id="26" name="Flowchart: Predefined Process 25">
+            <a:extLst>
+              <a:ext uri="{FF2B5EF4-FFF2-40B4-BE49-F238E27FC236}">
+                <a16:creationId xmlns:a16="http://schemas.microsoft.com/office/drawing/2014/main" id="{2CE54248-BD54-4231-8EF5-4452D42FD779}"/>
+              </a:ext>
+            </a:extLst>
+          </p:cNvPr>
+          <p:cNvSpPr/>
+          <p:nvPr/>
+        </p:nvSpPr>
+        <p:spPr>
+          <a:xfrm>
+            <a:off x="5602079" y="1359119"/>
+            <a:ext cx="570125" cy="429168"/>
+          </a:xfrm>
+          <a:prstGeom prst="flowChartPredefinedProcess">
+            <a:avLst/>
+          </a:prstGeom>
+        </p:spPr>
+        <p:style>
+          <a:lnRef idx="2">
+            <a:schemeClr val="accent1">
+              <a:shade val="50000"/>
+            </a:schemeClr>
+          </a:lnRef>
+          <a:fillRef idx="1">
+            <a:schemeClr val="accent1"/>
+          </a:fillRef>
+          <a:effectRef idx="0">
+            <a:schemeClr val="accent1"/>
+          </a:effectRef>
+          <a:fontRef idx="minor">
+            <a:schemeClr val="lt1"/>
+          </a:fontRef>
+        </p:style>
+        <p:txBody>
+          <a:bodyPr rtlCol="0" anchor="ctr"/>
+          <a:lstStyle/>
+          <a:p>
+            <a:pPr algn="ctr"/>
+            <a:r>
+              <a:rPr lang="en-US" sz="400" dirty="0"/>
+              <a:t>converter</a:t>
+            </a:r>
+          </a:p>
+        </p:txBody>
+      </p:sp>
+      <p:sp>
+        <p:nvSpPr>
+          <p:cNvPr id="29" name="Flowchart: Predefined Process 28">
+            <a:extLst>
+              <a:ext uri="{FF2B5EF4-FFF2-40B4-BE49-F238E27FC236}">
+                <a16:creationId xmlns:a16="http://schemas.microsoft.com/office/drawing/2014/main" id="{ABEDC9A5-F9BB-4D9E-AB73-EB83A0882BC6}"/>
+              </a:ext>
+            </a:extLst>
+          </p:cNvPr>
+          <p:cNvSpPr/>
+          <p:nvPr/>
+        </p:nvSpPr>
+        <p:spPr>
+          <a:xfrm>
+            <a:off x="10325444" y="-1010442"/>
+            <a:ext cx="570125" cy="429168"/>
+          </a:xfrm>
+          <a:prstGeom prst="flowChartPredefinedProcess">
+            <a:avLst/>
+          </a:prstGeom>
+          <a:solidFill>
+            <a:schemeClr val="bg1">
+              <a:lumMod val="95000"/>
+            </a:schemeClr>
+          </a:solidFill>
+        </p:spPr>
+        <p:style>
+          <a:lnRef idx="2">
+            <a:schemeClr val="accent1">
+              <a:shade val="50000"/>
+            </a:schemeClr>
+          </a:lnRef>
+          <a:fillRef idx="1">
+            <a:schemeClr val="accent1"/>
+          </a:fillRef>
+          <a:effectRef idx="0">
+            <a:schemeClr val="accent1"/>
+          </a:effectRef>
+          <a:fontRef idx="minor">
+            <a:schemeClr val="lt1"/>
+          </a:fontRef>
+        </p:style>
+        <p:txBody>
+          <a:bodyPr rtlCol="0" anchor="ctr"/>
+          <a:lstStyle/>
+          <a:p>
+            <a:pPr algn="ctr"/>
+            <a:r>
+              <a:rPr lang="en-US" sz="600" dirty="0">
+                <a:solidFill>
+                  <a:schemeClr val="tx1"/>
+                </a:solidFill>
+              </a:rPr>
+              <a:t>Country</a:t>
+            </a:r>
+          </a:p>
+        </p:txBody>
+      </p:sp>
+      <p:sp>
+        <p:nvSpPr>
+          <p:cNvPr id="30" name="Flowchart: Predefined Process 29">
+            <a:extLst>
+              <a:ext uri="{FF2B5EF4-FFF2-40B4-BE49-F238E27FC236}">
+                <a16:creationId xmlns:a16="http://schemas.microsoft.com/office/drawing/2014/main" id="{402E1243-7AF2-4D65-A7FE-20EFFDCD1893}"/>
+              </a:ext>
+            </a:extLst>
+          </p:cNvPr>
+          <p:cNvSpPr/>
+          <p:nvPr/>
+        </p:nvSpPr>
+        <p:spPr>
+          <a:xfrm>
+            <a:off x="5602075" y="2026788"/>
+            <a:ext cx="570125" cy="429168"/>
+          </a:xfrm>
+          <a:prstGeom prst="flowChartPredefinedProcess">
+            <a:avLst/>
+          </a:prstGeom>
+        </p:spPr>
+        <p:style>
+          <a:lnRef idx="2">
+            <a:schemeClr val="accent1">
+              <a:shade val="50000"/>
+            </a:schemeClr>
+          </a:lnRef>
+          <a:fillRef idx="1">
+            <a:schemeClr val="accent1"/>
+          </a:fillRef>
+          <a:effectRef idx="0">
+            <a:schemeClr val="accent1"/>
+          </a:effectRef>
+          <a:fontRef idx="minor">
+            <a:schemeClr val="lt1"/>
+          </a:fontRef>
+        </p:style>
+        <p:txBody>
+          <a:bodyPr rtlCol="0" anchor="ctr"/>
+          <a:lstStyle/>
+          <a:p>
+            <a:pPr algn="ctr"/>
+            <a:r>
+              <a:rPr lang="en-US" sz="400" dirty="0" err="1"/>
+              <a:t>arraylist</a:t>
+            </a:r>
+            <a:r>
+              <a:rPr lang="en-US" sz="400" dirty="0"/>
+              <a:t> </a:t>
+            </a:r>
+            <a:r>
+              <a:rPr lang="en-US" sz="400" b="1" dirty="0"/>
+              <a:t>origins</a:t>
+            </a:r>
+          </a:p>
+          <a:p>
+            <a:pPr algn="ctr"/>
+            <a:r>
+              <a:rPr lang="en-US" sz="400" dirty="0"/>
+              <a:t>&lt;Country&gt;</a:t>
+            </a:r>
+          </a:p>
+        </p:txBody>
+      </p:sp>
+      <p:graphicFrame>
+        <p:nvGraphicFramePr>
+          <p:cNvPr id="31" name="Table 30">
+            <a:extLst>
+              <a:ext uri="{FF2B5EF4-FFF2-40B4-BE49-F238E27FC236}">
+                <a16:creationId xmlns:a16="http://schemas.microsoft.com/office/drawing/2014/main" id="{8AE58E4F-9053-4B6D-857E-CA3747FEF84D}"/>
+              </a:ext>
+            </a:extLst>
+          </p:cNvPr>
+          <p:cNvGraphicFramePr>
+            <a:graphicFrameLocks noGrp="1"/>
+          </p:cNvGraphicFramePr>
+          <p:nvPr>
+            <p:extLst>
+              <p:ext uri="{D42A27DB-BD31-4B8C-83A1-F6EECF244321}">
+                <p14:modId xmlns:p14="http://schemas.microsoft.com/office/powerpoint/2010/main" val="325449227"/>
+              </p:ext>
+            </p:extLst>
+          </p:nvPr>
+        </p:nvGraphicFramePr>
+        <p:xfrm>
+          <a:off x="5482872" y="4617038"/>
+          <a:ext cx="705805" cy="167640"/>
+        </p:xfrm>
+        <a:graphic>
+          <a:graphicData uri="http://schemas.openxmlformats.org/drawingml/2006/table">
+            <a:tbl>
+              <a:tblPr firstRow="1" bandRow="1">
+                <a:tableStyleId>{5C22544A-7EE6-4342-B048-85BDC9FD1C3A}</a:tableStyleId>
+              </a:tblPr>
+              <a:tblGrid>
+                <a:gridCol w="705805">
+                  <a:extLst>
+                    <a:ext uri="{9D8B030D-6E8A-4147-A177-3AD203B41FA5}">
+                      <a16:colId xmlns:a16="http://schemas.microsoft.com/office/drawing/2014/main" val="484347071"/>
+                    </a:ext>
+                  </a:extLst>
+                </a:gridCol>
+              </a:tblGrid>
+              <a:tr h="167356">
+                <a:tc>
+                  <a:txBody>
+                    <a:bodyPr/>
+                    <a:lstStyle/>
+                    <a:p>
+                      <a:r>
+                        <a:rPr lang="en-US" sz="500" dirty="0">
+                          <a:solidFill>
+                            <a:schemeClr val="tx1"/>
+                          </a:solidFill>
+                        </a:rPr>
+                        <a:t>int[]</a:t>
+                      </a:r>
+                      <a:r>
+                        <a:rPr lang="en-US" sz="500" dirty="0" err="1">
+                          <a:solidFill>
+                            <a:schemeClr val="tx1"/>
+                          </a:solidFill>
+                        </a:rPr>
+                        <a:t>minMaxOrigins</a:t>
+                      </a:r>
+                      <a:endParaRPr lang="en-US" sz="500" dirty="0">
+                        <a:solidFill>
+                          <a:schemeClr val="tx1"/>
+                        </a:solidFill>
+                      </a:endParaRPr>
+                    </a:p>
+                  </a:txBody>
+                  <a:tcPr>
+                    <a:solidFill>
+                      <a:schemeClr val="bg2">
+                        <a:lumMod val="90000"/>
+                      </a:schemeClr>
+                    </a:solidFill>
+                  </a:tcPr>
+                </a:tc>
+                <a:extLst>
+                  <a:ext uri="{0D108BD9-81ED-4DB2-BD59-A6C34878D82A}">
+                    <a16:rowId xmlns:a16="http://schemas.microsoft.com/office/drawing/2014/main" val="1763063817"/>
+                  </a:ext>
+                </a:extLst>
+              </a:tr>
+            </a:tbl>
+          </a:graphicData>
+        </a:graphic>
+      </p:graphicFrame>
+      <p:cxnSp>
+        <p:nvCxnSpPr>
+          <p:cNvPr id="35" name="Straight Arrow Connector 34">
+            <a:extLst>
+              <a:ext uri="{FF2B5EF4-FFF2-40B4-BE49-F238E27FC236}">
+                <a16:creationId xmlns:a16="http://schemas.microsoft.com/office/drawing/2014/main" id="{9187DE07-AF56-4EF1-9235-5C2CBBD8E449}"/>
+              </a:ext>
+            </a:extLst>
+          </p:cNvPr>
+          <p:cNvCxnSpPr>
+            <a:cxnSpLocks/>
+            <a:stCxn id="4" idx="3"/>
+            <a:endCxn id="16" idx="1"/>
+          </p:cNvCxnSpPr>
+          <p:nvPr/>
+        </p:nvCxnSpPr>
+        <p:spPr>
+          <a:xfrm>
+            <a:off x="6172200" y="4278836"/>
+            <a:ext cx="3276015" cy="81517"/>
+          </a:xfrm>
+          <a:prstGeom prst="straightConnector1">
+            <a:avLst/>
+          </a:prstGeom>
+          <a:ln>
+            <a:tailEnd type="triangle"/>
+          </a:ln>
+        </p:spPr>
+        <p:style>
+          <a:lnRef idx="1">
+            <a:schemeClr val="accent1"/>
+          </a:lnRef>
+          <a:fillRef idx="0">
+            <a:schemeClr val="accent1"/>
+          </a:fillRef>
+          <a:effectRef idx="0">
+            <a:schemeClr val="accent1"/>
+          </a:effectRef>
+          <a:fontRef idx="minor">
+            <a:schemeClr val="tx1"/>
+          </a:fontRef>
+        </p:style>
+      </p:cxnSp>
+      <p:cxnSp>
+        <p:nvCxnSpPr>
+          <p:cNvPr id="38" name="Straight Arrow Connector 37">
+            <a:extLst>
+              <a:ext uri="{FF2B5EF4-FFF2-40B4-BE49-F238E27FC236}">
+                <a16:creationId xmlns:a16="http://schemas.microsoft.com/office/drawing/2014/main" id="{E305973F-1F15-429A-B764-AA7C080D945E}"/>
+              </a:ext>
+            </a:extLst>
+          </p:cNvPr>
+          <p:cNvCxnSpPr>
+            <a:cxnSpLocks/>
+            <a:stCxn id="4" idx="3"/>
+            <a:endCxn id="18" idx="1"/>
+          </p:cNvCxnSpPr>
+          <p:nvPr/>
+        </p:nvCxnSpPr>
+        <p:spPr>
+          <a:xfrm>
+            <a:off x="6172200" y="4278836"/>
+            <a:ext cx="3276015" cy="1180367"/>
+          </a:xfrm>
+          <a:prstGeom prst="straightConnector1">
+            <a:avLst/>
+          </a:prstGeom>
+          <a:ln>
+            <a:tailEnd type="triangle"/>
+          </a:ln>
+        </p:spPr>
+        <p:style>
+          <a:lnRef idx="1">
+            <a:schemeClr val="accent1"/>
+          </a:lnRef>
+          <a:fillRef idx="0">
+            <a:schemeClr val="accent1"/>
+          </a:fillRef>
+          <a:effectRef idx="0">
+            <a:schemeClr val="accent1"/>
+          </a:effectRef>
+          <a:fontRef idx="minor">
+            <a:schemeClr val="tx1"/>
+          </a:fontRef>
+        </p:style>
+      </p:cxnSp>
+      <p:cxnSp>
+        <p:nvCxnSpPr>
+          <p:cNvPr id="41" name="Straight Arrow Connector 40">
+            <a:extLst>
+              <a:ext uri="{FF2B5EF4-FFF2-40B4-BE49-F238E27FC236}">
+                <a16:creationId xmlns:a16="http://schemas.microsoft.com/office/drawing/2014/main" id="{BAFF55DD-CD7E-4197-B9BF-9D75F111DE8B}"/>
+              </a:ext>
+            </a:extLst>
+          </p:cNvPr>
+          <p:cNvCxnSpPr>
+            <a:cxnSpLocks/>
+            <a:stCxn id="4" idx="3"/>
+            <a:endCxn id="19" idx="1"/>
+          </p:cNvCxnSpPr>
+          <p:nvPr/>
+        </p:nvCxnSpPr>
+        <p:spPr>
+          <a:xfrm>
+            <a:off x="6172200" y="4278836"/>
+            <a:ext cx="3115882" cy="2150599"/>
+          </a:xfrm>
+          <a:prstGeom prst="straightConnector1">
+            <a:avLst/>
+          </a:prstGeom>
+          <a:ln>
+            <a:tailEnd type="triangle"/>
+          </a:ln>
+        </p:spPr>
+        <p:style>
+          <a:lnRef idx="1">
+            <a:schemeClr val="accent1"/>
+          </a:lnRef>
+          <a:fillRef idx="0">
+            <a:schemeClr val="accent1"/>
+          </a:fillRef>
+          <a:effectRef idx="0">
+            <a:schemeClr val="accent1"/>
+          </a:effectRef>
+          <a:fontRef idx="minor">
+            <a:schemeClr val="tx1"/>
+          </a:fontRef>
+        </p:style>
+      </p:cxnSp>
+      <p:sp>
+        <p:nvSpPr>
+          <p:cNvPr id="44" name="Flowchart: Predefined Process 43">
+            <a:extLst>
+              <a:ext uri="{FF2B5EF4-FFF2-40B4-BE49-F238E27FC236}">
+                <a16:creationId xmlns:a16="http://schemas.microsoft.com/office/drawing/2014/main" id="{3C0D45B4-31F2-4B38-ACD4-6B77AC0ADB62}"/>
+              </a:ext>
+            </a:extLst>
+          </p:cNvPr>
+          <p:cNvSpPr/>
+          <p:nvPr/>
+        </p:nvSpPr>
+        <p:spPr>
+          <a:xfrm>
+            <a:off x="659851" y="-1003221"/>
+            <a:ext cx="570125" cy="429168"/>
+          </a:xfrm>
+          <a:prstGeom prst="flowChartPredefinedProcess">
+            <a:avLst/>
+          </a:prstGeom>
+          <a:solidFill>
+            <a:schemeClr val="bg1">
+              <a:lumMod val="95000"/>
+            </a:schemeClr>
+          </a:solidFill>
+        </p:spPr>
+        <p:style>
+          <a:lnRef idx="2">
+            <a:schemeClr val="accent1">
+              <a:shade val="50000"/>
+            </a:schemeClr>
+          </a:lnRef>
+          <a:fillRef idx="1">
+            <a:schemeClr val="accent1"/>
+          </a:fillRef>
+          <a:effectRef idx="0">
+            <a:schemeClr val="accent1"/>
+          </a:effectRef>
+          <a:fontRef idx="minor">
+            <a:schemeClr val="lt1"/>
+          </a:fontRef>
+        </p:style>
+        <p:txBody>
+          <a:bodyPr rtlCol="0" anchor="ctr"/>
+          <a:lstStyle/>
+          <a:p>
+            <a:pPr algn="ctr"/>
+            <a:r>
+              <a:rPr lang="en-US" sz="600" dirty="0">
+                <a:solidFill>
+                  <a:schemeClr val="tx1"/>
+                </a:solidFill>
+              </a:rPr>
+              <a:t>Converter</a:t>
+            </a:r>
+          </a:p>
+        </p:txBody>
+      </p:sp>
+      <p:sp>
+        <p:nvSpPr>
+          <p:cNvPr id="27" name="Flowchart: Process 26">
+            <a:extLst>
+              <a:ext uri="{FF2B5EF4-FFF2-40B4-BE49-F238E27FC236}">
+                <a16:creationId xmlns:a16="http://schemas.microsoft.com/office/drawing/2014/main" id="{88EC2965-4A2B-4776-BBF9-F7A0456513B9}"/>
+              </a:ext>
+            </a:extLst>
+          </p:cNvPr>
+          <p:cNvSpPr/>
+          <p:nvPr/>
+        </p:nvSpPr>
+        <p:spPr>
+          <a:xfrm>
+            <a:off x="282816" y="1280900"/>
+            <a:ext cx="570124" cy="428846"/>
+          </a:xfrm>
+          <a:prstGeom prst="flowChartProcess">
+            <a:avLst/>
+          </a:prstGeom>
+          <a:solidFill>
+            <a:schemeClr val="accent2"/>
+          </a:solidFill>
+        </p:spPr>
+        <p:style>
+          <a:lnRef idx="2">
+            <a:schemeClr val="accent1">
+              <a:shade val="50000"/>
+            </a:schemeClr>
+          </a:lnRef>
+          <a:fillRef idx="1">
+            <a:schemeClr val="accent1"/>
+          </a:fillRef>
+          <a:effectRef idx="0">
+            <a:schemeClr val="accent1"/>
+          </a:effectRef>
+          <a:fontRef idx="minor">
+            <a:schemeClr val="lt1"/>
+          </a:fontRef>
+        </p:style>
+        <p:txBody>
+          <a:bodyPr rtlCol="0" anchor="ctr"/>
+          <a:lstStyle/>
+          <a:p>
+            <a:pPr algn="ctr"/>
+            <a:r>
+              <a:rPr lang="en-US" sz="600" dirty="0"/>
+              <a:t>draw()</a:t>
+            </a:r>
+          </a:p>
+        </p:txBody>
+      </p:sp>
+      <p:cxnSp>
+        <p:nvCxnSpPr>
+          <p:cNvPr id="34" name="Straight Arrow Connector 33" descr="drawwindow()">
+            <a:extLst>
+              <a:ext uri="{FF2B5EF4-FFF2-40B4-BE49-F238E27FC236}">
+                <a16:creationId xmlns:a16="http://schemas.microsoft.com/office/drawing/2014/main" id="{D3D5A136-533D-4388-BAF9-6011D3C94DBB}"/>
+              </a:ext>
+            </a:extLst>
+          </p:cNvPr>
+          <p:cNvCxnSpPr>
+            <a:cxnSpLocks/>
+            <a:stCxn id="27" idx="0"/>
+            <a:endCxn id="24" idx="1"/>
+          </p:cNvCxnSpPr>
+          <p:nvPr/>
+        </p:nvCxnSpPr>
+        <p:spPr>
+          <a:xfrm flipV="1">
+            <a:off x="567878" y="714328"/>
+            <a:ext cx="5034197" cy="566572"/>
+          </a:xfrm>
+          <a:prstGeom prst="straightConnector1">
+            <a:avLst/>
+          </a:prstGeom>
+          <a:ln>
+            <a:tailEnd type="triangle"/>
+          </a:ln>
+        </p:spPr>
+        <p:style>
+          <a:lnRef idx="1">
+            <a:schemeClr val="accent1"/>
+          </a:lnRef>
+          <a:fillRef idx="0">
+            <a:schemeClr val="accent1"/>
+          </a:fillRef>
+          <a:effectRef idx="0">
+            <a:schemeClr val="accent1"/>
+          </a:effectRef>
+          <a:fontRef idx="minor">
+            <a:schemeClr val="tx1"/>
+          </a:fontRef>
+        </p:style>
+      </p:cxnSp>
+      <p:sp>
+        <p:nvSpPr>
+          <p:cNvPr id="65" name="Flowchart: Predefined Process 64">
+            <a:extLst>
+              <a:ext uri="{FF2B5EF4-FFF2-40B4-BE49-F238E27FC236}">
+                <a16:creationId xmlns:a16="http://schemas.microsoft.com/office/drawing/2014/main" id="{03BBE40B-88DB-4BA7-A1F7-937892C9EBBC}"/>
+              </a:ext>
+            </a:extLst>
+          </p:cNvPr>
+          <p:cNvSpPr/>
+          <p:nvPr/>
+        </p:nvSpPr>
+        <p:spPr>
+          <a:xfrm>
+            <a:off x="5604551" y="3341001"/>
+            <a:ext cx="570125" cy="429168"/>
+          </a:xfrm>
+          <a:prstGeom prst="flowChartPredefinedProcess">
+            <a:avLst/>
+          </a:prstGeom>
+        </p:spPr>
+        <p:style>
+          <a:lnRef idx="2">
+            <a:schemeClr val="accent1">
+              <a:shade val="50000"/>
+            </a:schemeClr>
+          </a:lnRef>
+          <a:fillRef idx="1">
+            <a:schemeClr val="accent1"/>
+          </a:fillRef>
+          <a:effectRef idx="0">
+            <a:schemeClr val="accent1"/>
+          </a:effectRef>
+          <a:fontRef idx="minor">
+            <a:schemeClr val="lt1"/>
+          </a:fontRef>
+        </p:style>
+        <p:txBody>
+          <a:bodyPr rtlCol="0" anchor="ctr"/>
+          <a:lstStyle/>
+          <a:p>
+            <a:pPr algn="ctr"/>
+            <a:r>
+              <a:rPr lang="en-US" sz="400" dirty="0"/>
+              <a:t>c(Country)</a:t>
+            </a:r>
+          </a:p>
+        </p:txBody>
+      </p:sp>
+      <p:sp>
+        <p:nvSpPr>
+          <p:cNvPr id="68" name="TextBox 67">
+            <a:extLst>
+              <a:ext uri="{FF2B5EF4-FFF2-40B4-BE49-F238E27FC236}">
+                <a16:creationId xmlns:a16="http://schemas.microsoft.com/office/drawing/2014/main" id="{663DC607-4BCC-46F6-A2A5-5E6A4F951957}"/>
+              </a:ext>
+            </a:extLst>
+          </p:cNvPr>
+          <p:cNvSpPr txBox="1"/>
+          <p:nvPr/>
+        </p:nvSpPr>
+        <p:spPr>
+          <a:xfrm rot="21205993">
+            <a:off x="1042915" y="933209"/>
+            <a:ext cx="2248573" cy="200055"/>
+          </a:xfrm>
+          <a:prstGeom prst="rect">
+            <a:avLst/>
+          </a:prstGeom>
+          <a:noFill/>
+        </p:spPr>
+        <p:txBody>
+          <a:bodyPr wrap="square" rtlCol="0">
+            <a:spAutoFit/>
+          </a:bodyPr>
+          <a:lstStyle/>
+          <a:p>
+            <a:r>
+              <a:rPr lang="en-US" sz="700" b="1" dirty="0"/>
+              <a:t>1</a:t>
+            </a:r>
+            <a:r>
+              <a:rPr lang="en-US" sz="700" dirty="0"/>
+              <a:t>  </a:t>
+            </a:r>
+            <a:r>
+              <a:rPr lang="en-US" sz="700" dirty="0" err="1"/>
+              <a:t>window.drawWindow</a:t>
+            </a:r>
+            <a:endParaRPr lang="en-US" sz="700" dirty="0"/>
+          </a:p>
+        </p:txBody>
+      </p:sp>
+      <p:sp>
+        <p:nvSpPr>
+          <p:cNvPr id="74" name="Rectangle 73">
+            <a:extLst>
+              <a:ext uri="{FF2B5EF4-FFF2-40B4-BE49-F238E27FC236}">
+                <a16:creationId xmlns:a16="http://schemas.microsoft.com/office/drawing/2014/main" id="{33DACFEF-B3D4-4A17-94B2-AAE82B59176B}"/>
+              </a:ext>
+            </a:extLst>
+          </p:cNvPr>
+          <p:cNvSpPr/>
+          <p:nvPr/>
+        </p:nvSpPr>
+        <p:spPr>
+          <a:xfrm>
+            <a:off x="-1066970" y="3828924"/>
+            <a:ext cx="118554" cy="200055"/>
+          </a:xfrm>
+          <a:prstGeom prst="rect">
+            <a:avLst/>
+          </a:prstGeom>
+        </p:spPr>
+        <p:txBody>
+          <a:bodyPr wrap="square">
+            <a:spAutoFit/>
+          </a:bodyPr>
+          <a:lstStyle/>
+          <a:p>
+            <a:r>
+              <a:rPr lang="en-US" sz="700" dirty="0"/>
+              <a:t>2</a:t>
+            </a:r>
+          </a:p>
+        </p:txBody>
+      </p:sp>
+      <p:cxnSp>
+        <p:nvCxnSpPr>
+          <p:cNvPr id="75" name="Straight Arrow Connector 74" descr="drawwindow()">
+            <a:extLst>
+              <a:ext uri="{FF2B5EF4-FFF2-40B4-BE49-F238E27FC236}">
+                <a16:creationId xmlns:a16="http://schemas.microsoft.com/office/drawing/2014/main" id="{2D639DF2-5062-486A-BCC8-2653CF1AAB6E}"/>
+              </a:ext>
+            </a:extLst>
+          </p:cNvPr>
+          <p:cNvCxnSpPr>
+            <a:cxnSpLocks/>
+          </p:cNvCxnSpPr>
+          <p:nvPr/>
+        </p:nvCxnSpPr>
+        <p:spPr>
+          <a:xfrm flipH="1">
+            <a:off x="-1038198" y="5024103"/>
+            <a:ext cx="860694" cy="768246"/>
+          </a:xfrm>
+          <a:prstGeom prst="straightConnector1">
+            <a:avLst/>
+          </a:prstGeom>
+          <a:ln>
+            <a:tailEnd type="triangle"/>
+          </a:ln>
+        </p:spPr>
+        <p:style>
+          <a:lnRef idx="1">
+            <a:schemeClr val="accent1"/>
+          </a:lnRef>
+          <a:fillRef idx="0">
+            <a:schemeClr val="accent1"/>
+          </a:fillRef>
+          <a:effectRef idx="0">
+            <a:schemeClr val="accent1"/>
+          </a:effectRef>
+          <a:fontRef idx="minor">
+            <a:schemeClr val="tx1"/>
+          </a:fontRef>
+        </p:style>
+      </p:cxnSp>
+      <p:graphicFrame>
+        <p:nvGraphicFramePr>
+          <p:cNvPr id="80" name="Table 79">
+            <a:extLst>
+              <a:ext uri="{FF2B5EF4-FFF2-40B4-BE49-F238E27FC236}">
+                <a16:creationId xmlns:a16="http://schemas.microsoft.com/office/drawing/2014/main" id="{8CE464D8-1210-43C5-8EBB-25F5C5C399AB}"/>
+              </a:ext>
+            </a:extLst>
+          </p:cNvPr>
+          <p:cNvGraphicFramePr>
+            <a:graphicFrameLocks noGrp="1"/>
+          </p:cNvGraphicFramePr>
+          <p:nvPr>
+            <p:extLst>
+              <p:ext uri="{D42A27DB-BD31-4B8C-83A1-F6EECF244321}">
+                <p14:modId xmlns:p14="http://schemas.microsoft.com/office/powerpoint/2010/main" val="3386787143"/>
+              </p:ext>
+            </p:extLst>
+          </p:nvPr>
+        </p:nvGraphicFramePr>
+        <p:xfrm>
+          <a:off x="1620654" y="2023170"/>
+          <a:ext cx="705805" cy="182880"/>
+        </p:xfrm>
+        <a:graphic>
+          <a:graphicData uri="http://schemas.openxmlformats.org/drawingml/2006/table">
+            <a:tbl>
+              <a:tblPr firstRow="1" bandRow="1">
+                <a:tableStyleId>{5C22544A-7EE6-4342-B048-85BDC9FD1C3A}</a:tableStyleId>
+              </a:tblPr>
+              <a:tblGrid>
+                <a:gridCol w="705805">
+                  <a:extLst>
+                    <a:ext uri="{9D8B030D-6E8A-4147-A177-3AD203B41FA5}">
+                      <a16:colId xmlns:a16="http://schemas.microsoft.com/office/drawing/2014/main" val="484347071"/>
+                    </a:ext>
+                  </a:extLst>
+                </a:gridCol>
+              </a:tblGrid>
+              <a:tr h="165958">
+                <a:tc>
+                  <a:txBody>
+                    <a:bodyPr/>
+                    <a:lstStyle/>
+                    <a:p>
+                      <a:r>
+                        <a:rPr lang="en-US" sz="600" dirty="0" err="1">
+                          <a:solidFill>
+                            <a:schemeClr val="tx1"/>
+                          </a:solidFill>
+                        </a:rPr>
+                        <a:t>PVector</a:t>
+                      </a:r>
+                      <a:r>
+                        <a:rPr lang="en-US" sz="600" dirty="0">
+                          <a:solidFill>
+                            <a:schemeClr val="tx1"/>
+                          </a:solidFill>
+                        </a:rPr>
+                        <a:t> </a:t>
+                      </a:r>
+                      <a:r>
+                        <a:rPr lang="en-US" sz="600" dirty="0" err="1">
+                          <a:solidFill>
+                            <a:schemeClr val="tx1"/>
+                          </a:solidFill>
+                        </a:rPr>
+                        <a:t>latlon</a:t>
+                      </a:r>
+                      <a:endParaRPr lang="en-US" sz="1400" dirty="0">
+                        <a:solidFill>
+                          <a:schemeClr val="tx1"/>
+                        </a:solidFill>
+                      </a:endParaRPr>
+                    </a:p>
+                  </a:txBody>
+                  <a:tcPr>
+                    <a:solidFill>
+                      <a:schemeClr val="bg2">
+                        <a:lumMod val="90000"/>
+                      </a:schemeClr>
+                    </a:solidFill>
+                  </a:tcPr>
+                </a:tc>
+                <a:extLst>
+                  <a:ext uri="{0D108BD9-81ED-4DB2-BD59-A6C34878D82A}">
+                    <a16:rowId xmlns:a16="http://schemas.microsoft.com/office/drawing/2014/main" val="1763063817"/>
+                  </a:ext>
+                </a:extLst>
+              </a:tr>
+            </a:tbl>
+          </a:graphicData>
+        </a:graphic>
+      </p:graphicFrame>
+      <p:grpSp>
+        <p:nvGrpSpPr>
+          <p:cNvPr id="159" name="Group 158">
+            <a:extLst>
+              <a:ext uri="{FF2B5EF4-FFF2-40B4-BE49-F238E27FC236}">
+                <a16:creationId xmlns:a16="http://schemas.microsoft.com/office/drawing/2014/main" id="{34C5E3EB-2102-41A0-94EA-BF397C4DF892}"/>
+              </a:ext>
+            </a:extLst>
+          </p:cNvPr>
+          <p:cNvGrpSpPr/>
+          <p:nvPr/>
+        </p:nvGrpSpPr>
+        <p:grpSpPr>
+          <a:xfrm>
+            <a:off x="2326459" y="2114610"/>
+            <a:ext cx="3278092" cy="1440975"/>
+            <a:chOff x="2326459" y="2114610"/>
+            <a:chExt cx="3278092" cy="1440975"/>
+          </a:xfrm>
+        </p:grpSpPr>
+        <p:sp>
+          <p:nvSpPr>
+            <p:cNvPr id="72" name="Rectangle 71">
+              <a:extLst>
+                <a:ext uri="{FF2B5EF4-FFF2-40B4-BE49-F238E27FC236}">
+                  <a16:creationId xmlns:a16="http://schemas.microsoft.com/office/drawing/2014/main" id="{320177DC-C712-43D1-9A8C-45BEC2A1478B}"/>
+                </a:ext>
+              </a:extLst>
+            </p:cNvPr>
+            <p:cNvSpPr/>
+            <p:nvPr/>
+          </p:nvSpPr>
+          <p:spPr>
+            <a:xfrm rot="1229071">
+              <a:off x="3204985" y="2524136"/>
+              <a:ext cx="1563226" cy="215444"/>
+            </a:xfrm>
+            <a:prstGeom prst="rect">
+              <a:avLst/>
+            </a:prstGeom>
+          </p:spPr>
+          <p:txBody>
+            <a:bodyPr wrap="square">
+              <a:spAutoFit/>
+            </a:bodyPr>
+            <a:lstStyle/>
+            <a:p>
+              <a:r>
+                <a:rPr lang="en-US" sz="700" b="1" dirty="0"/>
+                <a:t>3</a:t>
+              </a:r>
+              <a:r>
+                <a:rPr lang="en-US" sz="700" dirty="0"/>
+                <a:t> </a:t>
+              </a:r>
+              <a:r>
+                <a:rPr lang="en-US" sz="800" dirty="0" err="1"/>
+                <a:t>PVector</a:t>
+              </a:r>
+              <a:r>
+                <a:rPr lang="en-US" sz="800" dirty="0"/>
+                <a:t> </a:t>
+              </a:r>
+              <a:r>
+                <a:rPr lang="en-US" sz="800" dirty="0" err="1"/>
+                <a:t>latlon</a:t>
+              </a:r>
+              <a:r>
+                <a:rPr lang="en-US" sz="800" dirty="0"/>
+                <a:t> = </a:t>
+              </a:r>
+              <a:r>
+                <a:rPr lang="en-US" sz="800" dirty="0" err="1"/>
+                <a:t>c.getPosition</a:t>
+              </a:r>
+              <a:r>
+                <a:rPr lang="en-US" sz="800" dirty="0"/>
+                <a:t>(); </a:t>
+              </a:r>
+              <a:endParaRPr lang="en-US" sz="700" dirty="0"/>
+            </a:p>
+          </p:txBody>
+        </p:sp>
+        <p:cxnSp>
+          <p:nvCxnSpPr>
+            <p:cNvPr id="81" name="Straight Arrow Connector 80" descr="drawwindow()">
+              <a:extLst>
+                <a:ext uri="{FF2B5EF4-FFF2-40B4-BE49-F238E27FC236}">
+                  <a16:creationId xmlns:a16="http://schemas.microsoft.com/office/drawing/2014/main" id="{CF190A62-40CD-4C29-BEF2-61F7C9946095}"/>
+                </a:ext>
+              </a:extLst>
+            </p:cNvPr>
+            <p:cNvCxnSpPr>
+              <a:cxnSpLocks/>
+              <a:stCxn id="65" idx="1"/>
+              <a:endCxn id="80" idx="3"/>
+            </p:cNvCxnSpPr>
+            <p:nvPr/>
+          </p:nvCxnSpPr>
+          <p:spPr>
+            <a:xfrm flipH="1" flipV="1">
+              <a:off x="2326459" y="2114610"/>
+              <a:ext cx="3278092" cy="1440975"/>
+            </a:xfrm>
+            <a:prstGeom prst="straightConnector1">
+              <a:avLst/>
+            </a:prstGeom>
+            <a:ln>
+              <a:tailEnd type="triangle"/>
+            </a:ln>
+          </p:spPr>
+          <p:style>
+            <a:lnRef idx="1">
+              <a:schemeClr val="accent1"/>
+            </a:lnRef>
+            <a:fillRef idx="0">
+              <a:schemeClr val="accent1"/>
+            </a:fillRef>
+            <a:effectRef idx="0">
+              <a:schemeClr val="accent1"/>
+            </a:effectRef>
+            <a:fontRef idx="minor">
+              <a:schemeClr val="tx1"/>
+            </a:fontRef>
+          </p:style>
+        </p:cxnSp>
+      </p:grpSp>
+      <p:graphicFrame>
+        <p:nvGraphicFramePr>
+          <p:cNvPr id="85" name="Table 84">
+            <a:extLst>
+              <a:ext uri="{FF2B5EF4-FFF2-40B4-BE49-F238E27FC236}">
+                <a16:creationId xmlns:a16="http://schemas.microsoft.com/office/drawing/2014/main" id="{67E3C0CE-F1EE-4A05-9E26-A6AE9A5EF999}"/>
+              </a:ext>
+            </a:extLst>
+          </p:cNvPr>
+          <p:cNvGraphicFramePr>
+            <a:graphicFrameLocks noGrp="1"/>
+          </p:cNvGraphicFramePr>
+          <p:nvPr>
+            <p:extLst>
+              <p:ext uri="{D42A27DB-BD31-4B8C-83A1-F6EECF244321}">
+                <p14:modId xmlns:p14="http://schemas.microsoft.com/office/powerpoint/2010/main" val="1256908428"/>
+              </p:ext>
+            </p:extLst>
+          </p:nvPr>
+        </p:nvGraphicFramePr>
+        <p:xfrm>
+          <a:off x="1659373" y="1401589"/>
+          <a:ext cx="705805" cy="182880"/>
+        </p:xfrm>
+        <a:graphic>
+          <a:graphicData uri="http://schemas.openxmlformats.org/drawingml/2006/table">
+            <a:tbl>
+              <a:tblPr firstRow="1" bandRow="1">
+                <a:tableStyleId>{5C22544A-7EE6-4342-B048-85BDC9FD1C3A}</a:tableStyleId>
+              </a:tblPr>
+              <a:tblGrid>
+                <a:gridCol w="705805">
+                  <a:extLst>
+                    <a:ext uri="{9D8B030D-6E8A-4147-A177-3AD203B41FA5}">
+                      <a16:colId xmlns:a16="http://schemas.microsoft.com/office/drawing/2014/main" val="484347071"/>
+                    </a:ext>
+                  </a:extLst>
+                </a:gridCol>
+              </a:tblGrid>
+              <a:tr h="165958">
+                <a:tc>
+                  <a:txBody>
+                    <a:bodyPr/>
+                    <a:lstStyle/>
+                    <a:p>
+                      <a:r>
+                        <a:rPr lang="en-US" sz="600" dirty="0" err="1">
+                          <a:solidFill>
+                            <a:schemeClr val="tx1"/>
+                          </a:solidFill>
+                        </a:rPr>
+                        <a:t>Pvector</a:t>
+                      </a:r>
+                      <a:r>
+                        <a:rPr lang="en-US" sz="600" dirty="0">
+                          <a:solidFill>
+                            <a:schemeClr val="tx1"/>
+                          </a:solidFill>
+                        </a:rPr>
+                        <a:t> </a:t>
+                      </a:r>
+                      <a:r>
+                        <a:rPr lang="en-US" sz="600" dirty="0" err="1">
+                          <a:solidFill>
+                            <a:schemeClr val="tx1"/>
+                          </a:solidFill>
+                        </a:rPr>
+                        <a:t>xy</a:t>
+                      </a:r>
+                      <a:endParaRPr lang="en-US" sz="1400" dirty="0">
+                        <a:solidFill>
+                          <a:schemeClr val="tx1"/>
+                        </a:solidFill>
+                      </a:endParaRPr>
+                    </a:p>
+                  </a:txBody>
+                  <a:tcPr>
+                    <a:solidFill>
+                      <a:schemeClr val="bg2">
+                        <a:lumMod val="90000"/>
+                      </a:schemeClr>
+                    </a:solidFill>
+                  </a:tcPr>
+                </a:tc>
+                <a:extLst>
+                  <a:ext uri="{0D108BD9-81ED-4DB2-BD59-A6C34878D82A}">
+                    <a16:rowId xmlns:a16="http://schemas.microsoft.com/office/drawing/2014/main" val="1763063817"/>
+                  </a:ext>
+                </a:extLst>
+              </a:tr>
+            </a:tbl>
+          </a:graphicData>
+        </a:graphic>
+      </p:graphicFrame>
+      <p:grpSp>
+        <p:nvGrpSpPr>
+          <p:cNvPr id="157" name="Group 156">
+            <a:extLst>
+              <a:ext uri="{FF2B5EF4-FFF2-40B4-BE49-F238E27FC236}">
+                <a16:creationId xmlns:a16="http://schemas.microsoft.com/office/drawing/2014/main" id="{21C40536-3FCC-4B69-80ED-87416E5B903C}"/>
+              </a:ext>
+            </a:extLst>
+          </p:cNvPr>
+          <p:cNvGrpSpPr/>
+          <p:nvPr/>
+        </p:nvGrpSpPr>
+        <p:grpSpPr>
+          <a:xfrm>
+            <a:off x="2365178" y="1364176"/>
+            <a:ext cx="3236901" cy="323165"/>
+            <a:chOff x="2365178" y="1364176"/>
+            <a:chExt cx="3236901" cy="323165"/>
+          </a:xfrm>
+        </p:grpSpPr>
+        <p:cxnSp>
+          <p:nvCxnSpPr>
+            <p:cNvPr id="86" name="Straight Arrow Connector 85" descr="drawwindow()">
+              <a:extLst>
+                <a:ext uri="{FF2B5EF4-FFF2-40B4-BE49-F238E27FC236}">
+                  <a16:creationId xmlns:a16="http://schemas.microsoft.com/office/drawing/2014/main" id="{5424671C-36E0-48F2-B3C1-B829E999F81F}"/>
+                </a:ext>
+              </a:extLst>
+            </p:cNvPr>
+            <p:cNvCxnSpPr>
+              <a:cxnSpLocks/>
+              <a:stCxn id="26" idx="1"/>
+              <a:endCxn id="85" idx="3"/>
+            </p:cNvCxnSpPr>
+            <p:nvPr/>
+          </p:nvCxnSpPr>
+          <p:spPr>
+            <a:xfrm flipH="1" flipV="1">
+              <a:off x="2365178" y="1493029"/>
+              <a:ext cx="3236901" cy="80674"/>
+            </a:xfrm>
+            <a:prstGeom prst="straightConnector1">
+              <a:avLst/>
+            </a:prstGeom>
+            <a:ln>
+              <a:tailEnd type="triangle"/>
+            </a:ln>
+          </p:spPr>
+          <p:style>
+            <a:lnRef idx="1">
+              <a:schemeClr val="accent1"/>
+            </a:lnRef>
+            <a:fillRef idx="0">
+              <a:schemeClr val="accent1"/>
+            </a:fillRef>
+            <a:effectRef idx="0">
+              <a:schemeClr val="accent1"/>
+            </a:effectRef>
+            <a:fontRef idx="minor">
+              <a:schemeClr val="tx1"/>
+            </a:fontRef>
+          </p:style>
+        </p:cxnSp>
+        <p:sp>
+          <p:nvSpPr>
+            <p:cNvPr id="89" name="Rectangle 88">
+              <a:extLst>
+                <a:ext uri="{FF2B5EF4-FFF2-40B4-BE49-F238E27FC236}">
+                  <a16:creationId xmlns:a16="http://schemas.microsoft.com/office/drawing/2014/main" id="{479C032B-E129-41DD-B665-D5B93598BC1C}"/>
+                </a:ext>
+              </a:extLst>
+            </p:cNvPr>
+            <p:cNvSpPr/>
+            <p:nvPr/>
+          </p:nvSpPr>
+          <p:spPr>
+            <a:xfrm>
+              <a:off x="2683529" y="1364176"/>
+              <a:ext cx="2643672" cy="323165"/>
+            </a:xfrm>
+            <a:prstGeom prst="rect">
+              <a:avLst/>
+            </a:prstGeom>
+          </p:spPr>
+          <p:txBody>
+            <a:bodyPr wrap="square">
+              <a:spAutoFit/>
+            </a:bodyPr>
+            <a:lstStyle/>
+            <a:p>
+              <a:r>
+                <a:rPr lang="en-US" sz="700" b="1" dirty="0"/>
+                <a:t>4</a:t>
+              </a:r>
+              <a:r>
+                <a:rPr lang="en-US" sz="700" dirty="0"/>
+                <a:t> </a:t>
+              </a:r>
+              <a:r>
+                <a:rPr lang="en-US" sz="800" dirty="0" err="1"/>
+                <a:t>PVector</a:t>
+              </a:r>
+              <a:r>
+                <a:rPr lang="en-US" sz="800" dirty="0"/>
+                <a:t> </a:t>
+              </a:r>
+              <a:r>
+                <a:rPr lang="en-US" sz="800" dirty="0" err="1"/>
+                <a:t>xy</a:t>
+              </a:r>
+              <a:r>
+                <a:rPr lang="en-US" sz="800" dirty="0"/>
+                <a:t> = converter.convert2Pixels(</a:t>
+              </a:r>
+              <a:r>
+                <a:rPr lang="en-US" sz="800" dirty="0" err="1"/>
+                <a:t>latlon.x</a:t>
+              </a:r>
+              <a:r>
+                <a:rPr lang="en-US" sz="800" dirty="0"/>
+                <a:t>, </a:t>
+              </a:r>
+              <a:r>
+                <a:rPr lang="en-US" sz="800" dirty="0" err="1"/>
+                <a:t>latlon.y</a:t>
+              </a:r>
+              <a:r>
+                <a:rPr lang="en-US" sz="800" dirty="0"/>
+                <a:t>);</a:t>
+              </a:r>
+            </a:p>
+            <a:p>
+              <a:endParaRPr lang="en-US" sz="700" dirty="0"/>
+            </a:p>
+          </p:txBody>
+        </p:sp>
+      </p:grpSp>
+      <p:graphicFrame>
+        <p:nvGraphicFramePr>
+          <p:cNvPr id="102" name="Table 101">
+            <a:extLst>
+              <a:ext uri="{FF2B5EF4-FFF2-40B4-BE49-F238E27FC236}">
+                <a16:creationId xmlns:a16="http://schemas.microsoft.com/office/drawing/2014/main" id="{7CEDBEBF-4A01-4251-8EBE-7D692E16A49B}"/>
+              </a:ext>
+            </a:extLst>
+          </p:cNvPr>
+          <p:cNvGraphicFramePr>
+            <a:graphicFrameLocks noGrp="1"/>
+          </p:cNvGraphicFramePr>
+          <p:nvPr>
+            <p:extLst>
+              <p:ext uri="{D42A27DB-BD31-4B8C-83A1-F6EECF244321}">
+                <p14:modId xmlns:p14="http://schemas.microsoft.com/office/powerpoint/2010/main" val="3720260513"/>
+              </p:ext>
+            </p:extLst>
+          </p:nvPr>
+        </p:nvGraphicFramePr>
+        <p:xfrm>
+          <a:off x="-2109990" y="1398593"/>
+          <a:ext cx="705805" cy="335280"/>
+        </p:xfrm>
+        <a:graphic>
+          <a:graphicData uri="http://schemas.openxmlformats.org/drawingml/2006/table">
+            <a:tbl>
+              <a:tblPr firstRow="1" bandRow="1">
+                <a:tableStyleId>{5C22544A-7EE6-4342-B048-85BDC9FD1C3A}</a:tableStyleId>
+              </a:tblPr>
+              <a:tblGrid>
+                <a:gridCol w="705805">
+                  <a:extLst>
+                    <a:ext uri="{9D8B030D-6E8A-4147-A177-3AD203B41FA5}">
+                      <a16:colId xmlns:a16="http://schemas.microsoft.com/office/drawing/2014/main" val="484347071"/>
+                    </a:ext>
+                  </a:extLst>
+                </a:gridCol>
+              </a:tblGrid>
+              <a:tr h="165958">
+                <a:tc>
+                  <a:txBody>
+                    <a:bodyPr/>
+                    <a:lstStyle/>
+                    <a:p>
+                      <a:r>
+                        <a:rPr lang="en-US" sz="800" dirty="0" err="1">
+                          <a:solidFill>
+                            <a:schemeClr val="tx1"/>
+                          </a:solidFill>
+                        </a:rPr>
+                        <a:t>PVector</a:t>
+                      </a:r>
+                      <a:r>
+                        <a:rPr lang="en-US" sz="800" dirty="0">
+                          <a:solidFill>
+                            <a:schemeClr val="tx1"/>
+                          </a:solidFill>
+                        </a:rPr>
+                        <a:t> </a:t>
+                      </a:r>
+                      <a:r>
+                        <a:rPr lang="en-US" sz="800" dirty="0" err="1">
+                          <a:solidFill>
+                            <a:schemeClr val="tx1"/>
+                          </a:solidFill>
+                        </a:rPr>
+                        <a:t>latlon</a:t>
                       </a:r>
                       <a:endParaRPr lang="en-US" dirty="0">
                         <a:solidFill>
@@ -4090,10 +5500,10 @@
       </p:graphicFrame>
       <p:graphicFrame>
         <p:nvGraphicFramePr>
-          <p:cNvPr id="21" name="Table 20">
-            <a:extLst>
-              <a:ext uri="{FF2B5EF4-FFF2-40B4-BE49-F238E27FC236}">
-                <a16:creationId xmlns:a16="http://schemas.microsoft.com/office/drawing/2014/main" id="{220FEF9C-73E1-46DB-BCF1-627A17E8FFB2}"/>
+          <p:cNvPr id="103" name="Table 102">
+            <a:extLst>
+              <a:ext uri="{FF2B5EF4-FFF2-40B4-BE49-F238E27FC236}">
+                <a16:creationId xmlns:a16="http://schemas.microsoft.com/office/drawing/2014/main" id="{200FCAFE-83C2-4756-987A-69C83A785CBC}"/>
               </a:ext>
             </a:extLst>
           </p:cNvPr>
@@ -4103,14 +5513,14 @@
           <p:nvPr>
             <p:extLst>
               <p:ext uri="{D42A27DB-BD31-4B8C-83A1-F6EECF244321}">
-                <p14:modId xmlns:p14="http://schemas.microsoft.com/office/powerpoint/2010/main" val="335849313"/>
+                <p14:modId xmlns:p14="http://schemas.microsoft.com/office/powerpoint/2010/main" val="1752140624"/>
               </p:ext>
             </p:extLst>
           </p:nvPr>
         </p:nvGraphicFramePr>
         <p:xfrm>
-          <a:off x="540287" y="1324174"/>
-          <a:ext cx="1343028" cy="266172"/>
+          <a:off x="1553742" y="2544252"/>
+          <a:ext cx="705805" cy="167640"/>
         </p:xfrm>
         <a:graphic>
           <a:graphicData uri="http://schemas.openxmlformats.org/drawingml/2006/table">
@@ -4119,7 +5529,7 @@
                 <a:tableStyleId>{5C22544A-7EE6-4342-B048-85BDC9FD1C3A}</a:tableStyleId>
               </a:tblPr>
               <a:tblGrid>
-                <a:gridCol w="1343028">
+                <a:gridCol w="705805">
                   <a:extLst>
                     <a:ext uri="{9D8B030D-6E8A-4147-A177-3AD203B41FA5}">
                       <a16:colId xmlns:a16="http://schemas.microsoft.com/office/drawing/2014/main" val="484347071"/>
@@ -4127,22 +5537,535 @@
                   </a:extLst>
                 </a:gridCol>
               </a:tblGrid>
-              <a:tr h="266172">
+              <a:tr h="165958">
                 <a:tc>
                   <a:txBody>
                     <a:bodyPr/>
                     <a:lstStyle/>
                     <a:p>
                       <a:r>
-                        <a:rPr lang="en-US" sz="1100" dirty="0" err="1">
+                        <a:rPr lang="en-US" sz="500" dirty="0">
                           <a:solidFill>
                             <a:schemeClr val="tx1"/>
                           </a:solidFill>
                         </a:rPr>
-                        <a:t>Pimage</a:t>
+                        <a:t>String </a:t>
                       </a:r>
                       <a:r>
-                        <a:rPr lang="en-US" sz="1100" dirty="0">
+                        <a:rPr lang="en-US" sz="500" dirty="0" err="1">
+                          <a:solidFill>
+                            <a:schemeClr val="tx1"/>
+                          </a:solidFill>
+                        </a:rPr>
+                        <a:t>selOrigin</a:t>
+                      </a:r>
+                      <a:r>
+                        <a:rPr lang="en-US" sz="500" dirty="0">
+                          <a:solidFill>
+                            <a:schemeClr val="tx1"/>
+                          </a:solidFill>
+                        </a:rPr>
+                        <a:t> </a:t>
+                      </a:r>
+                      <a:endParaRPr lang="en-US" sz="1400" dirty="0">
+                        <a:solidFill>
+                          <a:schemeClr val="tx1"/>
+                        </a:solidFill>
+                      </a:endParaRPr>
+                    </a:p>
+                  </a:txBody>
+                  <a:tcPr>
+                    <a:solidFill>
+                      <a:schemeClr val="bg2">
+                        <a:lumMod val="90000"/>
+                      </a:schemeClr>
+                    </a:solidFill>
+                  </a:tcPr>
+                </a:tc>
+                <a:extLst>
+                  <a:ext uri="{0D108BD9-81ED-4DB2-BD59-A6C34878D82A}">
+                    <a16:rowId xmlns:a16="http://schemas.microsoft.com/office/drawing/2014/main" val="1763063817"/>
+                  </a:ext>
+                </a:extLst>
+              </a:tr>
+            </a:tbl>
+          </a:graphicData>
+        </a:graphic>
+      </p:graphicFrame>
+      <p:grpSp>
+        <p:nvGrpSpPr>
+          <p:cNvPr id="160" name="Group 159">
+            <a:extLst>
+              <a:ext uri="{FF2B5EF4-FFF2-40B4-BE49-F238E27FC236}">
+                <a16:creationId xmlns:a16="http://schemas.microsoft.com/office/drawing/2014/main" id="{8846AC1F-5F91-43AC-8FC3-3B97F1855E7F}"/>
+              </a:ext>
+            </a:extLst>
+          </p:cNvPr>
+          <p:cNvGrpSpPr/>
+          <p:nvPr/>
+        </p:nvGrpSpPr>
+        <p:grpSpPr>
+          <a:xfrm>
+            <a:off x="2259547" y="2628072"/>
+            <a:ext cx="3342528" cy="1650764"/>
+            <a:chOff x="2259547" y="2628072"/>
+            <a:chExt cx="3342528" cy="1650764"/>
+          </a:xfrm>
+        </p:grpSpPr>
+        <p:cxnSp>
+          <p:nvCxnSpPr>
+            <p:cNvPr id="110" name="Straight Arrow Connector 109" descr="drawwindow()">
+              <a:extLst>
+                <a:ext uri="{FF2B5EF4-FFF2-40B4-BE49-F238E27FC236}">
+                  <a16:creationId xmlns:a16="http://schemas.microsoft.com/office/drawing/2014/main" id="{9C924218-3D89-42F1-9FD3-6EBB6AF3145E}"/>
+                </a:ext>
+              </a:extLst>
+            </p:cNvPr>
+            <p:cNvCxnSpPr>
+              <a:cxnSpLocks/>
+              <a:stCxn id="4" idx="1"/>
+              <a:endCxn id="103" idx="3"/>
+            </p:cNvCxnSpPr>
+            <p:nvPr/>
+          </p:nvCxnSpPr>
+          <p:spPr>
+            <a:xfrm flipH="1" flipV="1">
+              <a:off x="2259547" y="2628072"/>
+              <a:ext cx="3342528" cy="1650764"/>
+            </a:xfrm>
+            <a:prstGeom prst="straightConnector1">
+              <a:avLst/>
+            </a:prstGeom>
+            <a:ln>
+              <a:tailEnd type="triangle"/>
+            </a:ln>
+          </p:spPr>
+          <p:style>
+            <a:lnRef idx="1">
+              <a:schemeClr val="accent1"/>
+            </a:lnRef>
+            <a:fillRef idx="0">
+              <a:schemeClr val="accent1"/>
+            </a:fillRef>
+            <a:effectRef idx="0">
+              <a:schemeClr val="accent1"/>
+            </a:effectRef>
+            <a:fontRef idx="minor">
+              <a:schemeClr val="tx1"/>
+            </a:fontRef>
+          </p:style>
+        </p:cxnSp>
+        <p:sp>
+          <p:nvSpPr>
+            <p:cNvPr id="113" name="Rectangle 112">
+              <a:extLst>
+                <a:ext uri="{FF2B5EF4-FFF2-40B4-BE49-F238E27FC236}">
+                  <a16:creationId xmlns:a16="http://schemas.microsoft.com/office/drawing/2014/main" id="{2F9BBA81-4DD9-4E4E-AFC8-D79788AFA1D5}"/>
+                </a:ext>
+              </a:extLst>
+            </p:cNvPr>
+            <p:cNvSpPr/>
+            <p:nvPr/>
+          </p:nvSpPr>
+          <p:spPr>
+            <a:xfrm rot="1595602">
+              <a:off x="2921462" y="3270386"/>
+              <a:ext cx="2119848" cy="323165"/>
+            </a:xfrm>
+            <a:prstGeom prst="rect">
+              <a:avLst/>
+            </a:prstGeom>
+          </p:spPr>
+          <p:txBody>
+            <a:bodyPr wrap="square">
+              <a:spAutoFit/>
+            </a:bodyPr>
+            <a:lstStyle/>
+            <a:p>
+              <a:r>
+                <a:rPr lang="en-US" sz="700" b="1" dirty="0"/>
+                <a:t>5</a:t>
+              </a:r>
+              <a:r>
+                <a:rPr lang="en-US" sz="700" dirty="0"/>
+                <a:t> </a:t>
+              </a:r>
+              <a:r>
+                <a:rPr lang="en-US" sz="800" dirty="0"/>
+                <a:t>String </a:t>
+              </a:r>
+              <a:r>
+                <a:rPr lang="en-US" sz="800" dirty="0" err="1"/>
+                <a:t>selOrigin</a:t>
+              </a:r>
+              <a:r>
+                <a:rPr lang="en-US" sz="800" dirty="0"/>
+                <a:t> = </a:t>
+              </a:r>
+              <a:r>
+                <a:rPr lang="en-US" sz="800" dirty="0" err="1"/>
+                <a:t>control.getSelectedOrigin</a:t>
+              </a:r>
+              <a:r>
+                <a:rPr lang="en-US" sz="800" dirty="0"/>
+                <a:t>();</a:t>
+              </a:r>
+            </a:p>
+            <a:p>
+              <a:endParaRPr lang="en-US" sz="700" dirty="0"/>
+            </a:p>
+          </p:txBody>
+        </p:sp>
+      </p:grpSp>
+      <p:grpSp>
+        <p:nvGrpSpPr>
+          <p:cNvPr id="168" name="Group 167">
+            <a:extLst>
+              <a:ext uri="{FF2B5EF4-FFF2-40B4-BE49-F238E27FC236}">
+                <a16:creationId xmlns:a16="http://schemas.microsoft.com/office/drawing/2014/main" id="{9A5AB515-160B-45EC-9B8E-6FDB48FD801C}"/>
+              </a:ext>
+            </a:extLst>
+          </p:cNvPr>
+          <p:cNvGrpSpPr/>
+          <p:nvPr/>
+        </p:nvGrpSpPr>
+        <p:grpSpPr>
+          <a:xfrm>
+            <a:off x="5131957" y="2241371"/>
+            <a:ext cx="472594" cy="1314213"/>
+            <a:chOff x="5131957" y="2241371"/>
+            <a:chExt cx="472594" cy="1314213"/>
+          </a:xfrm>
+        </p:grpSpPr>
+        <p:sp>
+          <p:nvSpPr>
+            <p:cNvPr id="73" name="Rectangle 72">
+              <a:extLst>
+                <a:ext uri="{FF2B5EF4-FFF2-40B4-BE49-F238E27FC236}">
+                  <a16:creationId xmlns:a16="http://schemas.microsoft.com/office/drawing/2014/main" id="{A0F9BE52-5A7C-43B0-9FAF-CC4D4CA64B54}"/>
+                </a:ext>
+              </a:extLst>
+            </p:cNvPr>
+            <p:cNvSpPr/>
+            <p:nvPr/>
+          </p:nvSpPr>
+          <p:spPr>
+            <a:xfrm rot="16369232">
+              <a:off x="4770851" y="2804547"/>
+              <a:ext cx="937656" cy="215444"/>
+            </a:xfrm>
+            <a:prstGeom prst="rect">
+              <a:avLst/>
+            </a:prstGeom>
+          </p:spPr>
+          <p:txBody>
+            <a:bodyPr wrap="square">
+              <a:spAutoFit/>
+            </a:bodyPr>
+            <a:lstStyle/>
+            <a:p>
+              <a:r>
+                <a:rPr lang="en-US" sz="700" b="1" dirty="0"/>
+                <a:t>2</a:t>
+              </a:r>
+              <a:r>
+                <a:rPr lang="en-US" sz="700" dirty="0"/>
+                <a:t> </a:t>
+              </a:r>
+              <a:r>
+                <a:rPr lang="en-US" sz="800" dirty="0"/>
+                <a:t>c = </a:t>
+              </a:r>
+              <a:r>
+                <a:rPr lang="en-US" sz="800" dirty="0" err="1"/>
+                <a:t>origins.get</a:t>
+              </a:r>
+              <a:r>
+                <a:rPr lang="en-US" sz="800" dirty="0"/>
+                <a:t>(</a:t>
+              </a:r>
+              <a:r>
+                <a:rPr lang="en-US" sz="800" dirty="0" err="1"/>
+                <a:t>i</a:t>
+              </a:r>
+              <a:r>
+                <a:rPr lang="en-US" sz="800" dirty="0"/>
+                <a:t>); </a:t>
+              </a:r>
+              <a:endParaRPr lang="en-US" sz="700" dirty="0"/>
+            </a:p>
+          </p:txBody>
+        </p:sp>
+        <p:cxnSp>
+          <p:nvCxnSpPr>
+            <p:cNvPr id="115" name="Connector: Curved 114">
+              <a:extLst>
+                <a:ext uri="{FF2B5EF4-FFF2-40B4-BE49-F238E27FC236}">
+                  <a16:creationId xmlns:a16="http://schemas.microsoft.com/office/drawing/2014/main" id="{D8857324-ADF2-41FD-82EE-593590B05EFB}"/>
+                </a:ext>
+              </a:extLst>
+            </p:cNvPr>
+            <p:cNvCxnSpPr>
+              <a:cxnSpLocks/>
+              <a:stCxn id="30" idx="1"/>
+              <a:endCxn id="65" idx="1"/>
+            </p:cNvCxnSpPr>
+            <p:nvPr/>
+          </p:nvCxnSpPr>
+          <p:spPr>
+            <a:xfrm rot="10800000" flipH="1" flipV="1">
+              <a:off x="5602075" y="2241371"/>
+              <a:ext cx="2476" cy="1314213"/>
+            </a:xfrm>
+            <a:prstGeom prst="curvedConnector3">
+              <a:avLst>
+                <a:gd name="adj1" fmla="val -9232633"/>
+              </a:avLst>
+            </a:prstGeom>
+            <a:ln>
+              <a:tailEnd type="triangle"/>
+            </a:ln>
+          </p:spPr>
+          <p:style>
+            <a:lnRef idx="1">
+              <a:schemeClr val="accent1"/>
+            </a:lnRef>
+            <a:fillRef idx="0">
+              <a:schemeClr val="accent1"/>
+            </a:fillRef>
+            <a:effectRef idx="0">
+              <a:schemeClr val="accent1"/>
+            </a:effectRef>
+            <a:fontRef idx="minor">
+              <a:schemeClr val="tx1"/>
+            </a:fontRef>
+          </p:style>
+        </p:cxnSp>
+      </p:grpSp>
+      <p:cxnSp>
+        <p:nvCxnSpPr>
+          <p:cNvPr id="118" name="Connector: Curved 117">
+            <a:extLst>
+              <a:ext uri="{FF2B5EF4-FFF2-40B4-BE49-F238E27FC236}">
+                <a16:creationId xmlns:a16="http://schemas.microsoft.com/office/drawing/2014/main" id="{C68D4F83-54F8-428D-898F-5D4A25B1E389}"/>
+              </a:ext>
+            </a:extLst>
+          </p:cNvPr>
+          <p:cNvCxnSpPr>
+            <a:cxnSpLocks/>
+            <a:stCxn id="80" idx="0"/>
+            <a:endCxn id="85" idx="2"/>
+          </p:cNvCxnSpPr>
+          <p:nvPr/>
+        </p:nvCxnSpPr>
+        <p:spPr>
+          <a:xfrm rot="5400000" flipH="1" flipV="1">
+            <a:off x="1773565" y="1784461"/>
+            <a:ext cx="438701" cy="38719"/>
+          </a:xfrm>
+          <a:prstGeom prst="curvedConnector3">
+            <a:avLst>
+              <a:gd name="adj1" fmla="val 50000"/>
+            </a:avLst>
+          </a:prstGeom>
+          <a:ln>
+            <a:tailEnd type="triangle"/>
+          </a:ln>
+        </p:spPr>
+        <p:style>
+          <a:lnRef idx="1">
+            <a:schemeClr val="accent1"/>
+          </a:lnRef>
+          <a:fillRef idx="0">
+            <a:schemeClr val="accent1"/>
+          </a:fillRef>
+          <a:effectRef idx="0">
+            <a:schemeClr val="accent1"/>
+          </a:effectRef>
+          <a:fontRef idx="minor">
+            <a:schemeClr val="tx1"/>
+          </a:fontRef>
+        </p:style>
+      </p:cxnSp>
+      <p:sp>
+        <p:nvSpPr>
+          <p:cNvPr id="123" name="Rectangle 122">
+            <a:extLst>
+              <a:ext uri="{FF2B5EF4-FFF2-40B4-BE49-F238E27FC236}">
+                <a16:creationId xmlns:a16="http://schemas.microsoft.com/office/drawing/2014/main" id="{1790808E-1C82-4954-93C4-3D4F6C160915}"/>
+              </a:ext>
+            </a:extLst>
+          </p:cNvPr>
+          <p:cNvSpPr/>
+          <p:nvPr/>
+        </p:nvSpPr>
+        <p:spPr>
+          <a:xfrm>
+            <a:off x="978040" y="5048043"/>
+            <a:ext cx="120210" cy="200055"/>
+          </a:xfrm>
+          <a:prstGeom prst="rect">
+            <a:avLst/>
+          </a:prstGeom>
+        </p:spPr>
+        <p:txBody>
+          <a:bodyPr wrap="square">
+            <a:spAutoFit/>
+          </a:bodyPr>
+          <a:lstStyle/>
+          <a:p>
+            <a:r>
+              <a:rPr lang="en-US" sz="700" dirty="0"/>
+              <a:t>B</a:t>
+            </a:r>
+          </a:p>
+        </p:txBody>
+      </p:sp>
+      <p:sp>
+        <p:nvSpPr>
+          <p:cNvPr id="124" name="Flowchart: Process 123">
+            <a:extLst>
+              <a:ext uri="{FF2B5EF4-FFF2-40B4-BE49-F238E27FC236}">
+                <a16:creationId xmlns:a16="http://schemas.microsoft.com/office/drawing/2014/main" id="{ECEE46FD-C2BA-453F-A85B-B1757B44FEEF}"/>
+              </a:ext>
+            </a:extLst>
+          </p:cNvPr>
+          <p:cNvSpPr/>
+          <p:nvPr/>
+        </p:nvSpPr>
+        <p:spPr>
+          <a:xfrm>
+            <a:off x="991621" y="5381642"/>
+            <a:ext cx="570124" cy="428846"/>
+          </a:xfrm>
+          <a:prstGeom prst="flowChartProcess">
+            <a:avLst/>
+          </a:prstGeom>
+          <a:solidFill>
+            <a:schemeClr val="accent2"/>
+          </a:solidFill>
+        </p:spPr>
+        <p:style>
+          <a:lnRef idx="2">
+            <a:schemeClr val="accent1">
+              <a:shade val="50000"/>
+            </a:schemeClr>
+          </a:lnRef>
+          <a:fillRef idx="1">
+            <a:schemeClr val="accent1"/>
+          </a:fillRef>
+          <a:effectRef idx="0">
+            <a:schemeClr val="accent1"/>
+          </a:effectRef>
+          <a:fontRef idx="minor">
+            <a:schemeClr val="lt1"/>
+          </a:fontRef>
+        </p:style>
+        <p:txBody>
+          <a:bodyPr rtlCol="0" anchor="ctr"/>
+          <a:lstStyle/>
+          <a:p>
+            <a:pPr algn="ctr"/>
+            <a:r>
+              <a:rPr lang="en-US" sz="600" dirty="0" err="1"/>
+              <a:t>mouseClicked</a:t>
+            </a:r>
+            <a:r>
+              <a:rPr lang="en-US" sz="600" dirty="0"/>
+              <a:t>()</a:t>
+            </a:r>
+          </a:p>
+        </p:txBody>
+      </p:sp>
+      <p:sp>
+        <p:nvSpPr>
+          <p:cNvPr id="125" name="Rectangle 124">
+            <a:extLst>
+              <a:ext uri="{FF2B5EF4-FFF2-40B4-BE49-F238E27FC236}">
+                <a16:creationId xmlns:a16="http://schemas.microsoft.com/office/drawing/2014/main" id="{BE6FA116-729A-47B3-B43B-6679596D0DDE}"/>
+              </a:ext>
+            </a:extLst>
+          </p:cNvPr>
+          <p:cNvSpPr/>
+          <p:nvPr/>
+        </p:nvSpPr>
+        <p:spPr>
+          <a:xfrm>
+            <a:off x="140024" y="1061939"/>
+            <a:ext cx="659114" cy="200055"/>
+          </a:xfrm>
+          <a:prstGeom prst="rect">
+            <a:avLst/>
+          </a:prstGeom>
+        </p:spPr>
+        <p:txBody>
+          <a:bodyPr wrap="square">
+            <a:spAutoFit/>
+          </a:bodyPr>
+          <a:lstStyle/>
+          <a:p>
+            <a:r>
+              <a:rPr lang="en-US" sz="700" dirty="0"/>
+              <a:t>A (repeats)</a:t>
+            </a:r>
+          </a:p>
+        </p:txBody>
+      </p:sp>
+      <p:graphicFrame>
+        <p:nvGraphicFramePr>
+          <p:cNvPr id="126" name="Table 125">
+            <a:extLst>
+              <a:ext uri="{FF2B5EF4-FFF2-40B4-BE49-F238E27FC236}">
+                <a16:creationId xmlns:a16="http://schemas.microsoft.com/office/drawing/2014/main" id="{734F2429-B9A4-41FC-9C45-883A2B80352A}"/>
+              </a:ext>
+            </a:extLst>
+          </p:cNvPr>
+          <p:cNvGraphicFramePr>
+            <a:graphicFrameLocks noGrp="1"/>
+          </p:cNvGraphicFramePr>
+          <p:nvPr>
+            <p:extLst>
+              <p:ext uri="{D42A27DB-BD31-4B8C-83A1-F6EECF244321}">
+                <p14:modId xmlns:p14="http://schemas.microsoft.com/office/powerpoint/2010/main" val="558219355"/>
+              </p:ext>
+            </p:extLst>
+          </p:nvPr>
+        </p:nvGraphicFramePr>
+        <p:xfrm>
+          <a:off x="-2704710" y="6706631"/>
+          <a:ext cx="705805" cy="457200"/>
+        </p:xfrm>
+        <a:graphic>
+          <a:graphicData uri="http://schemas.openxmlformats.org/drawingml/2006/table">
+            <a:tbl>
+              <a:tblPr firstRow="1" bandRow="1">
+                <a:tableStyleId>{5C22544A-7EE6-4342-B048-85BDC9FD1C3A}</a:tableStyleId>
+              </a:tblPr>
+              <a:tblGrid>
+                <a:gridCol w="705805">
+                  <a:extLst>
+                    <a:ext uri="{9D8B030D-6E8A-4147-A177-3AD203B41FA5}">
+                      <a16:colId xmlns:a16="http://schemas.microsoft.com/office/drawing/2014/main" val="484347071"/>
+                    </a:ext>
+                  </a:extLst>
+                </a:gridCol>
+              </a:tblGrid>
+              <a:tr h="165958">
+                <a:tc>
+                  <a:txBody>
+                    <a:bodyPr/>
+                    <a:lstStyle/>
+                    <a:p>
+                      <a:r>
+                        <a:rPr lang="en-US" sz="800" dirty="0" err="1">
+                          <a:solidFill>
+                            <a:schemeClr val="tx1"/>
+                          </a:solidFill>
+                        </a:rPr>
+                        <a:t>PVector</a:t>
+                      </a:r>
+                      <a:r>
+                        <a:rPr lang="en-US" sz="800" dirty="0">
                           <a:solidFill>
                             <a:schemeClr val="tx1"/>
                           </a:solidFill>
@@ -4150,12 +6073,12 @@
                         <a:t> </a:t>
                       </a:r>
                       <a:r>
-                        <a:rPr lang="en-US" sz="1100" dirty="0" err="1">
+                        <a:rPr lang="en-US" sz="800" dirty="0" err="1">
                           <a:solidFill>
                             <a:schemeClr val="tx1"/>
                           </a:solidFill>
                         </a:rPr>
-                        <a:t>worldMap</a:t>
+                        <a:t>windowCorner</a:t>
                       </a:r>
                       <a:endParaRPr lang="en-US" dirty="0">
                         <a:solidFill>
@@ -4182,12 +6105,229 @@
           </a:graphicData>
         </a:graphic>
       </p:graphicFrame>
-      <p:sp>
-        <p:nvSpPr>
-          <p:cNvPr id="22" name="Flowchart: Predefined Process 21">
-            <a:extLst>
-              <a:ext uri="{FF2B5EF4-FFF2-40B4-BE49-F238E27FC236}">
-                <a16:creationId xmlns:a16="http://schemas.microsoft.com/office/drawing/2014/main" id="{11E1CCA2-F7AE-4EB4-9038-06E9F12F2005}"/>
+      <p:grpSp>
+        <p:nvGrpSpPr>
+          <p:cNvPr id="154" name="Group 153">
+            <a:extLst>
+              <a:ext uri="{FF2B5EF4-FFF2-40B4-BE49-F238E27FC236}">
+                <a16:creationId xmlns:a16="http://schemas.microsoft.com/office/drawing/2014/main" id="{F42806CD-A5DB-415B-B464-FAB03123F94A}"/>
+              </a:ext>
+            </a:extLst>
+          </p:cNvPr>
+          <p:cNvGrpSpPr/>
+          <p:nvPr/>
+        </p:nvGrpSpPr>
+        <p:grpSpPr>
+          <a:xfrm>
+            <a:off x="1561745" y="4278836"/>
+            <a:ext cx="4040330" cy="1317229"/>
+            <a:chOff x="1561745" y="4278836"/>
+            <a:chExt cx="4040330" cy="1317229"/>
+          </a:xfrm>
+        </p:grpSpPr>
+        <p:cxnSp>
+          <p:nvCxnSpPr>
+            <p:cNvPr id="138" name="Straight Arrow Connector 137" descr="drawwindow()">
+              <a:extLst>
+                <a:ext uri="{FF2B5EF4-FFF2-40B4-BE49-F238E27FC236}">
+                  <a16:creationId xmlns:a16="http://schemas.microsoft.com/office/drawing/2014/main" id="{602293C6-84EB-4F48-9631-32E22FF4F573}"/>
+                </a:ext>
+              </a:extLst>
+            </p:cNvPr>
+            <p:cNvCxnSpPr>
+              <a:cxnSpLocks/>
+              <a:stCxn id="124" idx="3"/>
+              <a:endCxn id="4" idx="1"/>
+            </p:cNvCxnSpPr>
+            <p:nvPr/>
+          </p:nvCxnSpPr>
+          <p:spPr>
+            <a:xfrm flipV="1">
+              <a:off x="1561745" y="4278836"/>
+              <a:ext cx="4040330" cy="1317229"/>
+            </a:xfrm>
+            <a:prstGeom prst="straightConnector1">
+              <a:avLst/>
+            </a:prstGeom>
+            <a:ln>
+              <a:tailEnd type="triangle"/>
+            </a:ln>
+          </p:spPr>
+          <p:style>
+            <a:lnRef idx="1">
+              <a:schemeClr val="accent1"/>
+            </a:lnRef>
+            <a:fillRef idx="0">
+              <a:schemeClr val="accent1"/>
+            </a:fillRef>
+            <a:effectRef idx="0">
+              <a:schemeClr val="accent1"/>
+            </a:effectRef>
+            <a:fontRef idx="minor">
+              <a:schemeClr val="tx1"/>
+            </a:fontRef>
+          </p:style>
+        </p:cxnSp>
+        <p:sp>
+          <p:nvSpPr>
+            <p:cNvPr id="144" name="Rectangle 143">
+              <a:extLst>
+                <a:ext uri="{FF2B5EF4-FFF2-40B4-BE49-F238E27FC236}">
+                  <a16:creationId xmlns:a16="http://schemas.microsoft.com/office/drawing/2014/main" id="{79333A04-42EA-4C20-8B5D-CE8A21EB1D68}"/>
+                </a:ext>
+              </a:extLst>
+            </p:cNvPr>
+            <p:cNvSpPr/>
+            <p:nvPr/>
+          </p:nvSpPr>
+          <p:spPr>
+            <a:xfrm rot="20519462">
+              <a:off x="2558824" y="4790210"/>
+              <a:ext cx="1949724" cy="200055"/>
+            </a:xfrm>
+            <a:prstGeom prst="rect">
+              <a:avLst/>
+            </a:prstGeom>
+          </p:spPr>
+          <p:txBody>
+            <a:bodyPr wrap="square">
+              <a:spAutoFit/>
+            </a:bodyPr>
+            <a:lstStyle/>
+            <a:p>
+              <a:r>
+                <a:rPr lang="en-US" sz="700" b="1" dirty="0"/>
+                <a:t>6</a:t>
+              </a:r>
+              <a:r>
+                <a:rPr lang="en-US" sz="700" dirty="0"/>
+                <a:t> Call control to get origins and load into </a:t>
+              </a:r>
+              <a:r>
+                <a:rPr lang="en-US" sz="700" b="1" dirty="0"/>
+                <a:t>origins</a:t>
+              </a:r>
+            </a:p>
+          </p:txBody>
+        </p:sp>
+      </p:grpSp>
+      <p:grpSp>
+        <p:nvGrpSpPr>
+          <p:cNvPr id="155" name="Group 154">
+            <a:extLst>
+              <a:ext uri="{FF2B5EF4-FFF2-40B4-BE49-F238E27FC236}">
+                <a16:creationId xmlns:a16="http://schemas.microsoft.com/office/drawing/2014/main" id="{C97AF250-A2B8-435B-802F-B79F46807750}"/>
+              </a:ext>
+            </a:extLst>
+          </p:cNvPr>
+          <p:cNvGrpSpPr/>
+          <p:nvPr/>
+        </p:nvGrpSpPr>
+        <p:grpSpPr>
+          <a:xfrm>
+            <a:off x="6172200" y="3261503"/>
+            <a:ext cx="3276015" cy="1017333"/>
+            <a:chOff x="6172200" y="3261503"/>
+            <a:chExt cx="3276015" cy="1017333"/>
+          </a:xfrm>
+        </p:grpSpPr>
+        <p:cxnSp>
+          <p:nvCxnSpPr>
+            <p:cNvPr id="13" name="Straight Arrow Connector 12">
+              <a:extLst>
+                <a:ext uri="{FF2B5EF4-FFF2-40B4-BE49-F238E27FC236}">
+                  <a16:creationId xmlns:a16="http://schemas.microsoft.com/office/drawing/2014/main" id="{182CBE34-F967-4F0A-B364-DBDBA548FDB3}"/>
+                </a:ext>
+              </a:extLst>
+            </p:cNvPr>
+            <p:cNvCxnSpPr>
+              <a:cxnSpLocks/>
+              <a:stCxn id="4" idx="3"/>
+              <a:endCxn id="15" idx="1"/>
+            </p:cNvCxnSpPr>
+            <p:nvPr/>
+          </p:nvCxnSpPr>
+          <p:spPr>
+            <a:xfrm flipV="1">
+              <a:off x="6172200" y="3261503"/>
+              <a:ext cx="3276015" cy="1017333"/>
+            </a:xfrm>
+            <a:prstGeom prst="straightConnector1">
+              <a:avLst/>
+            </a:prstGeom>
+            <a:ln>
+              <a:tailEnd type="triangle"/>
+            </a:ln>
+          </p:spPr>
+          <p:style>
+            <a:lnRef idx="1">
+              <a:schemeClr val="accent1"/>
+            </a:lnRef>
+            <a:fillRef idx="0">
+              <a:schemeClr val="accent1"/>
+            </a:fillRef>
+            <a:effectRef idx="0">
+              <a:schemeClr val="accent1"/>
+            </a:effectRef>
+            <a:fontRef idx="minor">
+              <a:schemeClr val="tx1"/>
+            </a:fontRef>
+          </p:style>
+        </p:cxnSp>
+        <p:sp>
+          <p:nvSpPr>
+            <p:cNvPr id="145" name="Rectangle 144">
+              <a:extLst>
+                <a:ext uri="{FF2B5EF4-FFF2-40B4-BE49-F238E27FC236}">
+                  <a16:creationId xmlns:a16="http://schemas.microsoft.com/office/drawing/2014/main" id="{757319A6-EBF7-429F-88A2-7164721CC6B5}"/>
+                </a:ext>
+              </a:extLst>
+            </p:cNvPr>
+            <p:cNvSpPr/>
+            <p:nvPr/>
+          </p:nvSpPr>
+          <p:spPr>
+            <a:xfrm rot="20553192">
+              <a:off x="6401785" y="3812707"/>
+              <a:ext cx="1548003" cy="200055"/>
+            </a:xfrm>
+            <a:prstGeom prst="rect">
+              <a:avLst/>
+            </a:prstGeom>
+          </p:spPr>
+          <p:txBody>
+            <a:bodyPr wrap="square">
+              <a:spAutoFit/>
+            </a:bodyPr>
+            <a:lstStyle/>
+            <a:p>
+              <a:r>
+                <a:rPr lang="en-US" sz="700" b="1" dirty="0"/>
+                <a:t>7</a:t>
+              </a:r>
+              <a:r>
+                <a:rPr lang="en-US" sz="700" dirty="0"/>
+                <a:t> control will call </a:t>
+              </a:r>
+              <a:r>
+                <a:rPr lang="en-US" sz="700" dirty="0" err="1"/>
+                <a:t>model.getOrigins</a:t>
+              </a:r>
+              <a:r>
+                <a:rPr lang="en-US" sz="700" dirty="0"/>
+                <a:t>()</a:t>
+              </a:r>
+              <a:endParaRPr lang="en-US" sz="700" b="1" dirty="0"/>
+            </a:p>
+          </p:txBody>
+        </p:sp>
+      </p:grpSp>
+      <p:sp>
+        <p:nvSpPr>
+          <p:cNvPr id="146" name="Flowchart: Predefined Process 145">
+            <a:extLst>
+              <a:ext uri="{FF2B5EF4-FFF2-40B4-BE49-F238E27FC236}">
+                <a16:creationId xmlns:a16="http://schemas.microsoft.com/office/drawing/2014/main" id="{847C7691-C273-4803-A99C-A0EC2096699F}"/>
               </a:ext>
             </a:extLst>
           </p:cNvPr>
@@ -4196,16 +6336,14 @@
         </p:nvSpPr>
         <p:spPr>
           <a:xfrm>
-            <a:off x="2342995" y="-1006150"/>
-            <a:ext cx="1103901" cy="664387"/>
+            <a:off x="10727141" y="424716"/>
+            <a:ext cx="570125" cy="429168"/>
           </a:xfrm>
           <a:prstGeom prst="flowChartPredefinedProcess">
             <a:avLst/>
           </a:prstGeom>
           <a:solidFill>
-            <a:schemeClr val="bg1">
-              <a:lumMod val="95000"/>
-            </a:schemeClr>
+            <a:srgbClr val="FFC000"/>
           </a:solidFill>
         </p:spPr>
         <p:style>
@@ -4230,22 +6368,30 @@
           <a:p>
             <a:pPr algn="ctr"/>
             <a:r>
-              <a:rPr lang="en-US" sz="1100" dirty="0">
-                <a:solidFill>
-                  <a:schemeClr val="tx1"/>
-                </a:solidFill>
-              </a:rPr>
-              <a:t>Window</a:t>
-            </a:r>
-          </a:p>
-        </p:txBody>
-      </p:sp>
-      <p:sp>
-        <p:nvSpPr>
-          <p:cNvPr id="24" name="Flowchart: Predefined Process 23">
-            <a:extLst>
-              <a:ext uri="{FF2B5EF4-FFF2-40B4-BE49-F238E27FC236}">
-                <a16:creationId xmlns:a16="http://schemas.microsoft.com/office/drawing/2014/main" id="{045ED932-BBF3-4F68-B69C-ACF29EC804E4}"/>
+              <a:rPr lang="en-US" sz="400" dirty="0"/>
+              <a:t>HashMap </a:t>
+            </a:r>
+            <a:r>
+              <a:rPr lang="en-US" sz="100" b="1" dirty="0"/>
+              <a:t>countries</a:t>
+            </a:r>
+            <a:endParaRPr lang="en-US" sz="400" b="1" dirty="0"/>
+          </a:p>
+          <a:p>
+            <a:pPr algn="ctr"/>
+            <a:r>
+              <a:rPr lang="en-US" sz="400" dirty="0"/>
+              <a:t>&lt;Country&gt;</a:t>
+            </a:r>
+          </a:p>
+        </p:txBody>
+      </p:sp>
+      <p:sp>
+        <p:nvSpPr>
+          <p:cNvPr id="147" name="Flowchart: Predefined Process 146">
+            <a:extLst>
+              <a:ext uri="{FF2B5EF4-FFF2-40B4-BE49-F238E27FC236}">
+                <a16:creationId xmlns:a16="http://schemas.microsoft.com/office/drawing/2014/main" id="{A4752099-5F3C-4880-8C4F-CB686A8E3452}"/>
               </a:ext>
             </a:extLst>
           </p:cNvPr>
@@ -4254,114 +6400,14 @@
         </p:nvSpPr>
         <p:spPr>
           <a:xfrm>
-            <a:off x="659851" y="1802269"/>
-            <a:ext cx="1103901" cy="664387"/>
-          </a:xfrm>
-          <a:prstGeom prst="flowChartPredefinedProcess">
-            <a:avLst/>
-          </a:prstGeom>
-        </p:spPr>
-        <p:style>
-          <a:lnRef idx="2">
-            <a:schemeClr val="accent1">
-              <a:shade val="50000"/>
-            </a:schemeClr>
-          </a:lnRef>
-          <a:fillRef idx="1">
-            <a:schemeClr val="accent1"/>
-          </a:fillRef>
-          <a:effectRef idx="0">
-            <a:schemeClr val="accent1"/>
-          </a:effectRef>
-          <a:fontRef idx="minor">
-            <a:schemeClr val="lt1"/>
-          </a:fontRef>
-        </p:style>
-        <p:txBody>
-          <a:bodyPr rtlCol="0" anchor="ctr"/>
-          <a:lstStyle/>
-          <a:p>
-            <a:pPr algn="ctr"/>
-            <a:r>
-              <a:rPr lang="en-US" sz="1100" dirty="0"/>
-              <a:t>window</a:t>
-            </a:r>
-          </a:p>
-        </p:txBody>
-      </p:sp>
-      <p:sp>
-        <p:nvSpPr>
-          <p:cNvPr id="26" name="Flowchart: Predefined Process 25">
-            <a:extLst>
-              <a:ext uri="{FF2B5EF4-FFF2-40B4-BE49-F238E27FC236}">
-                <a16:creationId xmlns:a16="http://schemas.microsoft.com/office/drawing/2014/main" id="{2CE54248-BD54-4231-8EF5-4452D42FD779}"/>
-              </a:ext>
-            </a:extLst>
-          </p:cNvPr>
-          <p:cNvSpPr/>
-          <p:nvPr/>
-        </p:nvSpPr>
-        <p:spPr>
-          <a:xfrm>
-            <a:off x="659851" y="2678579"/>
-            <a:ext cx="1103901" cy="664387"/>
-          </a:xfrm>
-          <a:prstGeom prst="flowChartPredefinedProcess">
-            <a:avLst/>
-          </a:prstGeom>
-        </p:spPr>
-        <p:style>
-          <a:lnRef idx="2">
-            <a:schemeClr val="accent1">
-              <a:shade val="50000"/>
-            </a:schemeClr>
-          </a:lnRef>
-          <a:fillRef idx="1">
-            <a:schemeClr val="accent1"/>
-          </a:fillRef>
-          <a:effectRef idx="0">
-            <a:schemeClr val="accent1"/>
-          </a:effectRef>
-          <a:fontRef idx="minor">
-            <a:schemeClr val="lt1"/>
-          </a:fontRef>
-        </p:style>
-        <p:txBody>
-          <a:bodyPr rtlCol="0" anchor="ctr"/>
-          <a:lstStyle/>
-          <a:p>
-            <a:pPr algn="ctr"/>
-            <a:r>
-              <a:rPr lang="en-US" sz="1100" dirty="0"/>
-              <a:t>converter</a:t>
-            </a:r>
-          </a:p>
-        </p:txBody>
-      </p:sp>
-      <p:sp>
-        <p:nvSpPr>
-          <p:cNvPr id="29" name="Flowchart: Predefined Process 28">
-            <a:extLst>
-              <a:ext uri="{FF2B5EF4-FFF2-40B4-BE49-F238E27FC236}">
-                <a16:creationId xmlns:a16="http://schemas.microsoft.com/office/drawing/2014/main" id="{ABEDC9A5-F9BB-4D9E-AB73-EB83A0882BC6}"/>
-              </a:ext>
-            </a:extLst>
-          </p:cNvPr>
-          <p:cNvSpPr/>
-          <p:nvPr/>
-        </p:nvSpPr>
-        <p:spPr>
-          <a:xfrm>
-            <a:off x="10325444" y="-1010443"/>
-            <a:ext cx="1103901" cy="664387"/>
+            <a:off x="10712248" y="2026788"/>
+            <a:ext cx="570125" cy="429168"/>
           </a:xfrm>
           <a:prstGeom prst="flowChartPredefinedProcess">
             <a:avLst/>
           </a:prstGeom>
           <a:solidFill>
-            <a:schemeClr val="bg1">
-              <a:lumMod val="95000"/>
-            </a:schemeClr>
+            <a:srgbClr val="FFC000"/>
           </a:solidFill>
         </p:spPr>
         <p:style>
@@ -4386,391 +6432,131 @@
           <a:p>
             <a:pPr algn="ctr"/>
             <a:r>
-              <a:rPr lang="en-US" sz="1100" dirty="0">
-                <a:solidFill>
-                  <a:schemeClr val="tx1"/>
-                </a:solidFill>
-              </a:rPr>
-              <a:t>Country</a:t>
-            </a:r>
-          </a:p>
-        </p:txBody>
-      </p:sp>
-      <p:sp>
-        <p:nvSpPr>
-          <p:cNvPr id="30" name="Flowchart: Predefined Process 29">
-            <a:extLst>
-              <a:ext uri="{FF2B5EF4-FFF2-40B4-BE49-F238E27FC236}">
-                <a16:creationId xmlns:a16="http://schemas.microsoft.com/office/drawing/2014/main" id="{402E1243-7AF2-4D65-A7FE-20EFFDCD1893}"/>
-              </a:ext>
-            </a:extLst>
-          </p:cNvPr>
-          <p:cNvSpPr/>
+              <a:rPr lang="en-US" sz="400" dirty="0" err="1"/>
+              <a:t>arraylist</a:t>
+            </a:r>
+            <a:r>
+              <a:rPr lang="en-US" sz="400" dirty="0"/>
+              <a:t> </a:t>
+            </a:r>
+            <a:r>
+              <a:rPr lang="en-US" sz="100" b="1" dirty="0" err="1"/>
+              <a:t>currentOrigins</a:t>
+            </a:r>
+            <a:endParaRPr lang="en-US" sz="400" b="1" dirty="0"/>
+          </a:p>
+          <a:p>
+            <a:pPr algn="ctr"/>
+            <a:r>
+              <a:rPr lang="en-US" sz="400" dirty="0"/>
+              <a:t>&lt;Country&gt;</a:t>
+            </a:r>
+          </a:p>
+        </p:txBody>
+      </p:sp>
+      <p:grpSp>
+        <p:nvGrpSpPr>
+          <p:cNvPr id="156" name="Group 155">
+            <a:extLst>
+              <a:ext uri="{FF2B5EF4-FFF2-40B4-BE49-F238E27FC236}">
+                <a16:creationId xmlns:a16="http://schemas.microsoft.com/office/drawing/2014/main" id="{580E4952-C9F5-45C2-987C-E051CA972B26}"/>
+              </a:ext>
+            </a:extLst>
+          </p:cNvPr>
+          <p:cNvGrpSpPr/>
           <p:nvPr/>
-        </p:nvSpPr>
-        <p:spPr>
+        </p:nvGrpSpPr>
+        <p:grpSpPr>
           <a:xfrm>
-            <a:off x="659851" y="3554889"/>
-            <a:ext cx="1103901" cy="664387"/>
+            <a:off x="9733278" y="639300"/>
+            <a:ext cx="993863" cy="2407619"/>
+            <a:chOff x="9733278" y="639300"/>
+            <a:chExt cx="993863" cy="2407619"/>
           </a:xfrm>
-          <a:prstGeom prst="flowChartPredefinedProcess">
-            <a:avLst/>
-          </a:prstGeom>
-        </p:spPr>
-        <p:style>
-          <a:lnRef idx="2">
-            <a:schemeClr val="accent1">
-              <a:shade val="50000"/>
-            </a:schemeClr>
-          </a:lnRef>
-          <a:fillRef idx="1">
-            <a:schemeClr val="accent1"/>
-          </a:fillRef>
-          <a:effectRef idx="0">
-            <a:schemeClr val="accent1"/>
-          </a:effectRef>
-          <a:fontRef idx="minor">
-            <a:schemeClr val="lt1"/>
-          </a:fontRef>
-        </p:style>
-        <p:txBody>
-          <a:bodyPr rtlCol="0" anchor="ctr"/>
-          <a:lstStyle/>
-          <a:p>
-            <a:pPr algn="ctr"/>
-            <a:r>
-              <a:rPr lang="en-US" sz="1050" dirty="0" err="1"/>
-              <a:t>arraylist</a:t>
-            </a:r>
-            <a:r>
-              <a:rPr lang="en-US" sz="1050" dirty="0"/>
-              <a:t> origins</a:t>
-            </a:r>
-          </a:p>
-          <a:p>
-            <a:pPr algn="ctr"/>
-            <a:r>
-              <a:rPr lang="en-US" sz="1050" dirty="0"/>
-              <a:t>&lt;</a:t>
-            </a:r>
-            <a:r>
-              <a:rPr lang="en-US" sz="1050" b="1" dirty="0"/>
-              <a:t>Country</a:t>
-            </a:r>
-            <a:r>
-              <a:rPr lang="en-US" sz="1050" dirty="0"/>
-              <a:t>&gt;</a:t>
-            </a:r>
-          </a:p>
-        </p:txBody>
-      </p:sp>
-      <p:graphicFrame>
-        <p:nvGraphicFramePr>
-          <p:cNvPr id="31" name="Table 30">
-            <a:extLst>
-              <a:ext uri="{FF2B5EF4-FFF2-40B4-BE49-F238E27FC236}">
-                <a16:creationId xmlns:a16="http://schemas.microsoft.com/office/drawing/2014/main" id="{8AE58E4F-9053-4B6D-857E-CA3747FEF84D}"/>
-              </a:ext>
-            </a:extLst>
-          </p:cNvPr>
-          <p:cNvGraphicFramePr>
-            <a:graphicFrameLocks noGrp="1"/>
-          </p:cNvGraphicFramePr>
-          <p:nvPr>
-            <p:extLst>
-              <p:ext uri="{D42A27DB-BD31-4B8C-83A1-F6EECF244321}">
-                <p14:modId xmlns:p14="http://schemas.microsoft.com/office/powerpoint/2010/main" val="273096448"/>
-              </p:ext>
-            </p:extLst>
-          </p:nvPr>
-        </p:nvGraphicFramePr>
-        <p:xfrm>
-          <a:off x="528496" y="4431200"/>
-          <a:ext cx="1366610" cy="259080"/>
-        </p:xfrm>
-        <a:graphic>
-          <a:graphicData uri="http://schemas.openxmlformats.org/drawingml/2006/table">
-            <a:tbl>
-              <a:tblPr firstRow="1" bandRow="1">
-                <a:tableStyleId>{5C22544A-7EE6-4342-B048-85BDC9FD1C3A}</a:tableStyleId>
-              </a:tblPr>
-              <a:tblGrid>
-                <a:gridCol w="1366610">
-                  <a:extLst>
-                    <a:ext uri="{9D8B030D-6E8A-4147-A177-3AD203B41FA5}">
-                      <a16:colId xmlns:a16="http://schemas.microsoft.com/office/drawing/2014/main" val="484347071"/>
-                    </a:ext>
-                  </a:extLst>
-                </a:gridCol>
-              </a:tblGrid>
-              <a:tr h="256917">
-                <a:tc>
-                  <a:txBody>
-                    <a:bodyPr/>
-                    <a:lstStyle/>
-                    <a:p>
-                      <a:r>
-                        <a:rPr lang="en-US" sz="1100" dirty="0">
-                          <a:solidFill>
-                            <a:schemeClr val="tx1"/>
-                          </a:solidFill>
-                        </a:rPr>
-                        <a:t>int[]</a:t>
-                      </a:r>
-                      <a:r>
-                        <a:rPr lang="en-US" sz="1100" dirty="0" err="1">
-                          <a:solidFill>
-                            <a:schemeClr val="tx1"/>
-                          </a:solidFill>
-                        </a:rPr>
-                        <a:t>minMaxOrigins</a:t>
-                      </a:r>
-                      <a:endParaRPr lang="en-US" dirty="0">
-                        <a:solidFill>
-                          <a:schemeClr val="tx1"/>
-                        </a:solidFill>
-                      </a:endParaRPr>
-                    </a:p>
-                  </a:txBody>
-                  <a:tcPr>
-                    <a:solidFill>
-                      <a:schemeClr val="bg2">
-                        <a:lumMod val="90000"/>
-                      </a:schemeClr>
-                    </a:solidFill>
-                  </a:tcPr>
-                </a:tc>
-                <a:extLst>
-                  <a:ext uri="{0D108BD9-81ED-4DB2-BD59-A6C34878D82A}">
-                    <a16:rowId xmlns:a16="http://schemas.microsoft.com/office/drawing/2014/main" val="1763063817"/>
-                  </a:ext>
-                </a:extLst>
-              </a:tr>
-            </a:tbl>
-          </a:graphicData>
-        </a:graphic>
-      </p:graphicFrame>
-      <p:cxnSp>
-        <p:nvCxnSpPr>
-          <p:cNvPr id="35" name="Straight Arrow Connector 34">
-            <a:extLst>
-              <a:ext uri="{FF2B5EF4-FFF2-40B4-BE49-F238E27FC236}">
-                <a16:creationId xmlns:a16="http://schemas.microsoft.com/office/drawing/2014/main" id="{9187DE07-AF56-4EF1-9235-5C2CBBD8E449}"/>
-              </a:ext>
-            </a:extLst>
-          </p:cNvPr>
-          <p:cNvCxnSpPr>
-            <a:cxnSpLocks/>
-            <a:stCxn id="4" idx="3"/>
-            <a:endCxn id="16" idx="1"/>
-          </p:cNvCxnSpPr>
-          <p:nvPr/>
-        </p:nvCxnSpPr>
-        <p:spPr>
-          <a:xfrm>
-            <a:off x="1763752" y="780058"/>
-            <a:ext cx="3108245" cy="1078807"/>
-          </a:xfrm>
-          <a:prstGeom prst="straightConnector1">
-            <a:avLst/>
-          </a:prstGeom>
-          <a:ln>
-            <a:tailEnd type="triangle"/>
-          </a:ln>
-        </p:spPr>
-        <p:style>
-          <a:lnRef idx="1">
-            <a:schemeClr val="accent1"/>
-          </a:lnRef>
-          <a:fillRef idx="0">
-            <a:schemeClr val="accent1"/>
-          </a:fillRef>
-          <a:effectRef idx="0">
-            <a:schemeClr val="accent1"/>
-          </a:effectRef>
-          <a:fontRef idx="minor">
-            <a:schemeClr val="tx1"/>
-          </a:fontRef>
-        </p:style>
-      </p:cxnSp>
-      <p:cxnSp>
-        <p:nvCxnSpPr>
-          <p:cNvPr id="38" name="Straight Arrow Connector 37">
-            <a:extLst>
-              <a:ext uri="{FF2B5EF4-FFF2-40B4-BE49-F238E27FC236}">
-                <a16:creationId xmlns:a16="http://schemas.microsoft.com/office/drawing/2014/main" id="{E305973F-1F15-429A-B764-AA7C080D945E}"/>
-              </a:ext>
-            </a:extLst>
-          </p:cNvPr>
-          <p:cNvCxnSpPr>
-            <a:cxnSpLocks/>
-            <a:stCxn id="4" idx="3"/>
-            <a:endCxn id="18" idx="1"/>
-          </p:cNvCxnSpPr>
-          <p:nvPr/>
-        </p:nvCxnSpPr>
-        <p:spPr>
-          <a:xfrm>
-            <a:off x="1763752" y="780058"/>
-            <a:ext cx="3108245" cy="2177657"/>
-          </a:xfrm>
-          <a:prstGeom prst="straightConnector1">
-            <a:avLst/>
-          </a:prstGeom>
-          <a:ln>
-            <a:tailEnd type="triangle"/>
-          </a:ln>
-        </p:spPr>
-        <p:style>
-          <a:lnRef idx="1">
-            <a:schemeClr val="accent1"/>
-          </a:lnRef>
-          <a:fillRef idx="0">
-            <a:schemeClr val="accent1"/>
-          </a:fillRef>
-          <a:effectRef idx="0">
-            <a:schemeClr val="accent1"/>
-          </a:effectRef>
-          <a:fontRef idx="minor">
-            <a:schemeClr val="tx1"/>
-          </a:fontRef>
-        </p:style>
-      </p:cxnSp>
-      <p:cxnSp>
-        <p:nvCxnSpPr>
-          <p:cNvPr id="41" name="Straight Arrow Connector 40">
-            <a:extLst>
-              <a:ext uri="{FF2B5EF4-FFF2-40B4-BE49-F238E27FC236}">
-                <a16:creationId xmlns:a16="http://schemas.microsoft.com/office/drawing/2014/main" id="{BAFF55DD-CD7E-4197-B9BF-9D75F111DE8B}"/>
-              </a:ext>
-            </a:extLst>
-          </p:cNvPr>
-          <p:cNvCxnSpPr>
-            <a:cxnSpLocks/>
-            <a:stCxn id="4" idx="3"/>
-            <a:endCxn id="19" idx="1"/>
-          </p:cNvCxnSpPr>
-          <p:nvPr/>
-        </p:nvCxnSpPr>
-        <p:spPr>
-          <a:xfrm>
-            <a:off x="1763752" y="780058"/>
-            <a:ext cx="2948112" cy="3077398"/>
-          </a:xfrm>
-          <a:prstGeom prst="straightConnector1">
-            <a:avLst/>
-          </a:prstGeom>
-          <a:ln>
-            <a:tailEnd type="triangle"/>
-          </a:ln>
-        </p:spPr>
-        <p:style>
-          <a:lnRef idx="1">
-            <a:schemeClr val="accent1"/>
-          </a:lnRef>
-          <a:fillRef idx="0">
-            <a:schemeClr val="accent1"/>
-          </a:fillRef>
-          <a:effectRef idx="0">
-            <a:schemeClr val="accent1"/>
-          </a:effectRef>
-          <a:fontRef idx="minor">
-            <a:schemeClr val="tx1"/>
-          </a:fontRef>
-        </p:style>
-      </p:cxnSp>
-      <p:sp>
-        <p:nvSpPr>
-          <p:cNvPr id="44" name="Flowchart: Predefined Process 43">
-            <a:extLst>
-              <a:ext uri="{FF2B5EF4-FFF2-40B4-BE49-F238E27FC236}">
-                <a16:creationId xmlns:a16="http://schemas.microsoft.com/office/drawing/2014/main" id="{3C0D45B4-31F2-4B38-ACD4-6B77AC0ADB62}"/>
-              </a:ext>
-            </a:extLst>
-          </p:cNvPr>
-          <p:cNvSpPr/>
-          <p:nvPr/>
-        </p:nvSpPr>
-        <p:spPr>
-          <a:xfrm>
-            <a:off x="659851" y="-1003222"/>
-            <a:ext cx="1103901" cy="664387"/>
-          </a:xfrm>
-          <a:prstGeom prst="flowChartPredefinedProcess">
-            <a:avLst/>
-          </a:prstGeom>
-          <a:solidFill>
-            <a:schemeClr val="bg1">
-              <a:lumMod val="95000"/>
-            </a:schemeClr>
-          </a:solidFill>
-        </p:spPr>
-        <p:style>
-          <a:lnRef idx="2">
-            <a:schemeClr val="accent1">
-              <a:shade val="50000"/>
-            </a:schemeClr>
-          </a:lnRef>
-          <a:fillRef idx="1">
-            <a:schemeClr val="accent1"/>
-          </a:fillRef>
-          <a:effectRef idx="0">
-            <a:schemeClr val="accent1"/>
-          </a:effectRef>
-          <a:fontRef idx="minor">
-            <a:schemeClr val="lt1"/>
-          </a:fontRef>
-        </p:style>
-        <p:txBody>
-          <a:bodyPr rtlCol="0" anchor="ctr"/>
-          <a:lstStyle/>
-          <a:p>
-            <a:pPr algn="ctr"/>
-            <a:r>
-              <a:rPr lang="en-US" sz="1100" dirty="0">
-                <a:solidFill>
-                  <a:schemeClr val="tx1"/>
-                </a:solidFill>
-              </a:rPr>
-              <a:t>Converter</a:t>
-            </a:r>
-          </a:p>
-        </p:txBody>
-      </p:sp>
+        </p:grpSpPr>
+        <p:sp>
+          <p:nvSpPr>
+            <p:cNvPr id="148" name="Rectangle 147">
+              <a:extLst>
+                <a:ext uri="{FF2B5EF4-FFF2-40B4-BE49-F238E27FC236}">
+                  <a16:creationId xmlns:a16="http://schemas.microsoft.com/office/drawing/2014/main" id="{FF71F0F4-BD1F-4BEC-8611-A9D714C8FCA2}"/>
+                </a:ext>
+              </a:extLst>
+            </p:cNvPr>
+            <p:cNvSpPr/>
+            <p:nvPr/>
+          </p:nvSpPr>
+          <p:spPr>
+            <a:xfrm rot="17485913">
+              <a:off x="9442382" y="1924194"/>
+              <a:ext cx="1307510" cy="200055"/>
+            </a:xfrm>
+            <a:prstGeom prst="rect">
+              <a:avLst/>
+            </a:prstGeom>
+          </p:spPr>
+          <p:txBody>
+            <a:bodyPr wrap="square">
+              <a:spAutoFit/>
+            </a:bodyPr>
+            <a:lstStyle/>
+            <a:p>
+              <a:r>
+                <a:rPr lang="en-US" sz="700" dirty="0"/>
+                <a:t>8 load .csv into countries</a:t>
+              </a:r>
+              <a:endParaRPr lang="en-US" sz="700" b="1" dirty="0"/>
+            </a:p>
+          </p:txBody>
+        </p:sp>
+        <p:cxnSp>
+          <p:nvCxnSpPr>
+            <p:cNvPr id="149" name="Straight Arrow Connector 148">
+              <a:extLst>
+                <a:ext uri="{FF2B5EF4-FFF2-40B4-BE49-F238E27FC236}">
+                  <a16:creationId xmlns:a16="http://schemas.microsoft.com/office/drawing/2014/main" id="{F070932A-9ACA-4FA2-B894-3E7A81E34DB5}"/>
+                </a:ext>
+              </a:extLst>
+            </p:cNvPr>
+            <p:cNvCxnSpPr>
+              <a:cxnSpLocks/>
+              <a:stCxn id="15" idx="0"/>
+              <a:endCxn id="146" idx="1"/>
+            </p:cNvCxnSpPr>
+            <p:nvPr/>
+          </p:nvCxnSpPr>
+          <p:spPr>
+            <a:xfrm flipV="1">
+              <a:off x="9733278" y="639300"/>
+              <a:ext cx="993863" cy="2407619"/>
+            </a:xfrm>
+            <a:prstGeom prst="straightConnector1">
+              <a:avLst/>
+            </a:prstGeom>
+            <a:ln>
+              <a:tailEnd type="triangle"/>
+            </a:ln>
+          </p:spPr>
+          <p:style>
+            <a:lnRef idx="1">
+              <a:schemeClr val="accent1"/>
+            </a:lnRef>
+            <a:fillRef idx="0">
+              <a:schemeClr val="accent1"/>
+            </a:fillRef>
+            <a:effectRef idx="0">
+              <a:schemeClr val="accent1"/>
+            </a:effectRef>
+            <a:fontRef idx="minor">
+              <a:schemeClr val="tx1"/>
+            </a:fontRef>
+          </p:style>
+        </p:cxnSp>
+      </p:grpSp>
     </p:spTree>
     <p:extLst>
       <p:ext uri="{BB962C8B-B14F-4D97-AF65-F5344CB8AC3E}">
         <p14:creationId xmlns:p14="http://schemas.microsoft.com/office/powerpoint/2010/main" val="4265596027"/>
-      </p:ext>
-    </p:extLst>
-  </p:cSld>
-  <p:clrMapOvr>
-    <a:masterClrMapping/>
-  </p:clrMapOvr>
-</p:sld>
-</file>
-
-<file path=ppt/slides/slide2.xml><?xml version="1.0" encoding="utf-8"?>
-<p:sld xmlns:a="http://schemas.openxmlformats.org/drawingml/2006/main" xmlns:r="http://schemas.openxmlformats.org/officeDocument/2006/relationships" xmlns:p="http://schemas.openxmlformats.org/presentationml/2006/main">
-  <p:cSld>
-    <p:spTree>
-      <p:nvGrpSpPr>
-        <p:cNvPr id="1" name=""/>
-        <p:cNvGrpSpPr/>
-        <p:nvPr/>
-      </p:nvGrpSpPr>
-      <p:grpSpPr>
-        <a:xfrm>
-          <a:off x="0" y="0"/>
-          <a:ext cx="0" cy="0"/>
-          <a:chOff x="0" y="0"/>
-          <a:chExt cx="0" cy="0"/>
-        </a:xfrm>
-      </p:grpSpPr>
-    </p:spTree>
-    <p:extLst>
-      <p:ext uri="{BB962C8B-B14F-4D97-AF65-F5344CB8AC3E}">
-        <p14:creationId xmlns:p14="http://schemas.microsoft.com/office/powerpoint/2010/main" val="580925650"/>
       </p:ext>
     </p:extLst>
   </p:cSld>

--- a/ddavieau_Midterm/Presentation1.pptx
+++ b/ddavieau_Midterm/Presentation1.pptx
@@ -3752,7 +3752,7 @@
         </p:nvSpPr>
         <p:spPr>
           <a:xfrm>
-            <a:off x="9448215" y="3046919"/>
+            <a:off x="7747038" y="3156079"/>
             <a:ext cx="570125" cy="429168"/>
           </a:xfrm>
           <a:prstGeom prst="flowChartPredefinedProcess">
@@ -3801,7 +3801,7 @@
         </p:nvSpPr>
         <p:spPr>
           <a:xfrm>
-            <a:off x="9448215" y="4145769"/>
+            <a:off x="7747038" y="4254929"/>
             <a:ext cx="570124" cy="429168"/>
           </a:xfrm>
           <a:prstGeom prst="flowChartDisplay">
@@ -3922,7 +3922,7 @@
         </p:nvSpPr>
         <p:spPr>
           <a:xfrm>
-            <a:off x="9448215" y="5244619"/>
+            <a:off x="7747038" y="5353779"/>
             <a:ext cx="570125" cy="429168"/>
           </a:xfrm>
           <a:prstGeom prst="flowChartPredefinedProcess">
@@ -3973,13 +3973,13 @@
           <p:nvPr>
             <p:extLst>
               <p:ext uri="{D42A27DB-BD31-4B8C-83A1-F6EECF244321}">
-                <p14:modId xmlns:p14="http://schemas.microsoft.com/office/powerpoint/2010/main" val="2468642019"/>
+                <p14:modId xmlns:p14="http://schemas.microsoft.com/office/powerpoint/2010/main" val="712346919"/>
               </p:ext>
             </p:extLst>
           </p:nvPr>
         </p:nvGraphicFramePr>
         <p:xfrm>
-          <a:off x="9288082" y="6343467"/>
+          <a:off x="7586905" y="6452627"/>
           <a:ext cx="735530" cy="171937"/>
         </p:xfrm>
         <a:graphic>
@@ -4521,7 +4521,7 @@
         <p:spPr>
           <a:xfrm>
             <a:off x="6172200" y="4278836"/>
-            <a:ext cx="3276015" cy="81517"/>
+            <a:ext cx="1574838" cy="190677"/>
           </a:xfrm>
           <a:prstGeom prst="straightConnector1">
             <a:avLst/>
@@ -4564,7 +4564,7 @@
         <p:spPr>
           <a:xfrm>
             <a:off x="6172200" y="4278836"/>
-            <a:ext cx="3276015" cy="1180367"/>
+            <a:ext cx="1574838" cy="1289527"/>
           </a:xfrm>
           <a:prstGeom prst="straightConnector1">
             <a:avLst/>
@@ -4607,7 +4607,7 @@
         <p:spPr>
           <a:xfrm>
             <a:off x="6172200" y="4278836"/>
-            <a:ext cx="3115882" cy="2150599"/>
+            <a:ext cx="1414705" cy="2259759"/>
           </a:xfrm>
           <a:prstGeom prst="straightConnector1">
             <a:avLst/>
@@ -5901,7 +5901,7 @@
         </p:nvSpPr>
         <p:spPr>
           <a:xfrm>
-            <a:off x="978040" y="5048043"/>
+            <a:off x="918641" y="5161870"/>
             <a:ext cx="120210" cy="200055"/>
           </a:xfrm>
           <a:prstGeom prst="rect">
@@ -5967,11 +5967,11 @@
           <a:p>
             <a:pPr algn="ctr"/>
             <a:r>
-              <a:rPr lang="en-US" sz="600" dirty="0" err="1"/>
+              <a:rPr lang="en-US" sz="400" b="1" dirty="0" err="1"/>
               <a:t>mouseClicked</a:t>
             </a:r>
             <a:r>
-              <a:rPr lang="en-US" sz="600" dirty="0"/>
+              <a:rPr lang="en-US" sz="400" b="1" dirty="0"/>
               <a:t>()</a:t>
             </a:r>
           </a:p>
@@ -6201,12 +6201,25 @@
               </a:r>
               <a:r>
                 <a:rPr lang="en-US" sz="700" dirty="0"/>
-                <a:t> Call control to get origins and load into </a:t>
+                <a:t> </a:t>
               </a:r>
               <a:r>
                 <a:rPr lang="en-US" sz="700" b="1" dirty="0"/>
                 <a:t>origins</a:t>
               </a:r>
+              <a:r>
+                <a:rPr lang="en-US" sz="700" dirty="0"/>
+                <a:t> = </a:t>
+              </a:r>
+              <a:r>
+                <a:rPr lang="en-US" sz="700" dirty="0" err="1"/>
+                <a:t>control.getOrigins</a:t>
+              </a:r>
+              <a:r>
+                <a:rPr lang="en-US" sz="700" dirty="0"/>
+                <a:t>();</a:t>
+              </a:r>
+              <a:endParaRPr lang="en-US" sz="700" b="1" dirty="0"/>
             </a:p>
           </p:txBody>
         </p:sp>
@@ -6225,10 +6238,10 @@
         </p:nvGrpSpPr>
         <p:grpSpPr>
           <a:xfrm>
-            <a:off x="6172200" y="3261503"/>
-            <a:ext cx="3276015" cy="1017333"/>
-            <a:chOff x="6172200" y="3261503"/>
-            <a:chExt cx="3276015" cy="1017333"/>
+            <a:off x="6172200" y="3370663"/>
+            <a:ext cx="1574838" cy="908173"/>
+            <a:chOff x="6172200" y="3370663"/>
+            <a:chExt cx="1574838" cy="908173"/>
           </a:xfrm>
         </p:grpSpPr>
         <p:cxnSp>
@@ -6249,8 +6262,8 @@
           </p:nvCxnSpPr>
           <p:spPr>
             <a:xfrm flipV="1">
-              <a:off x="6172200" y="3261503"/>
-              <a:ext cx="3276015" cy="1017333"/>
+              <a:off x="6172200" y="3370663"/>
+              <a:ext cx="1574838" cy="908173"/>
             </a:xfrm>
             <a:prstGeom prst="straightConnector1">
               <a:avLst/>
@@ -6287,8 +6300,8 @@
             <p:nvPr/>
           </p:nvSpPr>
           <p:spPr>
-            <a:xfrm rot="20553192">
-              <a:off x="6401785" y="3812707"/>
+            <a:xfrm rot="19753332">
+              <a:off x="6183060" y="3622029"/>
               <a:ext cx="1548003" cy="200055"/>
             </a:xfrm>
             <a:prstGeom prst="rect">
@@ -6336,7 +6349,7 @@
         </p:nvSpPr>
         <p:spPr>
           <a:xfrm>
-            <a:off x="10727141" y="424716"/>
+            <a:off x="9755319" y="2215490"/>
             <a:ext cx="570125" cy="429168"/>
           </a:xfrm>
           <a:prstGeom prst="flowChartPredefinedProcess">
@@ -6372,7 +6385,7 @@
               <a:t>HashMap </a:t>
             </a:r>
             <a:r>
-              <a:rPr lang="en-US" sz="100" b="1" dirty="0"/>
+              <a:rPr lang="en-US" sz="300" b="1" dirty="0"/>
               <a:t>countries</a:t>
             </a:r>
             <a:endParaRPr lang="en-US" sz="400" b="1" dirty="0"/>
@@ -6400,7 +6413,7 @@
         </p:nvSpPr>
         <p:spPr>
           <a:xfrm>
-            <a:off x="10712248" y="2026788"/>
+            <a:off x="10040381" y="2835097"/>
             <a:ext cx="570125" cy="429168"/>
           </a:xfrm>
           <a:prstGeom prst="flowChartPredefinedProcess">
@@ -6440,7 +6453,7 @@
               <a:t> </a:t>
             </a:r>
             <a:r>
-              <a:rPr lang="en-US" sz="100" b="1" dirty="0" err="1"/>
+              <a:rPr lang="en-US" sz="500" b="1" dirty="0" err="1"/>
               <a:t>currentOrigins</a:t>
             </a:r>
             <a:endParaRPr lang="en-US" sz="400" b="1" dirty="0"/>
@@ -6468,10 +6481,10 @@
         </p:nvGrpSpPr>
         <p:grpSpPr>
           <a:xfrm>
-            <a:off x="9733278" y="639300"/>
-            <a:ext cx="993863" cy="2407619"/>
-            <a:chOff x="9733278" y="639300"/>
-            <a:chExt cx="993863" cy="2407619"/>
+            <a:off x="8032101" y="2430074"/>
+            <a:ext cx="1723218" cy="726005"/>
+            <a:chOff x="8162544" y="2383079"/>
+            <a:chExt cx="1723218" cy="726005"/>
           </a:xfrm>
         </p:grpSpPr>
         <p:sp>
@@ -6487,9 +6500,9 @@
             <p:nvPr/>
           </p:nvSpPr>
           <p:spPr>
-            <a:xfrm rot="17485913">
-              <a:off x="9442382" y="1924194"/>
-              <a:ext cx="1307510" cy="200055"/>
+            <a:xfrm rot="20271361">
+              <a:off x="8351583" y="2561891"/>
+              <a:ext cx="1450062" cy="200055"/>
             </a:xfrm>
             <a:prstGeom prst="rect">
               <a:avLst/>
@@ -6503,7 +6516,11 @@
             <a:p>
               <a:r>
                 <a:rPr lang="en-US" sz="700" dirty="0"/>
-                <a:t>8 load .csv into countries</a:t>
+                <a:t>load .csv into countries </a:t>
+              </a:r>
+              <a:r>
+                <a:rPr lang="en-US" sz="700" dirty="0" err="1"/>
+                <a:t>hashmap</a:t>
               </a:r>
               <a:endParaRPr lang="en-US" sz="700" b="1" dirty="0"/>
             </a:p>
@@ -6527,8 +6544,8 @@
           </p:nvCxnSpPr>
           <p:spPr>
             <a:xfrm flipV="1">
-              <a:off x="9733278" y="639300"/>
-              <a:ext cx="993863" cy="2407619"/>
+              <a:off x="8162544" y="2383079"/>
+              <a:ext cx="1723218" cy="726005"/>
             </a:xfrm>
             <a:prstGeom prst="straightConnector1">
               <a:avLst/>
@@ -6553,6 +6570,406 @@
           </p:style>
         </p:cxnSp>
       </p:grpSp>
+      <p:sp>
+        <p:nvSpPr>
+          <p:cNvPr id="77" name="Rectangle 76">
+            <a:extLst>
+              <a:ext uri="{FF2B5EF4-FFF2-40B4-BE49-F238E27FC236}">
+                <a16:creationId xmlns:a16="http://schemas.microsoft.com/office/drawing/2014/main" id="{7D38C785-56A8-4D32-AF20-71E934C516F7}"/>
+              </a:ext>
+            </a:extLst>
+          </p:cNvPr>
+          <p:cNvSpPr/>
+          <p:nvPr/>
+        </p:nvSpPr>
+        <p:spPr>
+          <a:xfrm rot="20349404">
+            <a:off x="6801538" y="3726900"/>
+            <a:ext cx="1450062" cy="200055"/>
+          </a:xfrm>
+          <a:prstGeom prst="rect">
+            <a:avLst/>
+          </a:prstGeom>
+        </p:spPr>
+        <p:txBody>
+          <a:bodyPr wrap="square">
+            <a:spAutoFit/>
+          </a:bodyPr>
+          <a:lstStyle/>
+          <a:p>
+            <a:r>
+              <a:rPr lang="en-US" sz="700" b="1" dirty="0"/>
+              <a:t>14</a:t>
+            </a:r>
+            <a:r>
+              <a:rPr lang="en-US" sz="700" dirty="0"/>
+              <a:t> return </a:t>
+            </a:r>
+            <a:r>
+              <a:rPr lang="en-US" sz="700" dirty="0" err="1"/>
+              <a:t>currentOrigins</a:t>
+            </a:r>
+            <a:r>
+              <a:rPr lang="en-US" sz="700" dirty="0"/>
+              <a:t>;</a:t>
+            </a:r>
+            <a:endParaRPr lang="en-US" sz="700" b="1" dirty="0"/>
+          </a:p>
+        </p:txBody>
+      </p:sp>
+      <p:cxnSp>
+        <p:nvCxnSpPr>
+          <p:cNvPr id="78" name="Straight Arrow Connector 77">
+            <a:extLst>
+              <a:ext uri="{FF2B5EF4-FFF2-40B4-BE49-F238E27FC236}">
+                <a16:creationId xmlns:a16="http://schemas.microsoft.com/office/drawing/2014/main" id="{F18C7BA4-5426-4180-B892-F8480193B6BA}"/>
+              </a:ext>
+            </a:extLst>
+          </p:cNvPr>
+          <p:cNvCxnSpPr>
+            <a:cxnSpLocks/>
+            <a:stCxn id="15" idx="2"/>
+            <a:endCxn id="4" idx="3"/>
+          </p:cNvCxnSpPr>
+          <p:nvPr/>
+        </p:nvCxnSpPr>
+        <p:spPr>
+          <a:xfrm flipH="1">
+            <a:off x="6172200" y="3585247"/>
+            <a:ext cx="1859901" cy="693589"/>
+          </a:xfrm>
+          <a:prstGeom prst="straightConnector1">
+            <a:avLst/>
+          </a:prstGeom>
+          <a:ln>
+            <a:tailEnd type="triangle"/>
+          </a:ln>
+        </p:spPr>
+        <p:style>
+          <a:lnRef idx="1">
+            <a:schemeClr val="accent1"/>
+          </a:lnRef>
+          <a:fillRef idx="0">
+            <a:schemeClr val="accent1"/>
+          </a:fillRef>
+          <a:effectRef idx="0">
+            <a:schemeClr val="accent1"/>
+          </a:effectRef>
+          <a:fontRef idx="minor">
+            <a:schemeClr val="tx1"/>
+          </a:fontRef>
+        </p:style>
+      </p:cxnSp>
+      <p:cxnSp>
+        <p:nvCxnSpPr>
+          <p:cNvPr id="79" name="Straight Arrow Connector 78">
+            <a:extLst>
+              <a:ext uri="{FF2B5EF4-FFF2-40B4-BE49-F238E27FC236}">
+                <a16:creationId xmlns:a16="http://schemas.microsoft.com/office/drawing/2014/main" id="{EEE110A6-2E8D-489E-A382-C0291B9753E2}"/>
+              </a:ext>
+            </a:extLst>
+          </p:cNvPr>
+          <p:cNvCxnSpPr>
+            <a:cxnSpLocks/>
+            <a:stCxn id="15" idx="3"/>
+            <a:endCxn id="147" idx="1"/>
+          </p:cNvCxnSpPr>
+          <p:nvPr/>
+        </p:nvCxnSpPr>
+        <p:spPr>
+          <a:xfrm flipV="1">
+            <a:off x="8317163" y="3049681"/>
+            <a:ext cx="1723218" cy="320982"/>
+          </a:xfrm>
+          <a:prstGeom prst="straightConnector1">
+            <a:avLst/>
+          </a:prstGeom>
+          <a:ln>
+            <a:tailEnd type="triangle"/>
+          </a:ln>
+        </p:spPr>
+        <p:style>
+          <a:lnRef idx="1">
+            <a:schemeClr val="accent1"/>
+          </a:lnRef>
+          <a:fillRef idx="0">
+            <a:schemeClr val="accent1"/>
+          </a:fillRef>
+          <a:effectRef idx="0">
+            <a:schemeClr val="accent1"/>
+          </a:effectRef>
+          <a:fontRef idx="minor">
+            <a:schemeClr val="tx1"/>
+          </a:fontRef>
+        </p:style>
+      </p:cxnSp>
+      <p:sp>
+        <p:nvSpPr>
+          <p:cNvPr id="42" name="Rectangle 41">
+            <a:extLst>
+              <a:ext uri="{FF2B5EF4-FFF2-40B4-BE49-F238E27FC236}">
+                <a16:creationId xmlns:a16="http://schemas.microsoft.com/office/drawing/2014/main" id="{1670C2A9-5E41-4795-8742-FFA0CD2D135D}"/>
+              </a:ext>
+            </a:extLst>
+          </p:cNvPr>
+          <p:cNvSpPr/>
+          <p:nvPr/>
+        </p:nvSpPr>
+        <p:spPr>
+          <a:xfrm rot="21035426">
+            <a:off x="8334569" y="3100610"/>
+            <a:ext cx="1058303" cy="200055"/>
+          </a:xfrm>
+          <a:prstGeom prst="rect">
+            <a:avLst/>
+          </a:prstGeom>
+        </p:spPr>
+        <p:txBody>
+          <a:bodyPr wrap="none">
+            <a:spAutoFit/>
+          </a:bodyPr>
+          <a:lstStyle/>
+          <a:p>
+            <a:r>
+              <a:rPr lang="en-US" sz="700" b="1" dirty="0"/>
+              <a:t>8</a:t>
+            </a:r>
+            <a:r>
+              <a:rPr lang="en-US" sz="700" dirty="0"/>
+              <a:t> </a:t>
+            </a:r>
+            <a:r>
+              <a:rPr lang="en-US" sz="700" dirty="0" err="1"/>
+              <a:t>currentOrigins.clear</a:t>
+            </a:r>
+            <a:r>
+              <a:rPr lang="en-US" sz="700" dirty="0"/>
+              <a:t>();</a:t>
+            </a:r>
+          </a:p>
+        </p:txBody>
+      </p:sp>
+      <p:sp>
+        <p:nvSpPr>
+          <p:cNvPr id="83" name="Rectangle 82">
+            <a:extLst>
+              <a:ext uri="{FF2B5EF4-FFF2-40B4-BE49-F238E27FC236}">
+                <a16:creationId xmlns:a16="http://schemas.microsoft.com/office/drawing/2014/main" id="{8BF18DC7-2D12-4CB5-AC58-0C17418090A0}"/>
+              </a:ext>
+            </a:extLst>
+          </p:cNvPr>
+          <p:cNvSpPr/>
+          <p:nvPr/>
+        </p:nvSpPr>
+        <p:spPr>
+          <a:xfrm rot="21035426">
+            <a:off x="8323654" y="3222074"/>
+            <a:ext cx="1646605" cy="307777"/>
+          </a:xfrm>
+          <a:prstGeom prst="rect">
+            <a:avLst/>
+          </a:prstGeom>
+        </p:spPr>
+        <p:txBody>
+          <a:bodyPr wrap="none">
+            <a:spAutoFit/>
+          </a:bodyPr>
+          <a:lstStyle/>
+          <a:p>
+            <a:r>
+              <a:rPr lang="en-US" sz="700" b="1" dirty="0"/>
+              <a:t>9</a:t>
+            </a:r>
+            <a:r>
+              <a:rPr lang="en-US" sz="700" dirty="0"/>
+              <a:t> </a:t>
+            </a:r>
+            <a:r>
+              <a:rPr lang="nn-NO" sz="700" dirty="0"/>
+              <a:t>Plane p = new Plane(data);</a:t>
+            </a:r>
+          </a:p>
+          <a:p>
+            <a:r>
+              <a:rPr lang="nn-NO" sz="700" dirty="0"/>
+              <a:t>(load plane object with data from JSON)</a:t>
+            </a:r>
+            <a:endParaRPr lang="en-US" sz="700" dirty="0"/>
+          </a:p>
+        </p:txBody>
+      </p:sp>
+      <p:sp>
+        <p:nvSpPr>
+          <p:cNvPr id="45" name="Rectangle 44">
+            <a:extLst>
+              <a:ext uri="{FF2B5EF4-FFF2-40B4-BE49-F238E27FC236}">
+                <a16:creationId xmlns:a16="http://schemas.microsoft.com/office/drawing/2014/main" id="{162A0928-714A-46A9-902D-13C1AF2280C1}"/>
+              </a:ext>
+            </a:extLst>
+          </p:cNvPr>
+          <p:cNvSpPr/>
+          <p:nvPr/>
+        </p:nvSpPr>
+        <p:spPr>
+          <a:xfrm rot="21072373">
+            <a:off x="8386902" y="3519148"/>
+            <a:ext cx="1311578" cy="200055"/>
+          </a:xfrm>
+          <a:prstGeom prst="rect">
+            <a:avLst/>
+          </a:prstGeom>
+        </p:spPr>
+        <p:txBody>
+          <a:bodyPr wrap="none">
+            <a:spAutoFit/>
+          </a:bodyPr>
+          <a:lstStyle/>
+          <a:p>
+            <a:r>
+              <a:rPr lang="en-US" sz="700" b="1" dirty="0"/>
+              <a:t>10</a:t>
+            </a:r>
+            <a:r>
+              <a:rPr lang="en-US" sz="700" dirty="0"/>
+              <a:t> String origin = </a:t>
+            </a:r>
+            <a:r>
+              <a:rPr lang="en-US" sz="700" dirty="0" err="1"/>
+              <a:t>p.getOrigin</a:t>
+            </a:r>
+            <a:r>
+              <a:rPr lang="en-US" sz="700" dirty="0"/>
+              <a:t>();</a:t>
+            </a:r>
+          </a:p>
+        </p:txBody>
+      </p:sp>
+      <p:sp>
+        <p:nvSpPr>
+          <p:cNvPr id="46" name="Rectangle 45">
+            <a:extLst>
+              <a:ext uri="{FF2B5EF4-FFF2-40B4-BE49-F238E27FC236}">
+                <a16:creationId xmlns:a16="http://schemas.microsoft.com/office/drawing/2014/main" id="{9F02C767-0BFE-46AA-A2FB-B9EA1A176417}"/>
+              </a:ext>
+            </a:extLst>
+          </p:cNvPr>
+          <p:cNvSpPr/>
+          <p:nvPr/>
+        </p:nvSpPr>
+        <p:spPr>
+          <a:xfrm rot="21108724">
+            <a:off x="8391391" y="3659911"/>
+            <a:ext cx="1915909" cy="200055"/>
+          </a:xfrm>
+          <a:prstGeom prst="rect">
+            <a:avLst/>
+          </a:prstGeom>
+        </p:spPr>
+        <p:txBody>
+          <a:bodyPr wrap="none">
+            <a:spAutoFit/>
+          </a:bodyPr>
+          <a:lstStyle/>
+          <a:p>
+            <a:r>
+              <a:rPr lang="en-US" sz="700" b="1" dirty="0"/>
+              <a:t>11</a:t>
+            </a:r>
+            <a:r>
+              <a:rPr lang="en-US" sz="700" dirty="0"/>
+              <a:t> Country </a:t>
+            </a:r>
+            <a:r>
+              <a:rPr lang="en-US" sz="700" dirty="0" err="1"/>
+              <a:t>originObject</a:t>
+            </a:r>
+            <a:r>
+              <a:rPr lang="en-US" sz="700" dirty="0"/>
+              <a:t> = </a:t>
+            </a:r>
+            <a:r>
+              <a:rPr lang="en-US" sz="700" dirty="0" err="1"/>
+              <a:t>countries.get</a:t>
+            </a:r>
+            <a:r>
+              <a:rPr lang="en-US" sz="700" dirty="0"/>
+              <a:t>(origin);</a:t>
+            </a:r>
+          </a:p>
+        </p:txBody>
+      </p:sp>
+      <p:sp>
+        <p:nvSpPr>
+          <p:cNvPr id="47" name="Rectangle 46">
+            <a:extLst>
+              <a:ext uri="{FF2B5EF4-FFF2-40B4-BE49-F238E27FC236}">
+                <a16:creationId xmlns:a16="http://schemas.microsoft.com/office/drawing/2014/main" id="{38A94C2E-BE60-467D-872C-EF089A22B4B6}"/>
+              </a:ext>
+            </a:extLst>
+          </p:cNvPr>
+          <p:cNvSpPr/>
+          <p:nvPr/>
+        </p:nvSpPr>
+        <p:spPr>
+          <a:xfrm rot="21118934">
+            <a:off x="8431514" y="3781732"/>
+            <a:ext cx="1766038" cy="338554"/>
+          </a:xfrm>
+          <a:prstGeom prst="rect">
+            <a:avLst/>
+          </a:prstGeom>
+        </p:spPr>
+        <p:txBody>
+          <a:bodyPr wrap="square">
+            <a:spAutoFit/>
+          </a:bodyPr>
+          <a:lstStyle/>
+          <a:p>
+            <a:r>
+              <a:rPr lang="en-US" sz="800" b="1" dirty="0"/>
+              <a:t>12</a:t>
+            </a:r>
+            <a:r>
+              <a:rPr lang="en-US" sz="800" dirty="0"/>
+              <a:t> </a:t>
+            </a:r>
+            <a:r>
+              <a:rPr lang="en-US" sz="800" dirty="0" err="1"/>
+              <a:t>originObject.addOrigin</a:t>
+            </a:r>
+            <a:r>
+              <a:rPr lang="en-US" sz="800" dirty="0"/>
+              <a:t>();</a:t>
+            </a:r>
+          </a:p>
+          <a:p>
+            <a:r>
+              <a:rPr lang="en-US" sz="800" b="1" dirty="0"/>
+              <a:t>13</a:t>
+            </a:r>
+            <a:r>
+              <a:rPr lang="en-US" sz="800" dirty="0"/>
+              <a:t> </a:t>
+            </a:r>
+            <a:r>
+              <a:rPr lang="en-US" sz="800" dirty="0" err="1"/>
+              <a:t>currentOrigins.add</a:t>
+            </a:r>
+            <a:r>
+              <a:rPr lang="en-US" sz="800" dirty="0"/>
+              <a:t>(</a:t>
+            </a:r>
+            <a:r>
+              <a:rPr lang="en-US" sz="800" dirty="0" err="1"/>
+              <a:t>originObject</a:t>
+            </a:r>
+            <a:r>
+              <a:rPr lang="en-US" sz="800" dirty="0"/>
+              <a:t>);</a:t>
+            </a:r>
+          </a:p>
+        </p:txBody>
+      </p:sp>
     </p:spTree>
     <p:extLst>
       <p:ext uri="{BB962C8B-B14F-4D97-AF65-F5344CB8AC3E}">

--- a/ddavieau_Midterm/Presentation1.pptx
+++ b/ddavieau_Midterm/Presentation1.pptx
@@ -3377,253 +3377,6 @@
       </p:sp>
       <p:sp>
         <p:nvSpPr>
-          <p:cNvPr id="6" name="Flowchart: Decision 5">
-            <a:extLst>
-              <a:ext uri="{FF2B5EF4-FFF2-40B4-BE49-F238E27FC236}">
-                <a16:creationId xmlns:a16="http://schemas.microsoft.com/office/drawing/2014/main" id="{EF6D0D91-0B81-4F7A-86B9-C5D36FF3EF4E}"/>
-              </a:ext>
-            </a:extLst>
-          </p:cNvPr>
-          <p:cNvSpPr/>
-          <p:nvPr/>
-        </p:nvSpPr>
-        <p:spPr>
-          <a:xfrm>
-            <a:off x="-2119122" y="2445232"/>
-            <a:ext cx="371290" cy="317738"/>
-          </a:xfrm>
-          <a:prstGeom prst="flowChartDecision">
-            <a:avLst/>
-          </a:prstGeom>
-        </p:spPr>
-        <p:style>
-          <a:lnRef idx="2">
-            <a:schemeClr val="accent1">
-              <a:shade val="50000"/>
-            </a:schemeClr>
-          </a:lnRef>
-          <a:fillRef idx="1">
-            <a:schemeClr val="accent1"/>
-          </a:fillRef>
-          <a:effectRef idx="0">
-            <a:schemeClr val="accent1"/>
-          </a:effectRef>
-          <a:fontRef idx="minor">
-            <a:schemeClr val="lt1"/>
-          </a:fontRef>
-        </p:style>
-        <p:txBody>
-          <a:bodyPr rtlCol="0" anchor="ctr"/>
-          <a:lstStyle/>
-          <a:p>
-            <a:pPr algn="ctr"/>
-            <a:r>
-              <a:rPr lang="en-US" sz="100" dirty="0"/>
-              <a:t>decision</a:t>
-            </a:r>
-            <a:endParaRPr lang="en-US" sz="600" dirty="0"/>
-          </a:p>
-        </p:txBody>
-      </p:sp>
-      <p:sp>
-        <p:nvSpPr>
-          <p:cNvPr id="7" name="Flowchart: Multidocument 6">
-            <a:extLst>
-              <a:ext uri="{FF2B5EF4-FFF2-40B4-BE49-F238E27FC236}">
-                <a16:creationId xmlns:a16="http://schemas.microsoft.com/office/drawing/2014/main" id="{0FD315CE-3FB1-42B4-A288-09EA390EF9DD}"/>
-              </a:ext>
-            </a:extLst>
-          </p:cNvPr>
-          <p:cNvSpPr/>
-          <p:nvPr/>
-        </p:nvSpPr>
-        <p:spPr>
-          <a:xfrm>
-            <a:off x="-2174076" y="4532219"/>
-            <a:ext cx="377804" cy="317738"/>
-          </a:xfrm>
-          <a:prstGeom prst="flowChartMultidocument">
-            <a:avLst/>
-          </a:prstGeom>
-        </p:spPr>
-        <p:style>
-          <a:lnRef idx="2">
-            <a:schemeClr val="accent1">
-              <a:shade val="50000"/>
-            </a:schemeClr>
-          </a:lnRef>
-          <a:fillRef idx="1">
-            <a:schemeClr val="accent1"/>
-          </a:fillRef>
-          <a:effectRef idx="0">
-            <a:schemeClr val="accent1"/>
-          </a:effectRef>
-          <a:fontRef idx="minor">
-            <a:schemeClr val="lt1"/>
-          </a:fontRef>
-        </p:style>
-        <p:txBody>
-          <a:bodyPr rtlCol="0" anchor="ctr"/>
-          <a:lstStyle/>
-          <a:p>
-            <a:pPr algn="ctr"/>
-            <a:r>
-              <a:rPr lang="en-US" sz="300" dirty="0" err="1"/>
-              <a:t>multidoc</a:t>
-            </a:r>
-            <a:endParaRPr lang="en-US" sz="300" dirty="0"/>
-          </a:p>
-        </p:txBody>
-      </p:sp>
-      <p:sp>
-        <p:nvSpPr>
-          <p:cNvPr id="8" name="Flowchart: Document 7">
-            <a:extLst>
-              <a:ext uri="{FF2B5EF4-FFF2-40B4-BE49-F238E27FC236}">
-                <a16:creationId xmlns:a16="http://schemas.microsoft.com/office/drawing/2014/main" id="{6CC1BA5C-D9AA-441B-BA7C-E43D92F17575}"/>
-              </a:ext>
-            </a:extLst>
-          </p:cNvPr>
-          <p:cNvSpPr/>
-          <p:nvPr/>
-        </p:nvSpPr>
-        <p:spPr>
-          <a:xfrm>
-            <a:off x="-2174075" y="3857456"/>
-            <a:ext cx="377804" cy="317738"/>
-          </a:xfrm>
-          <a:prstGeom prst="flowChartDocument">
-            <a:avLst/>
-          </a:prstGeom>
-        </p:spPr>
-        <p:style>
-          <a:lnRef idx="2">
-            <a:schemeClr val="accent1">
-              <a:shade val="50000"/>
-            </a:schemeClr>
-          </a:lnRef>
-          <a:fillRef idx="1">
-            <a:schemeClr val="accent1"/>
-          </a:fillRef>
-          <a:effectRef idx="0">
-            <a:schemeClr val="accent1"/>
-          </a:effectRef>
-          <a:fontRef idx="minor">
-            <a:schemeClr val="lt1"/>
-          </a:fontRef>
-        </p:style>
-        <p:txBody>
-          <a:bodyPr rtlCol="0" anchor="ctr"/>
-          <a:lstStyle/>
-          <a:p>
-            <a:pPr algn="ctr"/>
-            <a:r>
-              <a:rPr lang="en-US" sz="600" dirty="0"/>
-              <a:t>doc</a:t>
-            </a:r>
-          </a:p>
-        </p:txBody>
-      </p:sp>
-      <p:sp>
-        <p:nvSpPr>
-          <p:cNvPr id="9" name="Flowchart: Process 8">
-            <a:extLst>
-              <a:ext uri="{FF2B5EF4-FFF2-40B4-BE49-F238E27FC236}">
-                <a16:creationId xmlns:a16="http://schemas.microsoft.com/office/drawing/2014/main" id="{8EAAC013-2003-47C2-A217-76EE030E1E22}"/>
-              </a:ext>
-            </a:extLst>
-          </p:cNvPr>
-          <p:cNvSpPr/>
-          <p:nvPr/>
-        </p:nvSpPr>
-        <p:spPr>
-          <a:xfrm>
-            <a:off x="-2174075" y="3182693"/>
-            <a:ext cx="371290" cy="317738"/>
-          </a:xfrm>
-          <a:prstGeom prst="flowChartProcess">
-            <a:avLst/>
-          </a:prstGeom>
-        </p:spPr>
-        <p:style>
-          <a:lnRef idx="2">
-            <a:schemeClr val="accent1">
-              <a:shade val="50000"/>
-            </a:schemeClr>
-          </a:lnRef>
-          <a:fillRef idx="1">
-            <a:schemeClr val="accent1"/>
-          </a:fillRef>
-          <a:effectRef idx="0">
-            <a:schemeClr val="accent1"/>
-          </a:effectRef>
-          <a:fontRef idx="minor">
-            <a:schemeClr val="lt1"/>
-          </a:fontRef>
-        </p:style>
-        <p:txBody>
-          <a:bodyPr rtlCol="0" anchor="ctr"/>
-          <a:lstStyle/>
-          <a:p>
-            <a:pPr algn="ctr"/>
-            <a:r>
-              <a:rPr lang="en-US" sz="600" dirty="0"/>
-              <a:t>process</a:t>
-            </a:r>
-          </a:p>
-        </p:txBody>
-      </p:sp>
-      <p:sp>
-        <p:nvSpPr>
-          <p:cNvPr id="11" name="Flowchart: Data 10">
-            <a:extLst>
-              <a:ext uri="{FF2B5EF4-FFF2-40B4-BE49-F238E27FC236}">
-                <a16:creationId xmlns:a16="http://schemas.microsoft.com/office/drawing/2014/main" id="{178E86A0-0465-44CD-96E5-0AA2681A27D4}"/>
-              </a:ext>
-            </a:extLst>
-          </p:cNvPr>
-          <p:cNvSpPr/>
-          <p:nvPr/>
-        </p:nvSpPr>
-        <p:spPr>
-          <a:xfrm>
-            <a:off x="-1227267" y="2937116"/>
-            <a:ext cx="377804" cy="317738"/>
-          </a:xfrm>
-          <a:prstGeom prst="flowChartInputOutput">
-            <a:avLst/>
-          </a:prstGeom>
-        </p:spPr>
-        <p:style>
-          <a:lnRef idx="2">
-            <a:schemeClr val="accent1">
-              <a:shade val="50000"/>
-            </a:schemeClr>
-          </a:lnRef>
-          <a:fillRef idx="1">
-            <a:schemeClr val="accent1"/>
-          </a:fillRef>
-          <a:effectRef idx="0">
-            <a:schemeClr val="accent1"/>
-          </a:effectRef>
-          <a:fontRef idx="minor">
-            <a:schemeClr val="lt1"/>
-          </a:fontRef>
-        </p:style>
-        <p:txBody>
-          <a:bodyPr rtlCol="0" anchor="ctr"/>
-          <a:lstStyle/>
-          <a:p>
-            <a:pPr algn="ctr"/>
-            <a:r>
-              <a:rPr lang="en-US" sz="600" dirty="0"/>
-              <a:t>data</a:t>
-            </a:r>
-          </a:p>
-        </p:txBody>
-      </p:sp>
-      <p:sp>
-        <p:nvSpPr>
           <p:cNvPr id="12" name="Flowchart: Predefined Process 11">
             <a:extLst>
               <a:ext uri="{FF2B5EF4-FFF2-40B4-BE49-F238E27FC236}">
@@ -4752,15 +4505,15 @@
           </p:cNvPr>
           <p:cNvCxnSpPr>
             <a:cxnSpLocks/>
-            <a:stCxn id="27" idx="0"/>
+            <a:stCxn id="27" idx="3"/>
             <a:endCxn id="24" idx="1"/>
           </p:cNvCxnSpPr>
           <p:nvPr/>
         </p:nvCxnSpPr>
         <p:spPr>
           <a:xfrm flipV="1">
-            <a:off x="567878" y="714328"/>
-            <a:ext cx="5034197" cy="566572"/>
+            <a:off x="852940" y="714328"/>
+            <a:ext cx="4749135" cy="780995"/>
           </a:xfrm>
           <a:prstGeom prst="straightConnector1">
             <a:avLst/>
@@ -4846,8 +4599,8 @@
           <p:nvPr/>
         </p:nvSpPr>
         <p:spPr>
-          <a:xfrm rot="21205993">
-            <a:off x="1042915" y="933209"/>
+          <a:xfrm rot="21062359">
+            <a:off x="2367037" y="901080"/>
             <a:ext cx="2248573" cy="200055"/>
           </a:xfrm>
           <a:prstGeom prst="rect">
@@ -4877,81 +4630,6 @@
           </a:p>
         </p:txBody>
       </p:sp>
-      <p:sp>
-        <p:nvSpPr>
-          <p:cNvPr id="74" name="Rectangle 73">
-            <a:extLst>
-              <a:ext uri="{FF2B5EF4-FFF2-40B4-BE49-F238E27FC236}">
-                <a16:creationId xmlns:a16="http://schemas.microsoft.com/office/drawing/2014/main" id="{33DACFEF-B3D4-4A17-94B2-AAE82B59176B}"/>
-              </a:ext>
-            </a:extLst>
-          </p:cNvPr>
-          <p:cNvSpPr/>
-          <p:nvPr/>
-        </p:nvSpPr>
-        <p:spPr>
-          <a:xfrm>
-            <a:off x="-1066970" y="3828924"/>
-            <a:ext cx="118554" cy="200055"/>
-          </a:xfrm>
-          <a:prstGeom prst="rect">
-            <a:avLst/>
-          </a:prstGeom>
-        </p:spPr>
-        <p:txBody>
-          <a:bodyPr wrap="square">
-            <a:spAutoFit/>
-          </a:bodyPr>
-          <a:lstStyle/>
-          <a:p>
-            <a:r>
-              <a:rPr lang="en-US" sz="700" dirty="0"/>
-              <a:t>2</a:t>
-            </a:r>
-          </a:p>
-        </p:txBody>
-      </p:sp>
-      <p:cxnSp>
-        <p:nvCxnSpPr>
-          <p:cNvPr id="75" name="Straight Arrow Connector 74" descr="drawwindow()">
-            <a:extLst>
-              <a:ext uri="{FF2B5EF4-FFF2-40B4-BE49-F238E27FC236}">
-                <a16:creationId xmlns:a16="http://schemas.microsoft.com/office/drawing/2014/main" id="{2D639DF2-5062-486A-BCC8-2653CF1AAB6E}"/>
-              </a:ext>
-            </a:extLst>
-          </p:cNvPr>
-          <p:cNvCxnSpPr>
-            <a:cxnSpLocks/>
-          </p:cNvCxnSpPr>
-          <p:nvPr/>
-        </p:nvCxnSpPr>
-        <p:spPr>
-          <a:xfrm flipH="1">
-            <a:off x="-1038198" y="5024103"/>
-            <a:ext cx="860694" cy="768246"/>
-          </a:xfrm>
-          <a:prstGeom prst="straightConnector1">
-            <a:avLst/>
-          </a:prstGeom>
-          <a:ln>
-            <a:tailEnd type="triangle"/>
-          </a:ln>
-        </p:spPr>
-        <p:style>
-          <a:lnRef idx="1">
-            <a:schemeClr val="accent1"/>
-          </a:lnRef>
-          <a:fillRef idx="0">
-            <a:schemeClr val="accent1"/>
-          </a:fillRef>
-          <a:effectRef idx="0">
-            <a:schemeClr val="accent1"/>
-          </a:effectRef>
-          <a:fontRef idx="minor">
-            <a:schemeClr val="tx1"/>
-          </a:fontRef>
-        </p:style>
-      </p:cxnSp>
       <p:graphicFrame>
         <p:nvGraphicFramePr>
           <p:cNvPr id="80" name="Table 79">
@@ -4967,13 +4645,13 @@
           <p:nvPr>
             <p:extLst>
               <p:ext uri="{D42A27DB-BD31-4B8C-83A1-F6EECF244321}">
-                <p14:modId xmlns:p14="http://schemas.microsoft.com/office/powerpoint/2010/main" val="3386787143"/>
+                <p14:modId xmlns:p14="http://schemas.microsoft.com/office/powerpoint/2010/main" val="2612768822"/>
               </p:ext>
             </p:extLst>
           </p:nvPr>
         </p:nvGraphicFramePr>
         <p:xfrm>
-          <a:off x="1620654" y="2023170"/>
+          <a:off x="1612095" y="2023170"/>
           <a:ext cx="705805" cy="182880"/>
         </p:xfrm>
         <a:graphic>
@@ -5060,10 +4738,10 @@
         </p:nvGrpSpPr>
         <p:grpSpPr>
           <a:xfrm>
-            <a:off x="2326459" y="2114610"/>
-            <a:ext cx="3278092" cy="1440975"/>
-            <a:chOff x="2326459" y="2114610"/>
-            <a:chExt cx="3278092" cy="1440975"/>
+            <a:off x="2317900" y="2114610"/>
+            <a:ext cx="3286651" cy="1440975"/>
+            <a:chOff x="2317900" y="2114610"/>
+            <a:chExt cx="3286651" cy="1440975"/>
           </a:xfrm>
         </p:grpSpPr>
         <p:sp>
@@ -5079,8 +4757,8 @@
             <p:nvPr/>
           </p:nvSpPr>
           <p:spPr>
-            <a:xfrm rot="1229071">
-              <a:off x="3204985" y="2524136"/>
+            <a:xfrm rot="1410368">
+              <a:off x="3119238" y="2591328"/>
               <a:ext cx="1563226" cy="215444"/>
             </a:xfrm>
             <a:prstGeom prst="rect">
@@ -5147,8 +4825,8 @@
           </p:nvCxnSpPr>
           <p:spPr>
             <a:xfrm flipH="1" flipV="1">
-              <a:off x="2326459" y="2114610"/>
-              <a:ext cx="3278092" cy="1440975"/>
+              <a:off x="2317900" y="2114610"/>
+              <a:ext cx="3286651" cy="1440975"/>
             </a:xfrm>
             <a:prstGeom prst="straightConnector1">
               <a:avLst/>
@@ -5188,13 +4866,13 @@
           <p:nvPr>
             <p:extLst>
               <p:ext uri="{D42A27DB-BD31-4B8C-83A1-F6EECF244321}">
-                <p14:modId xmlns:p14="http://schemas.microsoft.com/office/powerpoint/2010/main" val="1256908428"/>
+                <p14:modId xmlns:p14="http://schemas.microsoft.com/office/powerpoint/2010/main" val="3783992299"/>
               </p:ext>
             </p:extLst>
           </p:nvPr>
         </p:nvGraphicFramePr>
         <p:xfrm>
-          <a:off x="1659373" y="1401589"/>
+          <a:off x="1612095" y="1513107"/>
           <a:ext cx="705805" cy="182880"/>
         </p:xfrm>
         <a:graphic>
@@ -5281,10 +4959,10 @@
         </p:nvGrpSpPr>
         <p:grpSpPr>
           <a:xfrm>
-            <a:off x="2365178" y="1364176"/>
-            <a:ext cx="3236901" cy="323165"/>
-            <a:chOff x="2365178" y="1364176"/>
-            <a:chExt cx="3236901" cy="323165"/>
+            <a:off x="2317900" y="1364176"/>
+            <a:ext cx="3284179" cy="323165"/>
+            <a:chOff x="2317900" y="1364176"/>
+            <a:chExt cx="3284179" cy="323165"/>
           </a:xfrm>
         </p:grpSpPr>
         <p:cxnSp>
@@ -5304,9 +4982,9 @@
             <p:nvPr/>
           </p:nvCxnSpPr>
           <p:spPr>
-            <a:xfrm flipH="1" flipV="1">
-              <a:off x="2365178" y="1493029"/>
-              <a:ext cx="3236901" cy="80674"/>
+            <a:xfrm flipH="1">
+              <a:off x="2317900" y="1573703"/>
+              <a:ext cx="3284179" cy="30844"/>
             </a:xfrm>
             <a:prstGeom prst="straightConnector1">
               <a:avLst/>
@@ -5406,10 +5084,10 @@
       </p:grpSp>
       <p:graphicFrame>
         <p:nvGraphicFramePr>
-          <p:cNvPr id="102" name="Table 101">
-            <a:extLst>
-              <a:ext uri="{FF2B5EF4-FFF2-40B4-BE49-F238E27FC236}">
-                <a16:creationId xmlns:a16="http://schemas.microsoft.com/office/drawing/2014/main" id="{7CEDBEBF-4A01-4251-8EBE-7D692E16A49B}"/>
+          <p:cNvPr id="103" name="Table 102">
+            <a:extLst>
+              <a:ext uri="{FF2B5EF4-FFF2-40B4-BE49-F238E27FC236}">
+                <a16:creationId xmlns:a16="http://schemas.microsoft.com/office/drawing/2014/main" id="{200FCAFE-83C2-4756-987A-69C83A785CBC}"/>
               </a:ext>
             </a:extLst>
           </p:cNvPr>
@@ -5419,107 +5097,13 @@
           <p:nvPr>
             <p:extLst>
               <p:ext uri="{D42A27DB-BD31-4B8C-83A1-F6EECF244321}">
-                <p14:modId xmlns:p14="http://schemas.microsoft.com/office/powerpoint/2010/main" val="3720260513"/>
+                <p14:modId xmlns:p14="http://schemas.microsoft.com/office/powerpoint/2010/main" val="1813386737"/>
               </p:ext>
             </p:extLst>
           </p:nvPr>
         </p:nvGraphicFramePr>
         <p:xfrm>
-          <a:off x="-2109990" y="1398593"/>
-          <a:ext cx="705805" cy="335280"/>
-        </p:xfrm>
-        <a:graphic>
-          <a:graphicData uri="http://schemas.openxmlformats.org/drawingml/2006/table">
-            <a:tbl>
-              <a:tblPr firstRow="1" bandRow="1">
-                <a:tableStyleId>{5C22544A-7EE6-4342-B048-85BDC9FD1C3A}</a:tableStyleId>
-              </a:tblPr>
-              <a:tblGrid>
-                <a:gridCol w="705805">
-                  <a:extLst>
-                    <a:ext uri="{9D8B030D-6E8A-4147-A177-3AD203B41FA5}">
-                      <a16:colId xmlns:a16="http://schemas.microsoft.com/office/drawing/2014/main" val="484347071"/>
-                    </a:ext>
-                  </a:extLst>
-                </a:gridCol>
-              </a:tblGrid>
-              <a:tr h="165958">
-                <a:tc>
-                  <a:txBody>
-                    <a:bodyPr/>
-                    <a:lstStyle/>
-                    <a:p>
-                      <a:r>
-                        <a:rPr lang="en-US" sz="800" dirty="0" err="1">
-                          <a:solidFill>
-                            <a:schemeClr val="tx1"/>
-                          </a:solidFill>
-                        </a:rPr>
-                        <a:t>PVector</a:t>
-                      </a:r>
-                      <a:r>
-                        <a:rPr lang="en-US" sz="800" dirty="0">
-                          <a:solidFill>
-                            <a:schemeClr val="tx1"/>
-                          </a:solidFill>
-                        </a:rPr>
-                        <a:t> </a:t>
-                      </a:r>
-                      <a:r>
-                        <a:rPr lang="en-US" sz="800" dirty="0" err="1">
-                          <a:solidFill>
-                            <a:schemeClr val="tx1"/>
-                          </a:solidFill>
-                        </a:rPr>
-                        <a:t>latlon</a:t>
-                      </a:r>
-                      <a:endParaRPr lang="en-US" dirty="0">
-                        <a:solidFill>
-                          <a:schemeClr val="tx1"/>
-                        </a:solidFill>
-                      </a:endParaRPr>
-                    </a:p>
-                  </a:txBody>
-                  <a:tcPr>
-                    <a:solidFill>
-                      <a:schemeClr val="bg2">
-                        <a:lumMod val="90000"/>
-                      </a:schemeClr>
-                    </a:solidFill>
-                  </a:tcPr>
-                </a:tc>
-                <a:extLst>
-                  <a:ext uri="{0D108BD9-81ED-4DB2-BD59-A6C34878D82A}">
-                    <a16:rowId xmlns:a16="http://schemas.microsoft.com/office/drawing/2014/main" val="1763063817"/>
-                  </a:ext>
-                </a:extLst>
-              </a:tr>
-            </a:tbl>
-          </a:graphicData>
-        </a:graphic>
-      </p:graphicFrame>
-      <p:graphicFrame>
-        <p:nvGraphicFramePr>
-          <p:cNvPr id="103" name="Table 102">
-            <a:extLst>
-              <a:ext uri="{FF2B5EF4-FFF2-40B4-BE49-F238E27FC236}">
-                <a16:creationId xmlns:a16="http://schemas.microsoft.com/office/drawing/2014/main" id="{200FCAFE-83C2-4756-987A-69C83A785CBC}"/>
-              </a:ext>
-            </a:extLst>
-          </p:cNvPr>
-          <p:cNvGraphicFramePr>
-            <a:graphicFrameLocks noGrp="1"/>
-          </p:cNvGraphicFramePr>
-          <p:nvPr>
-            <p:extLst>
-              <p:ext uri="{D42A27DB-BD31-4B8C-83A1-F6EECF244321}">
-                <p14:modId xmlns:p14="http://schemas.microsoft.com/office/powerpoint/2010/main" val="1752140624"/>
-              </p:ext>
-            </p:extLst>
-          </p:nvPr>
-        </p:nvGraphicFramePr>
-        <p:xfrm>
-          <a:off x="1553742" y="2544252"/>
+          <a:off x="1612095" y="2544252"/>
           <a:ext cx="705805" cy="167640"/>
         </p:xfrm>
         <a:graphic>
@@ -5606,10 +5190,10 @@
         </p:nvGrpSpPr>
         <p:grpSpPr>
           <a:xfrm>
-            <a:off x="2259547" y="2628072"/>
-            <a:ext cx="3342528" cy="1650764"/>
-            <a:chOff x="2259547" y="2628072"/>
-            <a:chExt cx="3342528" cy="1650764"/>
+            <a:off x="2317900" y="2628072"/>
+            <a:ext cx="3284175" cy="1650764"/>
+            <a:chOff x="2317900" y="2628072"/>
+            <a:chExt cx="3284175" cy="1650764"/>
           </a:xfrm>
         </p:grpSpPr>
         <p:cxnSp>
@@ -5630,8 +5214,8 @@
           </p:nvCxnSpPr>
           <p:spPr>
             <a:xfrm flipH="1" flipV="1">
-              <a:off x="2259547" y="2628072"/>
-              <a:ext cx="3342528" cy="1650764"/>
+              <a:off x="2317900" y="2628072"/>
+              <a:ext cx="3284175" cy="1650764"/>
             </a:xfrm>
             <a:prstGeom prst="straightConnector1">
               <a:avLst/>
@@ -5842,51 +5426,6 @@
           </p:style>
         </p:cxnSp>
       </p:grpSp>
-      <p:cxnSp>
-        <p:nvCxnSpPr>
-          <p:cNvPr id="118" name="Connector: Curved 117">
-            <a:extLst>
-              <a:ext uri="{FF2B5EF4-FFF2-40B4-BE49-F238E27FC236}">
-                <a16:creationId xmlns:a16="http://schemas.microsoft.com/office/drawing/2014/main" id="{C68D4F83-54F8-428D-898F-5D4A25B1E389}"/>
-              </a:ext>
-            </a:extLst>
-          </p:cNvPr>
-          <p:cNvCxnSpPr>
-            <a:cxnSpLocks/>
-            <a:stCxn id="80" idx="0"/>
-            <a:endCxn id="85" idx="2"/>
-          </p:cNvCxnSpPr>
-          <p:nvPr/>
-        </p:nvCxnSpPr>
-        <p:spPr>
-          <a:xfrm rot="5400000" flipH="1" flipV="1">
-            <a:off x="1773565" y="1784461"/>
-            <a:ext cx="438701" cy="38719"/>
-          </a:xfrm>
-          <a:prstGeom prst="curvedConnector3">
-            <a:avLst>
-              <a:gd name="adj1" fmla="val 50000"/>
-            </a:avLst>
-          </a:prstGeom>
-          <a:ln>
-            <a:tailEnd type="triangle"/>
-          </a:ln>
-        </p:spPr>
-        <p:style>
-          <a:lnRef idx="1">
-            <a:schemeClr val="accent1"/>
-          </a:lnRef>
-          <a:fillRef idx="0">
-            <a:schemeClr val="accent1"/>
-          </a:fillRef>
-          <a:effectRef idx="0">
-            <a:schemeClr val="accent1"/>
-          </a:effectRef>
-          <a:fontRef idx="minor">
-            <a:schemeClr val="tx1"/>
-          </a:fontRef>
-        </p:style>
-      </p:cxnSp>
       <p:sp>
         <p:nvSpPr>
           <p:cNvPr id="123" name="Rectangle 122">
@@ -5901,7 +5440,7 @@
         </p:nvSpPr>
         <p:spPr>
           <a:xfrm>
-            <a:off x="918641" y="5161870"/>
+            <a:off x="1582370" y="4278836"/>
             <a:ext cx="120210" cy="200055"/>
           </a:xfrm>
           <a:prstGeom prst="rect">
@@ -5935,7 +5474,7 @@
         </p:nvSpPr>
         <p:spPr>
           <a:xfrm>
-            <a:off x="991621" y="5381642"/>
+            <a:off x="1655350" y="4498608"/>
             <a:ext cx="570124" cy="428846"/>
           </a:xfrm>
           <a:prstGeom prst="flowChartProcess">
@@ -6119,10 +5658,10 @@
         </p:nvGrpSpPr>
         <p:grpSpPr>
           <a:xfrm>
-            <a:off x="1561745" y="4278836"/>
-            <a:ext cx="4040330" cy="1317229"/>
-            <a:chOff x="1561745" y="4278836"/>
-            <a:chExt cx="4040330" cy="1317229"/>
+            <a:off x="2225474" y="4278836"/>
+            <a:ext cx="3376601" cy="434195"/>
+            <a:chOff x="2225474" y="4278836"/>
+            <a:chExt cx="3376601" cy="434195"/>
           </a:xfrm>
         </p:grpSpPr>
         <p:cxnSp>
@@ -6143,8 +5682,8 @@
           </p:nvCxnSpPr>
           <p:spPr>
             <a:xfrm flipV="1">
-              <a:off x="1561745" y="4278836"/>
-              <a:ext cx="4040330" cy="1317229"/>
+              <a:off x="2225474" y="4278836"/>
+              <a:ext cx="3376601" cy="434195"/>
             </a:xfrm>
             <a:prstGeom prst="straightConnector1">
               <a:avLst/>
@@ -6181,8 +5720,8 @@
             <p:nvPr/>
           </p:nvSpPr>
           <p:spPr>
-            <a:xfrm rot="20519462">
-              <a:off x="2558824" y="4790210"/>
+            <a:xfrm rot="21152308">
+              <a:off x="2522815" y="4387501"/>
               <a:ext cx="1949724" cy="200055"/>
             </a:xfrm>
             <a:prstGeom prst="rect">
@@ -6970,6 +6509,49 @@
           </a:p>
         </p:txBody>
       </p:sp>
+      <p:cxnSp>
+        <p:nvCxnSpPr>
+          <p:cNvPr id="82" name="Straight Arrow Connector 81" descr="drawwindow()">
+            <a:extLst>
+              <a:ext uri="{FF2B5EF4-FFF2-40B4-BE49-F238E27FC236}">
+                <a16:creationId xmlns:a16="http://schemas.microsoft.com/office/drawing/2014/main" id="{09BE8E1F-9B6F-47D7-9190-29071296FC1F}"/>
+              </a:ext>
+            </a:extLst>
+          </p:cNvPr>
+          <p:cNvCxnSpPr>
+            <a:cxnSpLocks/>
+            <a:stCxn id="80" idx="0"/>
+            <a:endCxn id="85" idx="2"/>
+          </p:cNvCxnSpPr>
+          <p:nvPr/>
+        </p:nvCxnSpPr>
+        <p:spPr>
+          <a:xfrm flipV="1">
+            <a:off x="1964997" y="1695987"/>
+            <a:ext cx="0" cy="327183"/>
+          </a:xfrm>
+          <a:prstGeom prst="straightConnector1">
+            <a:avLst/>
+          </a:prstGeom>
+          <a:ln>
+            <a:tailEnd type="triangle"/>
+          </a:ln>
+        </p:spPr>
+        <p:style>
+          <a:lnRef idx="1">
+            <a:schemeClr val="accent1"/>
+          </a:lnRef>
+          <a:fillRef idx="0">
+            <a:schemeClr val="accent1"/>
+          </a:fillRef>
+          <a:effectRef idx="0">
+            <a:schemeClr val="accent1"/>
+          </a:effectRef>
+          <a:fontRef idx="minor">
+            <a:schemeClr val="tx1"/>
+          </a:fontRef>
+        </p:style>
+      </p:cxnSp>
     </p:spTree>
     <p:extLst>
       <p:ext uri="{BB962C8B-B14F-4D97-AF65-F5344CB8AC3E}">

--- a/ddavieau_Midterm/Presentation1.pptx
+++ b/ddavieau_Midterm/Presentation1.pptx
@@ -3675,7 +3675,7 @@
         </p:nvSpPr>
         <p:spPr>
           <a:xfrm>
-            <a:off x="7747038" y="5353779"/>
+            <a:off x="9195594" y="6342064"/>
             <a:ext cx="570125" cy="429168"/>
           </a:xfrm>
           <a:prstGeom prst="flowChartPredefinedProcess">
@@ -3726,13 +3726,13 @@
           <p:nvPr>
             <p:extLst>
               <p:ext uri="{D42A27DB-BD31-4B8C-83A1-F6EECF244321}">
-                <p14:modId xmlns:p14="http://schemas.microsoft.com/office/powerpoint/2010/main" val="712346919"/>
+                <p14:modId xmlns:p14="http://schemas.microsoft.com/office/powerpoint/2010/main" val="1031822394"/>
               </p:ext>
             </p:extLst>
           </p:nvPr>
         </p:nvGraphicFramePr>
         <p:xfrm>
-          <a:off x="7586905" y="6452627"/>
+          <a:off x="5602075" y="5923584"/>
           <a:ext cx="735530" cy="171937"/>
         </p:xfrm>
         <a:graphic>
@@ -4184,13 +4184,13 @@
           <p:nvPr>
             <p:extLst>
               <p:ext uri="{D42A27DB-BD31-4B8C-83A1-F6EECF244321}">
-                <p14:modId xmlns:p14="http://schemas.microsoft.com/office/powerpoint/2010/main" val="325449227"/>
+                <p14:modId xmlns:p14="http://schemas.microsoft.com/office/powerpoint/2010/main" val="3521014440"/>
               </p:ext>
             </p:extLst>
           </p:nvPr>
         </p:nvGraphicFramePr>
         <p:xfrm>
-          <a:off x="5482872" y="4617038"/>
+          <a:off x="4652676" y="4954889"/>
           <a:ext cx="705805" cy="167640"/>
         </p:xfrm>
         <a:graphic>
@@ -4317,7 +4317,7 @@
         <p:spPr>
           <a:xfrm>
             <a:off x="6172200" y="4278836"/>
-            <a:ext cx="1574838" cy="1289527"/>
+            <a:ext cx="3023394" cy="2277812"/>
           </a:xfrm>
           <a:prstGeom prst="straightConnector1">
             <a:avLst/>
@@ -4352,15 +4352,15 @@
           </p:cNvPr>
           <p:cNvCxnSpPr>
             <a:cxnSpLocks/>
-            <a:stCxn id="4" idx="3"/>
-            <a:endCxn id="19" idx="1"/>
+            <a:stCxn id="4" idx="2"/>
+            <a:endCxn id="19" idx="0"/>
           </p:cNvCxnSpPr>
           <p:nvPr/>
         </p:nvCxnSpPr>
         <p:spPr>
           <a:xfrm>
-            <a:off x="6172200" y="4278836"/>
-            <a:ext cx="1414705" cy="2259759"/>
+            <a:off x="5887138" y="4493420"/>
+            <a:ext cx="82702" cy="1430164"/>
           </a:xfrm>
           <a:prstGeom prst="straightConnector1">
             <a:avLst/>
@@ -5315,10 +5315,10 @@
         </p:nvGrpSpPr>
         <p:grpSpPr>
           <a:xfrm>
-            <a:off x="5131957" y="2241371"/>
-            <a:ext cx="472594" cy="1314213"/>
-            <a:chOff x="5131957" y="2241371"/>
-            <a:chExt cx="472594" cy="1314213"/>
+            <a:off x="5354298" y="2241371"/>
+            <a:ext cx="250253" cy="1314213"/>
+            <a:chOff x="5354298" y="2241371"/>
+            <a:chExt cx="250253" cy="1314213"/>
           </a:xfrm>
         </p:grpSpPr>
         <p:sp>
@@ -5334,8 +5334,8 @@
             <p:nvPr/>
           </p:nvSpPr>
           <p:spPr>
-            <a:xfrm rot="16369232">
-              <a:off x="4770851" y="2804547"/>
+            <a:xfrm rot="16200000">
+              <a:off x="4993192" y="2790756"/>
               <a:ext cx="937656" cy="215444"/>
             </a:xfrm>
             <a:prstGeom prst="rect">
@@ -5889,7 +5889,7 @@
         <p:spPr>
           <a:xfrm>
             <a:off x="9755319" y="2215490"/>
-            <a:ext cx="570125" cy="429168"/>
+            <a:ext cx="724562" cy="429168"/>
           </a:xfrm>
           <a:prstGeom prst="flowChartPredefinedProcess">
             <a:avLst/>
@@ -5920,14 +5920,18 @@
           <a:p>
             <a:pPr algn="ctr"/>
             <a:r>
+              <a:rPr lang="en-US" sz="600" dirty="0"/>
+              <a:t>HashMap</a:t>
+            </a:r>
+            <a:r>
               <a:rPr lang="en-US" sz="400" dirty="0"/>
-              <a:t>HashMap </a:t>
-            </a:r>
-            <a:r>
-              <a:rPr lang="en-US" sz="300" b="1" dirty="0"/>
+              <a:t> </a:t>
+            </a:r>
+            <a:r>
+              <a:rPr lang="en-US" sz="500" b="1" dirty="0"/>
               <a:t>countries</a:t>
             </a:r>
-            <a:endParaRPr lang="en-US" sz="400" b="1" dirty="0"/>
+            <a:endParaRPr lang="en-US" sz="600" b="1" dirty="0"/>
           </a:p>
           <a:p>
             <a:pPr algn="ctr"/>
@@ -5952,8 +5956,8 @@
         </p:nvSpPr>
         <p:spPr>
           <a:xfrm>
-            <a:off x="10040381" y="2835097"/>
-            <a:ext cx="570125" cy="429168"/>
+            <a:off x="11211589" y="3619965"/>
+            <a:ext cx="789544" cy="429168"/>
           </a:xfrm>
           <a:prstGeom prst="flowChartPredefinedProcess">
             <a:avLst/>
@@ -5984,7 +5988,7 @@
           <a:p>
             <a:pPr algn="ctr"/>
             <a:r>
-              <a:rPr lang="en-US" sz="400" dirty="0" err="1"/>
+              <a:rPr lang="en-US" sz="600" dirty="0" err="1"/>
               <a:t>arraylist</a:t>
             </a:r>
             <a:r>
@@ -6138,7 +6142,7 @@
           <a:p>
             <a:r>
               <a:rPr lang="en-US" sz="700" b="1" dirty="0"/>
-              <a:t>14</a:t>
+              <a:t>17</a:t>
             </a:r>
             <a:r>
               <a:rPr lang="en-US" sz="700" dirty="0"/>
@@ -6216,9 +6220,9 @@
           <p:nvPr/>
         </p:nvCxnSpPr>
         <p:spPr>
-          <a:xfrm flipV="1">
-            <a:off x="8317163" y="3049681"/>
-            <a:ext cx="1723218" cy="320982"/>
+          <a:xfrm>
+            <a:off x="8317163" y="3370663"/>
+            <a:ext cx="2894426" cy="463886"/>
           </a:xfrm>
           <a:prstGeom prst="straightConnector1">
             <a:avLst/>
@@ -6255,8 +6259,8 @@
           <p:nvPr/>
         </p:nvSpPr>
         <p:spPr>
-          <a:xfrm rot="21035426">
-            <a:off x="8334569" y="3100610"/>
+          <a:xfrm rot="521282">
+            <a:off x="8594491" y="3323768"/>
             <a:ext cx="1058303" cy="200055"/>
           </a:xfrm>
           <a:prstGeom prst="rect">
@@ -6301,16 +6305,16 @@
           <p:nvPr/>
         </p:nvSpPr>
         <p:spPr>
-          <a:xfrm rot="21035426">
-            <a:off x="8323654" y="3222074"/>
-            <a:ext cx="1646605" cy="307777"/>
+          <a:xfrm rot="1685695">
+            <a:off x="7648818" y="767157"/>
+            <a:ext cx="2055224" cy="307777"/>
           </a:xfrm>
           <a:prstGeom prst="rect">
             <a:avLst/>
           </a:prstGeom>
         </p:spPr>
         <p:txBody>
-          <a:bodyPr wrap="none">
+          <a:bodyPr wrap="square">
             <a:spAutoFit/>
           </a:bodyPr>
           <a:lstStyle/>
@@ -6331,9 +6335,8 @@
           <a:p>
             <a:r>
               <a:rPr lang="nn-NO" sz="700" dirty="0"/>
-              <a:t>(load plane object with data from JSON)</a:t>
-            </a:r>
-            <a:endParaRPr lang="en-US" sz="700" dirty="0"/>
+              <a:t>planes.add(p);</a:t>
+            </a:r>
           </a:p>
         </p:txBody>
       </p:sp>
@@ -6350,8 +6353,8 @@
           <p:nvPr/>
         </p:nvSpPr>
         <p:spPr>
-          <a:xfrm rot="21072373">
-            <a:off x="8386902" y="3519148"/>
+          <a:xfrm rot="1681414">
+            <a:off x="7669547" y="935214"/>
             <a:ext cx="1311578" cy="200055"/>
           </a:xfrm>
           <a:prstGeom prst="rect">
@@ -6396,8 +6399,8 @@
           <p:nvPr/>
         </p:nvSpPr>
         <p:spPr>
-          <a:xfrm rot="21108724">
-            <a:off x="8391391" y="3659911"/>
+          <a:xfrm rot="19379960">
+            <a:off x="8840005" y="1865175"/>
             <a:ext cx="1915909" cy="200055"/>
           </a:xfrm>
           <a:prstGeom prst="rect">
@@ -6451,8 +6454,8 @@
         </p:nvSpPr>
         <p:spPr>
           <a:xfrm rot="21118934">
-            <a:off x="8431514" y="3781732"/>
-            <a:ext cx="1766038" cy="338554"/>
+            <a:off x="10709239" y="642585"/>
+            <a:ext cx="1766038" cy="215444"/>
           </a:xfrm>
           <a:prstGeom prst="rect">
             <a:avLst/>
@@ -6479,32 +6482,6 @@
             <a:r>
               <a:rPr lang="en-US" sz="800" dirty="0"/>
               <a:t>();</a:t>
-            </a:r>
-          </a:p>
-          <a:p>
-            <a:r>
-              <a:rPr lang="en-US" sz="800" b="1" dirty="0"/>
-              <a:t>13</a:t>
-            </a:r>
-            <a:r>
-              <a:rPr lang="en-US" sz="800" dirty="0"/>
-              <a:t> </a:t>
-            </a:r>
-            <a:r>
-              <a:rPr lang="en-US" sz="800" dirty="0" err="1"/>
-              <a:t>currentOrigins.add</a:t>
-            </a:r>
-            <a:r>
-              <a:rPr lang="en-US" sz="800" dirty="0"/>
-              <a:t>(</a:t>
-            </a:r>
-            <a:r>
-              <a:rPr lang="en-US" sz="800" dirty="0" err="1"/>
-              <a:t>originObject</a:t>
-            </a:r>
-            <a:r>
-              <a:rPr lang="en-US" sz="800" dirty="0"/>
-              <a:t>);</a:t>
             </a:r>
           </a:p>
         </p:txBody>
@@ -6552,6 +6529,766 @@
           </a:fontRef>
         </p:style>
       </p:cxnSp>
+      <p:sp>
+        <p:nvSpPr>
+          <p:cNvPr id="67" name="Flowchart: Predefined Process 66">
+            <a:extLst>
+              <a:ext uri="{FF2B5EF4-FFF2-40B4-BE49-F238E27FC236}">
+                <a16:creationId xmlns:a16="http://schemas.microsoft.com/office/drawing/2014/main" id="{318C23F8-62D2-432C-9742-B86F5DD125C1}"/>
+              </a:ext>
+            </a:extLst>
+          </p:cNvPr>
+          <p:cNvSpPr/>
+          <p:nvPr/>
+        </p:nvSpPr>
+        <p:spPr>
+          <a:xfrm>
+            <a:off x="9293147" y="1175379"/>
+            <a:ext cx="724562" cy="429168"/>
+          </a:xfrm>
+          <a:prstGeom prst="flowChartPredefinedProcess">
+            <a:avLst/>
+          </a:prstGeom>
+          <a:solidFill>
+            <a:srgbClr val="0070C0"/>
+          </a:solidFill>
+        </p:spPr>
+        <p:style>
+          <a:lnRef idx="2">
+            <a:schemeClr val="accent1">
+              <a:shade val="50000"/>
+            </a:schemeClr>
+          </a:lnRef>
+          <a:fillRef idx="1">
+            <a:schemeClr val="accent1"/>
+          </a:fillRef>
+          <a:effectRef idx="0">
+            <a:schemeClr val="accent1"/>
+          </a:effectRef>
+          <a:fontRef idx="minor">
+            <a:schemeClr val="lt1"/>
+          </a:fontRef>
+        </p:style>
+        <p:txBody>
+          <a:bodyPr rtlCol="0" anchor="ctr"/>
+          <a:lstStyle/>
+          <a:p>
+            <a:pPr algn="ctr"/>
+            <a:r>
+              <a:rPr lang="en-US" sz="600" dirty="0" err="1"/>
+              <a:t>ArrayList</a:t>
+            </a:r>
+            <a:endParaRPr lang="en-US" sz="600" dirty="0"/>
+          </a:p>
+          <a:p>
+            <a:pPr algn="ctr"/>
+            <a:r>
+              <a:rPr lang="en-US" sz="500" b="1" dirty="0"/>
+              <a:t>planes</a:t>
+            </a:r>
+            <a:endParaRPr lang="en-US" sz="600" b="1" dirty="0"/>
+          </a:p>
+          <a:p>
+            <a:pPr algn="ctr"/>
+            <a:r>
+              <a:rPr lang="en-US" sz="400" dirty="0"/>
+              <a:t>&lt;Plane&gt;</a:t>
+            </a:r>
+          </a:p>
+        </p:txBody>
+      </p:sp>
+      <p:sp>
+        <p:nvSpPr>
+          <p:cNvPr id="7" name="Rectangle 6">
+            <a:extLst>
+              <a:ext uri="{FF2B5EF4-FFF2-40B4-BE49-F238E27FC236}">
+                <a16:creationId xmlns:a16="http://schemas.microsoft.com/office/drawing/2014/main" id="{5EC1C5B5-8619-4935-97B1-217F404B68A6}"/>
+              </a:ext>
+            </a:extLst>
+          </p:cNvPr>
+          <p:cNvSpPr/>
+          <p:nvPr/>
+        </p:nvSpPr>
+        <p:spPr>
+          <a:xfrm rot="19241826">
+            <a:off x="10107137" y="2194624"/>
+            <a:ext cx="652743" cy="200055"/>
+          </a:xfrm>
+          <a:prstGeom prst="rect">
+            <a:avLst/>
+          </a:prstGeom>
+        </p:spPr>
+        <p:txBody>
+          <a:bodyPr wrap="none">
+            <a:spAutoFit/>
+          </a:bodyPr>
+          <a:lstStyle/>
+          <a:p>
+            <a:r>
+              <a:rPr lang="en-US" sz="700" dirty="0"/>
+              <a:t>new </a:t>
+            </a:r>
+            <a:r>
+              <a:rPr lang="en-US" sz="700" dirty="0" err="1"/>
+              <a:t>PVector</a:t>
+            </a:r>
+            <a:endParaRPr lang="en-US" sz="700" dirty="0"/>
+          </a:p>
+        </p:txBody>
+      </p:sp>
+      <p:cxnSp>
+        <p:nvCxnSpPr>
+          <p:cNvPr id="70" name="Straight Arrow Connector 69">
+            <a:extLst>
+              <a:ext uri="{FF2B5EF4-FFF2-40B4-BE49-F238E27FC236}">
+                <a16:creationId xmlns:a16="http://schemas.microsoft.com/office/drawing/2014/main" id="{ED09EDC1-3F0C-491D-86BD-1D1FC481EFF0}"/>
+              </a:ext>
+            </a:extLst>
+          </p:cNvPr>
+          <p:cNvCxnSpPr>
+            <a:cxnSpLocks/>
+            <a:stCxn id="15" idx="0"/>
+            <a:endCxn id="67" idx="2"/>
+          </p:cNvCxnSpPr>
+          <p:nvPr/>
+        </p:nvCxnSpPr>
+        <p:spPr>
+          <a:xfrm flipV="1">
+            <a:off x="8032101" y="1604547"/>
+            <a:ext cx="1623327" cy="1551532"/>
+          </a:xfrm>
+          <a:prstGeom prst="straightConnector1">
+            <a:avLst/>
+          </a:prstGeom>
+          <a:ln>
+            <a:tailEnd type="triangle"/>
+          </a:ln>
+        </p:spPr>
+        <p:style>
+          <a:lnRef idx="1">
+            <a:schemeClr val="accent1"/>
+          </a:lnRef>
+          <a:fillRef idx="0">
+            <a:schemeClr val="accent1"/>
+          </a:fillRef>
+          <a:effectRef idx="0">
+            <a:schemeClr val="accent1"/>
+          </a:effectRef>
+          <a:fontRef idx="minor">
+            <a:schemeClr val="tx1"/>
+          </a:fontRef>
+        </p:style>
+      </p:cxnSp>
+      <p:sp>
+        <p:nvSpPr>
+          <p:cNvPr id="74" name="Flowchart: Predefined Process 73">
+            <a:extLst>
+              <a:ext uri="{FF2B5EF4-FFF2-40B4-BE49-F238E27FC236}">
+                <a16:creationId xmlns:a16="http://schemas.microsoft.com/office/drawing/2014/main" id="{B9A29FE5-2C1F-431B-A792-4144A50804FE}"/>
+              </a:ext>
+            </a:extLst>
+          </p:cNvPr>
+          <p:cNvSpPr/>
+          <p:nvPr/>
+        </p:nvSpPr>
+        <p:spPr>
+          <a:xfrm>
+            <a:off x="6907893" y="317256"/>
+            <a:ext cx="724562" cy="429168"/>
+          </a:xfrm>
+          <a:prstGeom prst="flowChartPredefinedProcess">
+            <a:avLst/>
+          </a:prstGeom>
+          <a:solidFill>
+            <a:srgbClr val="0070C0"/>
+          </a:solidFill>
+        </p:spPr>
+        <p:style>
+          <a:lnRef idx="2">
+            <a:schemeClr val="accent1">
+              <a:shade val="50000"/>
+            </a:schemeClr>
+          </a:lnRef>
+          <a:fillRef idx="1">
+            <a:schemeClr val="accent1"/>
+          </a:fillRef>
+          <a:effectRef idx="0">
+            <a:schemeClr val="accent1"/>
+          </a:effectRef>
+          <a:fontRef idx="minor">
+            <a:schemeClr val="lt1"/>
+          </a:fontRef>
+        </p:style>
+        <p:txBody>
+          <a:bodyPr rtlCol="0" anchor="ctr"/>
+          <a:lstStyle/>
+          <a:p>
+            <a:pPr algn="ctr"/>
+            <a:r>
+              <a:rPr lang="en-US" sz="500" dirty="0"/>
+              <a:t>JSON</a:t>
+            </a:r>
+          </a:p>
+          <a:p>
+            <a:pPr algn="ctr"/>
+            <a:r>
+              <a:rPr lang="en-US" sz="500" b="1" dirty="0"/>
+              <a:t>P</a:t>
+            </a:r>
+          </a:p>
+          <a:p>
+            <a:pPr algn="ctr"/>
+            <a:r>
+              <a:rPr lang="en-US" sz="500" dirty="0"/>
+              <a:t>&lt;Plane&gt;</a:t>
+            </a:r>
+            <a:endParaRPr lang="en-US" sz="600" dirty="0"/>
+          </a:p>
+        </p:txBody>
+      </p:sp>
+      <p:cxnSp>
+        <p:nvCxnSpPr>
+          <p:cNvPr id="75" name="Straight Arrow Connector 74">
+            <a:extLst>
+              <a:ext uri="{FF2B5EF4-FFF2-40B4-BE49-F238E27FC236}">
+                <a16:creationId xmlns:a16="http://schemas.microsoft.com/office/drawing/2014/main" id="{7A34A0BF-AF92-45B8-A809-CA70ABA56FC0}"/>
+              </a:ext>
+            </a:extLst>
+          </p:cNvPr>
+          <p:cNvCxnSpPr>
+            <a:cxnSpLocks/>
+            <a:stCxn id="15" idx="0"/>
+            <a:endCxn id="74" idx="2"/>
+          </p:cNvCxnSpPr>
+          <p:nvPr/>
+        </p:nvCxnSpPr>
+        <p:spPr>
+          <a:xfrm flipH="1" flipV="1">
+            <a:off x="7270174" y="746424"/>
+            <a:ext cx="761927" cy="2409655"/>
+          </a:xfrm>
+          <a:prstGeom prst="straightConnector1">
+            <a:avLst/>
+          </a:prstGeom>
+          <a:ln>
+            <a:tailEnd type="triangle"/>
+          </a:ln>
+        </p:spPr>
+        <p:style>
+          <a:lnRef idx="1">
+            <a:schemeClr val="accent1"/>
+          </a:lnRef>
+          <a:fillRef idx="0">
+            <a:schemeClr val="accent1"/>
+          </a:fillRef>
+          <a:effectRef idx="0">
+            <a:schemeClr val="accent1"/>
+          </a:effectRef>
+          <a:fontRef idx="minor">
+            <a:schemeClr val="tx1"/>
+          </a:fontRef>
+        </p:style>
+      </p:cxnSp>
+      <p:cxnSp>
+        <p:nvCxnSpPr>
+          <p:cNvPr id="84" name="Straight Arrow Connector 83">
+            <a:extLst>
+              <a:ext uri="{FF2B5EF4-FFF2-40B4-BE49-F238E27FC236}">
+                <a16:creationId xmlns:a16="http://schemas.microsoft.com/office/drawing/2014/main" id="{E4240950-9B2D-46F8-AD0A-EF7057315146}"/>
+              </a:ext>
+            </a:extLst>
+          </p:cNvPr>
+          <p:cNvCxnSpPr>
+            <a:cxnSpLocks/>
+            <a:stCxn id="74" idx="3"/>
+            <a:endCxn id="67" idx="1"/>
+          </p:cNvCxnSpPr>
+          <p:nvPr/>
+        </p:nvCxnSpPr>
+        <p:spPr>
+          <a:xfrm>
+            <a:off x="7632455" y="531840"/>
+            <a:ext cx="1660692" cy="858123"/>
+          </a:xfrm>
+          <a:prstGeom prst="straightConnector1">
+            <a:avLst/>
+          </a:prstGeom>
+          <a:ln>
+            <a:tailEnd type="triangle"/>
+          </a:ln>
+        </p:spPr>
+        <p:style>
+          <a:lnRef idx="1">
+            <a:schemeClr val="accent1"/>
+          </a:lnRef>
+          <a:fillRef idx="0">
+            <a:schemeClr val="accent1"/>
+          </a:fillRef>
+          <a:effectRef idx="0">
+            <a:schemeClr val="accent1"/>
+          </a:effectRef>
+          <a:fontRef idx="minor">
+            <a:schemeClr val="tx1"/>
+          </a:fontRef>
+        </p:style>
+      </p:cxnSp>
+      <p:sp>
+        <p:nvSpPr>
+          <p:cNvPr id="87" name="Flowchart: Predefined Process 86">
+            <a:extLst>
+              <a:ext uri="{FF2B5EF4-FFF2-40B4-BE49-F238E27FC236}">
+                <a16:creationId xmlns:a16="http://schemas.microsoft.com/office/drawing/2014/main" id="{685A491E-2C78-4327-A2F9-31DC7C436EF7}"/>
+              </a:ext>
+            </a:extLst>
+          </p:cNvPr>
+          <p:cNvSpPr/>
+          <p:nvPr/>
+        </p:nvSpPr>
+        <p:spPr>
+          <a:xfrm>
+            <a:off x="10702847" y="999485"/>
+            <a:ext cx="724562" cy="429168"/>
+          </a:xfrm>
+          <a:prstGeom prst="flowChartPredefinedProcess">
+            <a:avLst/>
+          </a:prstGeom>
+          <a:solidFill>
+            <a:srgbClr val="0070C0"/>
+          </a:solidFill>
+        </p:spPr>
+        <p:style>
+          <a:lnRef idx="2">
+            <a:schemeClr val="accent1">
+              <a:shade val="50000"/>
+            </a:schemeClr>
+          </a:lnRef>
+          <a:fillRef idx="1">
+            <a:schemeClr val="accent1"/>
+          </a:fillRef>
+          <a:effectRef idx="0">
+            <a:schemeClr val="accent1"/>
+          </a:effectRef>
+          <a:fontRef idx="minor">
+            <a:schemeClr val="lt1"/>
+          </a:fontRef>
+        </p:style>
+        <p:txBody>
+          <a:bodyPr rtlCol="0" anchor="ctr"/>
+          <a:lstStyle/>
+          <a:p>
+            <a:pPr algn="ctr"/>
+            <a:r>
+              <a:rPr lang="en-US" sz="500" b="1" dirty="0" err="1"/>
+              <a:t>originObject</a:t>
+            </a:r>
+            <a:endParaRPr lang="en-US" sz="600" b="1" dirty="0"/>
+          </a:p>
+          <a:p>
+            <a:pPr algn="ctr"/>
+            <a:r>
+              <a:rPr lang="en-US" sz="400" dirty="0"/>
+              <a:t>&lt;Country&gt;</a:t>
+            </a:r>
+          </a:p>
+        </p:txBody>
+      </p:sp>
+      <p:cxnSp>
+        <p:nvCxnSpPr>
+          <p:cNvPr id="88" name="Straight Arrow Connector 87">
+            <a:extLst>
+              <a:ext uri="{FF2B5EF4-FFF2-40B4-BE49-F238E27FC236}">
+                <a16:creationId xmlns:a16="http://schemas.microsoft.com/office/drawing/2014/main" id="{ECC0CD68-0395-4E59-830C-2789B5E6809D}"/>
+              </a:ext>
+            </a:extLst>
+          </p:cNvPr>
+          <p:cNvCxnSpPr>
+            <a:cxnSpLocks/>
+            <a:stCxn id="15" idx="0"/>
+            <a:endCxn id="87" idx="1"/>
+          </p:cNvCxnSpPr>
+          <p:nvPr/>
+        </p:nvCxnSpPr>
+        <p:spPr>
+          <a:xfrm flipV="1">
+            <a:off x="8032101" y="1214069"/>
+            <a:ext cx="2670746" cy="1942010"/>
+          </a:xfrm>
+          <a:prstGeom prst="straightConnector1">
+            <a:avLst/>
+          </a:prstGeom>
+          <a:ln>
+            <a:tailEnd type="triangle"/>
+          </a:ln>
+        </p:spPr>
+        <p:style>
+          <a:lnRef idx="1">
+            <a:schemeClr val="accent1"/>
+          </a:lnRef>
+          <a:fillRef idx="0">
+            <a:schemeClr val="accent1"/>
+          </a:fillRef>
+          <a:effectRef idx="0">
+            <a:schemeClr val="accent1"/>
+          </a:effectRef>
+          <a:fontRef idx="minor">
+            <a:schemeClr val="tx1"/>
+          </a:fontRef>
+        </p:style>
+      </p:cxnSp>
+      <p:sp>
+        <p:nvSpPr>
+          <p:cNvPr id="90" name="Rectangle 89">
+            <a:extLst>
+              <a:ext uri="{FF2B5EF4-FFF2-40B4-BE49-F238E27FC236}">
+                <a16:creationId xmlns:a16="http://schemas.microsoft.com/office/drawing/2014/main" id="{19FBB960-68DC-4EC3-B12F-106E1010F398}"/>
+              </a:ext>
+            </a:extLst>
+          </p:cNvPr>
+          <p:cNvSpPr/>
+          <p:nvPr/>
+        </p:nvSpPr>
+        <p:spPr>
+          <a:xfrm rot="4581554">
+            <a:off x="10515291" y="2255562"/>
+            <a:ext cx="1766038" cy="215444"/>
+          </a:xfrm>
+          <a:prstGeom prst="rect">
+            <a:avLst/>
+          </a:prstGeom>
+        </p:spPr>
+        <p:txBody>
+          <a:bodyPr wrap="square">
+            <a:spAutoFit/>
+          </a:bodyPr>
+          <a:lstStyle/>
+          <a:p>
+            <a:r>
+              <a:rPr lang="en-US" sz="800" b="1" dirty="0"/>
+              <a:t>13</a:t>
+            </a:r>
+            <a:r>
+              <a:rPr lang="en-US" sz="800" dirty="0"/>
+              <a:t> </a:t>
+            </a:r>
+            <a:r>
+              <a:rPr lang="en-US" sz="800" dirty="0" err="1"/>
+              <a:t>currentOrigins.add</a:t>
+            </a:r>
+            <a:r>
+              <a:rPr lang="en-US" sz="800" dirty="0"/>
+              <a:t>(</a:t>
+            </a:r>
+            <a:r>
+              <a:rPr lang="en-US" sz="800" dirty="0" err="1"/>
+              <a:t>originObject</a:t>
+            </a:r>
+            <a:r>
+              <a:rPr lang="en-US" sz="800" dirty="0"/>
+              <a:t>);</a:t>
+            </a:r>
+          </a:p>
+        </p:txBody>
+      </p:sp>
+      <p:cxnSp>
+        <p:nvCxnSpPr>
+          <p:cNvPr id="92" name="Straight Arrow Connector 91">
+            <a:extLst>
+              <a:ext uri="{FF2B5EF4-FFF2-40B4-BE49-F238E27FC236}">
+                <a16:creationId xmlns:a16="http://schemas.microsoft.com/office/drawing/2014/main" id="{44D8A345-C6E5-4A04-B57D-B0AD64F087EC}"/>
+              </a:ext>
+            </a:extLst>
+          </p:cNvPr>
+          <p:cNvCxnSpPr>
+            <a:cxnSpLocks/>
+            <a:stCxn id="87" idx="2"/>
+            <a:endCxn id="147" idx="0"/>
+          </p:cNvCxnSpPr>
+          <p:nvPr/>
+        </p:nvCxnSpPr>
+        <p:spPr>
+          <a:xfrm>
+            <a:off x="11065128" y="1428653"/>
+            <a:ext cx="541233" cy="2191312"/>
+          </a:xfrm>
+          <a:prstGeom prst="straightConnector1">
+            <a:avLst/>
+          </a:prstGeom>
+          <a:ln>
+            <a:tailEnd type="triangle"/>
+          </a:ln>
+        </p:spPr>
+        <p:style>
+          <a:lnRef idx="1">
+            <a:schemeClr val="accent1"/>
+          </a:lnRef>
+          <a:fillRef idx="0">
+            <a:schemeClr val="accent1"/>
+          </a:fillRef>
+          <a:effectRef idx="0">
+            <a:schemeClr val="accent1"/>
+          </a:effectRef>
+          <a:fontRef idx="minor">
+            <a:schemeClr val="tx1"/>
+          </a:fontRef>
+        </p:style>
+      </p:cxnSp>
+      <p:sp>
+        <p:nvSpPr>
+          <p:cNvPr id="98" name="Flowchart: Predefined Process 97">
+            <a:extLst>
+              <a:ext uri="{FF2B5EF4-FFF2-40B4-BE49-F238E27FC236}">
+                <a16:creationId xmlns:a16="http://schemas.microsoft.com/office/drawing/2014/main" id="{4589597D-9B47-4A9D-869C-B9DF80792372}"/>
+              </a:ext>
+            </a:extLst>
+          </p:cNvPr>
+          <p:cNvSpPr/>
+          <p:nvPr/>
+        </p:nvSpPr>
+        <p:spPr>
+          <a:xfrm>
+            <a:off x="9432297" y="2832248"/>
+            <a:ext cx="724562" cy="429168"/>
+          </a:xfrm>
+          <a:prstGeom prst="flowChartPredefinedProcess">
+            <a:avLst/>
+          </a:prstGeom>
+          <a:solidFill>
+            <a:srgbClr val="0070C0"/>
+          </a:solidFill>
+        </p:spPr>
+        <p:style>
+          <a:lnRef idx="2">
+            <a:schemeClr val="accent1">
+              <a:shade val="50000"/>
+            </a:schemeClr>
+          </a:lnRef>
+          <a:fillRef idx="1">
+            <a:schemeClr val="accent1"/>
+          </a:fillRef>
+          <a:effectRef idx="0">
+            <a:schemeClr val="accent1"/>
+          </a:effectRef>
+          <a:fontRef idx="minor">
+            <a:schemeClr val="lt1"/>
+          </a:fontRef>
+        </p:style>
+        <p:txBody>
+          <a:bodyPr rtlCol="0" anchor="ctr"/>
+          <a:lstStyle/>
+          <a:p>
+            <a:pPr algn="ctr"/>
+            <a:r>
+              <a:rPr lang="en-US" sz="500" b="1" dirty="0"/>
+              <a:t>c</a:t>
+            </a:r>
+            <a:endParaRPr lang="en-US" sz="600" b="1" dirty="0"/>
+          </a:p>
+          <a:p>
+            <a:pPr algn="ctr"/>
+            <a:r>
+              <a:rPr lang="en-US" sz="400" dirty="0"/>
+              <a:t>&lt;Country&gt;</a:t>
+            </a:r>
+          </a:p>
+        </p:txBody>
+      </p:sp>
+      <p:sp>
+        <p:nvSpPr>
+          <p:cNvPr id="52" name="Rectangle 51">
+            <a:extLst>
+              <a:ext uri="{FF2B5EF4-FFF2-40B4-BE49-F238E27FC236}">
+                <a16:creationId xmlns:a16="http://schemas.microsoft.com/office/drawing/2014/main" id="{8116DE77-B652-489D-8B5D-7AB055A5D23A}"/>
+              </a:ext>
+            </a:extLst>
+          </p:cNvPr>
+          <p:cNvSpPr/>
+          <p:nvPr/>
+        </p:nvSpPr>
+        <p:spPr>
+          <a:xfrm rot="2209799">
+            <a:off x="10038854" y="3271651"/>
+            <a:ext cx="1290738" cy="184666"/>
+          </a:xfrm>
+          <a:prstGeom prst="rect">
+            <a:avLst/>
+          </a:prstGeom>
+        </p:spPr>
+        <p:txBody>
+          <a:bodyPr wrap="none">
+            <a:spAutoFit/>
+          </a:bodyPr>
+          <a:lstStyle/>
+          <a:p>
+            <a:r>
+              <a:rPr lang="en-US" sz="600" dirty="0"/>
+              <a:t>14 Country c = </a:t>
+            </a:r>
+            <a:r>
+              <a:rPr lang="en-US" sz="600" dirty="0" err="1"/>
+              <a:t>currentOrigins.get</a:t>
+            </a:r>
+            <a:r>
+              <a:rPr lang="en-US" sz="600" dirty="0"/>
+              <a:t>(</a:t>
+            </a:r>
+            <a:r>
+              <a:rPr lang="en-US" sz="600" dirty="0" err="1"/>
+              <a:t>i</a:t>
+            </a:r>
+            <a:r>
+              <a:rPr lang="en-US" sz="600" dirty="0"/>
+              <a:t>)</a:t>
+            </a:r>
+          </a:p>
+        </p:txBody>
+      </p:sp>
+      <p:cxnSp>
+        <p:nvCxnSpPr>
+          <p:cNvPr id="100" name="Straight Arrow Connector 99">
+            <a:extLst>
+              <a:ext uri="{FF2B5EF4-FFF2-40B4-BE49-F238E27FC236}">
+                <a16:creationId xmlns:a16="http://schemas.microsoft.com/office/drawing/2014/main" id="{3B96EB24-62CC-40D0-B542-BA3AFC8D8BA5}"/>
+              </a:ext>
+            </a:extLst>
+          </p:cNvPr>
+          <p:cNvCxnSpPr>
+            <a:cxnSpLocks/>
+            <a:stCxn id="147" idx="1"/>
+            <a:endCxn id="98" idx="3"/>
+          </p:cNvCxnSpPr>
+          <p:nvPr/>
+        </p:nvCxnSpPr>
+        <p:spPr>
+          <a:xfrm flipH="1" flipV="1">
+            <a:off x="10156859" y="3046832"/>
+            <a:ext cx="1054730" cy="787717"/>
+          </a:xfrm>
+          <a:prstGeom prst="straightConnector1">
+            <a:avLst/>
+          </a:prstGeom>
+          <a:ln>
+            <a:tailEnd type="triangle"/>
+          </a:ln>
+        </p:spPr>
+        <p:style>
+          <a:lnRef idx="1">
+            <a:schemeClr val="accent1"/>
+          </a:lnRef>
+          <a:fillRef idx="0">
+            <a:schemeClr val="accent1"/>
+          </a:fillRef>
+          <a:effectRef idx="0">
+            <a:schemeClr val="accent1"/>
+          </a:effectRef>
+          <a:fontRef idx="minor">
+            <a:schemeClr val="tx1"/>
+          </a:fontRef>
+        </p:style>
+      </p:cxnSp>
+      <p:sp>
+        <p:nvSpPr>
+          <p:cNvPr id="56" name="Rectangle 55">
+            <a:extLst>
+              <a:ext uri="{FF2B5EF4-FFF2-40B4-BE49-F238E27FC236}">
+                <a16:creationId xmlns:a16="http://schemas.microsoft.com/office/drawing/2014/main" id="{D4355941-1ADA-40E4-823E-FACA8170CAF7}"/>
+              </a:ext>
+            </a:extLst>
+          </p:cNvPr>
+          <p:cNvSpPr/>
+          <p:nvPr/>
+        </p:nvSpPr>
+        <p:spPr>
+          <a:xfrm>
+            <a:off x="8050814" y="3853293"/>
+            <a:ext cx="1678665" cy="215444"/>
+          </a:xfrm>
+          <a:prstGeom prst="rect">
+            <a:avLst/>
+          </a:prstGeom>
+        </p:spPr>
+        <p:txBody>
+          <a:bodyPr wrap="none">
+            <a:spAutoFit/>
+          </a:bodyPr>
+          <a:lstStyle/>
+          <a:p>
+            <a:r>
+              <a:rPr lang="en-US" sz="800" b="1" dirty="0"/>
+              <a:t>15</a:t>
+            </a:r>
+            <a:r>
+              <a:rPr lang="en-US" sz="800" dirty="0"/>
+              <a:t> </a:t>
+            </a:r>
+            <a:r>
+              <a:rPr lang="en-US" sz="800" dirty="0" err="1"/>
+              <a:t>controller.updatePlanes</a:t>
+            </a:r>
+            <a:r>
+              <a:rPr lang="en-US" sz="800" dirty="0"/>
+              <a:t>(planes);</a:t>
+            </a:r>
+          </a:p>
+        </p:txBody>
+      </p:sp>
+      <p:sp>
+        <p:nvSpPr>
+          <p:cNvPr id="57" name="Rectangle 56">
+            <a:extLst>
+              <a:ext uri="{FF2B5EF4-FFF2-40B4-BE49-F238E27FC236}">
+                <a16:creationId xmlns:a16="http://schemas.microsoft.com/office/drawing/2014/main" id="{0BEABB79-343E-44D8-B0C5-02806BAAD95C}"/>
+              </a:ext>
+            </a:extLst>
+          </p:cNvPr>
+          <p:cNvSpPr/>
+          <p:nvPr/>
+        </p:nvSpPr>
+        <p:spPr>
+          <a:xfrm rot="2211466">
+            <a:off x="6144715" y="5360611"/>
+            <a:ext cx="3431349" cy="200055"/>
+          </a:xfrm>
+          <a:prstGeom prst="rect">
+            <a:avLst/>
+          </a:prstGeom>
+        </p:spPr>
+        <p:txBody>
+          <a:bodyPr wrap="square">
+            <a:spAutoFit/>
+          </a:bodyPr>
+          <a:lstStyle/>
+          <a:p>
+            <a:r>
+              <a:rPr lang="en-US" sz="700" b="1" dirty="0"/>
+              <a:t>16 </a:t>
+            </a:r>
+            <a:r>
+              <a:rPr lang="en-US" sz="700" dirty="0" err="1"/>
+              <a:t>zoomView.updatePlanes</a:t>
+            </a:r>
+            <a:r>
+              <a:rPr lang="en-US" sz="700" dirty="0"/>
+              <a:t>(planes, </a:t>
+            </a:r>
+            <a:r>
+              <a:rPr lang="en-US" sz="700" dirty="0" err="1"/>
+              <a:t>model.getMinAltitude</a:t>
+            </a:r>
+            <a:r>
+              <a:rPr lang="en-US" sz="700" dirty="0"/>
+              <a:t>(), </a:t>
+            </a:r>
+            <a:r>
+              <a:rPr lang="en-US" sz="700" dirty="0" err="1"/>
+              <a:t>model.getMaxAltitude</a:t>
+            </a:r>
+            <a:r>
+              <a:rPr lang="en-US" sz="700" dirty="0"/>
+              <a:t>());</a:t>
+            </a:r>
+          </a:p>
+        </p:txBody>
+      </p:sp>
     </p:spTree>
     <p:extLst>
       <p:ext uri="{BB962C8B-B14F-4D97-AF65-F5344CB8AC3E}">
